--- a/Jan2015/Summary2015.pptx
+++ b/Jan2015/Summary2015.pptx
@@ -3438,7 +3438,7 @@
         </p:blipFill>
         <p:spPr bwMode="auto">
           <a:xfrm>
-            <a:off x="20888" y="539752"/>
+            <a:off x="20888" y="652410"/>
             <a:ext cx="2400000" cy="1800000"/>
           </a:xfrm>
           <a:prstGeom prst="rect">
@@ -3502,7 +3502,7 @@
         </p:blipFill>
         <p:spPr bwMode="auto">
           <a:xfrm>
-            <a:off x="2132856" y="611760"/>
+            <a:off x="2132856" y="724418"/>
             <a:ext cx="2400000" cy="1800000"/>
           </a:xfrm>
           <a:prstGeom prst="rect">
@@ -3566,7 +3566,7 @@
         </p:blipFill>
         <p:spPr bwMode="auto">
           <a:xfrm>
-            <a:off x="4365104" y="611760"/>
+            <a:off x="4365104" y="724418"/>
             <a:ext cx="2400000" cy="1800000"/>
           </a:xfrm>
           <a:prstGeom prst="rect">
@@ -3615,7 +3615,7 @@
         </p:nvSpPr>
         <p:spPr>
           <a:xfrm>
-            <a:off x="318366" y="170220"/>
+            <a:off x="1669775" y="467544"/>
             <a:ext cx="4766818" cy="369332"/>
           </a:xfrm>
           <a:prstGeom prst="rect">
@@ -3729,7 +3729,7 @@
         </p:nvSpPr>
         <p:spPr>
           <a:xfrm>
-            <a:off x="260648" y="2402468"/>
+            <a:off x="260648" y="2515126"/>
             <a:ext cx="4925516" cy="369332"/>
           </a:xfrm>
           <a:prstGeom prst="rect">
@@ -3800,7 +3800,7 @@
         </p:blipFill>
         <p:spPr bwMode="auto">
           <a:xfrm>
-            <a:off x="2132856" y="2699992"/>
+            <a:off x="2132856" y="2812650"/>
             <a:ext cx="2400000" cy="1800000"/>
           </a:xfrm>
           <a:prstGeom prst="rect">
@@ -3864,7 +3864,7 @@
         </p:blipFill>
         <p:spPr bwMode="auto">
           <a:xfrm>
-            <a:off x="4365104" y="2772000"/>
+            <a:off x="4365104" y="2884658"/>
             <a:ext cx="2400000" cy="1800000"/>
           </a:xfrm>
           <a:prstGeom prst="rect">
@@ -3928,7 +3928,7 @@
         </p:blipFill>
         <p:spPr bwMode="auto">
           <a:xfrm>
-            <a:off x="20888" y="2772000"/>
+            <a:off x="20888" y="2884658"/>
             <a:ext cx="2400000" cy="1800000"/>
           </a:xfrm>
           <a:prstGeom prst="rect">
@@ -4050,7 +4050,7 @@
         </p:blipFill>
         <p:spPr bwMode="auto">
           <a:xfrm>
-            <a:off x="20888" y="4932240"/>
+            <a:off x="20888" y="5044898"/>
             <a:ext cx="2400000" cy="1800000"/>
           </a:xfrm>
           <a:prstGeom prst="rect">
@@ -4114,7 +4114,7 @@
         </p:blipFill>
         <p:spPr bwMode="auto">
           <a:xfrm>
-            <a:off x="4365104" y="4932240"/>
+            <a:off x="4365104" y="5044898"/>
             <a:ext cx="2400000" cy="1800000"/>
           </a:xfrm>
           <a:prstGeom prst="rect">
@@ -4300,8 +4300,8 @@
               <p:nvPr/>
             </p:nvSpPr>
             <p:spPr>
-              <a:xfrm rot="5400000">
-                <a:off x="5464346" y="3799035"/>
+              <a:xfrm>
+                <a:off x="2082445" y="98210"/>
                 <a:ext cx="2616757" cy="369332"/>
               </a:xfrm>
               <a:prstGeom prst="rect">
@@ -4387,8 +4387,8 @@
               <p:nvPr/>
             </p:nvSpPr>
             <p:spPr>
-              <a:xfrm rot="5400000">
-                <a:off x="5464346" y="3799035"/>
+              <a:xfrm>
+                <a:off x="2082445" y="98210"/>
                 <a:ext cx="2616757" cy="369332"/>
               </a:xfrm>
               <a:prstGeom prst="rect">
@@ -4397,7 +4397,7 @@
               <a:blipFill rotWithShape="1">
                 <a:blip r:embed="rId12"/>
                 <a:stretch>
-                  <a:fillRect l="-26667" t="-2098" r="-8333"/>
+                  <a:fillRect l="-2098" t="-8197" b="-24590"/>
                 </a:stretch>
               </a:blipFill>
             </p:spPr>
@@ -4529,12 +4529,15 @@
           <p:nvPr/>
         </p:nvSpPr>
         <p:spPr>
-          <a:xfrm>
-            <a:off x="6519507" y="570141"/>
-            <a:ext cx="210186" cy="6090091"/>
+          <a:xfrm rot="16200000">
+            <a:off x="3225768" y="-2721126"/>
+            <a:ext cx="235485" cy="6377337"/>
           </a:xfrm>
           <a:prstGeom prst="rightBrace">
-            <a:avLst/>
+            <a:avLst>
+              <a:gd name="adj1" fmla="val 8333"/>
+              <a:gd name="adj2" fmla="val 50116"/>
+            </a:avLst>
           </a:prstGeom>
         </p:spPr>
         <p:style>
@@ -4641,7 +4644,7 @@
         </p:blipFill>
         <p:spPr bwMode="auto">
           <a:xfrm>
-            <a:off x="2132856" y="4932240"/>
+            <a:off x="2132856" y="5044898"/>
             <a:ext cx="2400000" cy="1800000"/>
           </a:xfrm>
           <a:prstGeom prst="rect">
@@ -4690,7 +4693,7 @@
         </p:nvSpPr>
         <p:spPr>
           <a:xfrm>
-            <a:off x="175028" y="4562708"/>
+            <a:off x="175028" y="4675366"/>
             <a:ext cx="4539191" cy="369332"/>
           </a:xfrm>
           <a:prstGeom prst="rect">
@@ -4932,14 +4935,14 @@
       </p:grpSpPr>
       <p:pic>
         <p:nvPicPr>
-          <p:cNvPr id="1032" name="Picture 8"/>
+          <p:cNvPr id="2057" name="Picture 9"/>
           <p:cNvPicPr>
             <a:picLocks noChangeAspect="1" noChangeArrowheads="1"/>
           </p:cNvPicPr>
           <p:nvPr/>
         </p:nvPicPr>
         <p:blipFill>
-          <a:blip r:embed="rId2" cstate="print">
+          <a:blip r:embed="rId2">
             <a:extLst>
               <a:ext uri="{28A0092B-C50C-407E-A947-70E740481C1C}">
                 <a14:useLocalDpi xmlns:a14="http://schemas.microsoft.com/office/drawing/2010/main" val="0"/>
@@ -4953,7 +4956,7 @@
         </p:blipFill>
         <p:spPr bwMode="auto">
           <a:xfrm>
-            <a:off x="20888" y="4932240"/>
+            <a:off x="2253136" y="4499992"/>
             <a:ext cx="2400000" cy="1800000"/>
           </a:xfrm>
           <a:prstGeom prst="rect">
@@ -4996,14 +4999,14 @@
       </p:pic>
       <p:pic>
         <p:nvPicPr>
-          <p:cNvPr id="1034" name="Picture 10"/>
+          <p:cNvPr id="2058" name="Picture 10"/>
           <p:cNvPicPr>
             <a:picLocks noChangeAspect="1" noChangeArrowheads="1"/>
           </p:cNvPicPr>
           <p:nvPr/>
         </p:nvPicPr>
         <p:blipFill>
-          <a:blip r:embed="rId3" cstate="print">
+          <a:blip r:embed="rId3">
             <a:extLst>
               <a:ext uri="{28A0092B-C50C-407E-A947-70E740481C1C}">
                 <a14:useLocalDpi xmlns:a14="http://schemas.microsoft.com/office/drawing/2010/main" val="0"/>
@@ -5017,7 +5020,7 @@
         </p:blipFill>
         <p:spPr bwMode="auto">
           <a:xfrm>
-            <a:off x="4365104" y="4932240"/>
+            <a:off x="4437112" y="4499992"/>
             <a:ext cx="2400000" cy="1800000"/>
           </a:xfrm>
           <a:prstGeom prst="rect">
@@ -5060,14 +5063,14 @@
       </p:pic>
       <p:pic>
         <p:nvPicPr>
-          <p:cNvPr id="1035" name="Picture 11"/>
+          <p:cNvPr id="2054" name="Picture 6"/>
           <p:cNvPicPr>
             <a:picLocks noChangeAspect="1" noChangeArrowheads="1"/>
           </p:cNvPicPr>
           <p:nvPr/>
         </p:nvPicPr>
         <p:blipFill>
-          <a:blip r:embed="rId4" cstate="print">
+          <a:blip r:embed="rId4">
             <a:extLst>
               <a:ext uri="{28A0092B-C50C-407E-A947-70E740481C1C}">
                 <a14:useLocalDpi xmlns:a14="http://schemas.microsoft.com/office/drawing/2010/main" val="0"/>
@@ -5081,8 +5084,8 @@
         </p:blipFill>
         <p:spPr bwMode="auto">
           <a:xfrm>
-            <a:off x="404664" y="7020472"/>
-            <a:ext cx="2152048" cy="1800000"/>
+            <a:off x="2325144" y="2627984"/>
+            <a:ext cx="2400000" cy="1800000"/>
           </a:xfrm>
           <a:prstGeom prst="rect">
             <a:avLst/>
@@ -5122,88 +5125,16 @@
           </a:extLst>
         </p:spPr>
       </p:pic>
-      <p:sp>
-        <p:nvSpPr>
-          <p:cNvPr id="8" name="TextBox 7"/>
-          <p:cNvSpPr txBox="1"/>
-          <p:nvPr/>
-        </p:nvSpPr>
-        <p:spPr>
-          <a:xfrm>
-            <a:off x="260648" y="6722948"/>
-            <a:ext cx="2667718" cy="369332"/>
-          </a:xfrm>
-          <a:prstGeom prst="rect">
-            <a:avLst/>
-          </a:prstGeom>
-          <a:noFill/>
-        </p:spPr>
-        <p:txBody>
-          <a:bodyPr wrap="none" rtlCol="0">
-            <a:spAutoFit/>
-          </a:bodyPr>
-          <a:lstStyle/>
-          <a:p>
-            <a:r>
-              <a:rPr lang="en-GB" dirty="0" err="1" smtClean="0"/>
-              <a:t>dE</a:t>
-            </a:r>
-            <a:r>
-              <a:rPr lang="en-GB" dirty="0" smtClean="0"/>
-              <a:t>=70-75, &lt;±1,x,y&gt; </a:t>
-            </a:r>
-            <a:r>
-              <a:rPr lang="en-GB" dirty="0" err="1" smtClean="0"/>
-              <a:t>dK</a:t>
-            </a:r>
-            <a:r>
-              <a:rPr lang="en-GB" dirty="0" smtClean="0"/>
-              <a:t>=0.2</a:t>
-            </a:r>
-            <a:endParaRPr lang="en-GB" dirty="0"/>
-          </a:p>
-        </p:txBody>
-      </p:sp>
       <p:pic>
         <p:nvPicPr>
-          <p:cNvPr id="22" name="Picture 21"/>
-          <p:cNvPicPr>
-            <a:picLocks noChangeAspect="1"/>
-          </p:cNvPicPr>
-          <p:nvPr/>
-        </p:nvPicPr>
-        <p:blipFill>
-          <a:blip r:embed="rId5" cstate="print">
-            <a:extLst>
-              <a:ext uri="{28A0092B-C50C-407E-A947-70E740481C1C}">
-                <a14:useLocalDpi xmlns:a14="http://schemas.microsoft.com/office/drawing/2010/main" val="0"/>
-              </a:ext>
-            </a:extLst>
-          </a:blip>
-          <a:stretch>
-            <a:fillRect/>
-          </a:stretch>
-        </p:blipFill>
-        <p:spPr>
-          <a:xfrm>
-            <a:off x="4874181" y="6804248"/>
-            <a:ext cx="1939195" cy="1800000"/>
-          </a:xfrm>
-          <a:prstGeom prst="rect">
-            <a:avLst/>
-          </a:prstGeom>
-        </p:spPr>
-      </p:pic>
-      <p:pic>
-        <p:nvPicPr>
-          <p:cNvPr id="1037" name="Picture 13"/>
+          <p:cNvPr id="2055" name="Picture 7"/>
           <p:cNvPicPr>
             <a:picLocks noChangeAspect="1" noChangeArrowheads="1"/>
           </p:cNvPicPr>
           <p:nvPr/>
         </p:nvPicPr>
         <p:blipFill>
-          <a:blip r:embed="rId6" cstate="print">
+          <a:blip r:embed="rId5">
             <a:extLst>
               <a:ext uri="{28A0092B-C50C-407E-A947-70E740481C1C}">
                 <a14:useLocalDpi xmlns:a14="http://schemas.microsoft.com/office/drawing/2010/main" val="0"/>
@@ -5217,8 +5148,8 @@
         </p:blipFill>
         <p:spPr bwMode="auto">
           <a:xfrm>
-            <a:off x="3021184" y="6804488"/>
-            <a:ext cx="2064000" cy="2160000"/>
+            <a:off x="4437112" y="2571750"/>
+            <a:ext cx="2400000" cy="1800000"/>
           </a:xfrm>
           <a:prstGeom prst="rect">
             <a:avLst/>
@@ -5260,14 +5191,14 @@
       </p:pic>
       <p:sp>
         <p:nvSpPr>
-          <p:cNvPr id="26" name="TextBox 25"/>
+          <p:cNvPr id="15" name="TextBox 14"/>
           <p:cNvSpPr txBox="1"/>
           <p:nvPr/>
         </p:nvSpPr>
         <p:spPr>
           <a:xfrm>
-            <a:off x="3092870" y="6722948"/>
-            <a:ext cx="3135795" cy="369332"/>
+            <a:off x="316529" y="107504"/>
+            <a:ext cx="5223674" cy="369332"/>
           </a:xfrm>
           <a:prstGeom prst="rect">
             <a:avLst/>
@@ -5282,11 +5213,29 @@
           <a:p>
             <a:r>
               <a:rPr lang="en-GB" dirty="0" err="1" smtClean="0"/>
+              <a:t>Ei</a:t>
+            </a:r>
+            <a:r>
+              <a:rPr lang="en-GB" dirty="0" smtClean="0"/>
+              <a:t>=186 Bragg 200, Directions [100] (</a:t>
+            </a:r>
+            <a:r>
+              <a:rPr lang="en-GB" dirty="0" smtClean="0">
+                <a:latin typeface="Symbol" panose="05050102010706020507" pitchFamily="18" charset="2"/>
+              </a:rPr>
+              <a:t>G</a:t>
+            </a:r>
+            <a:r>
+              <a:rPr lang="en-GB" dirty="0" smtClean="0"/>
+              <a:t>H), </a:t>
+            </a:r>
+            <a:r>
+              <a:rPr lang="en-GB" dirty="0" err="1" smtClean="0"/>
               <a:t>dE</a:t>
             </a:r>
             <a:r>
               <a:rPr lang="en-GB" dirty="0" smtClean="0"/>
-              <a:t>=100-105, cut &lt;0,x,y&gt; </a:t>
+              <a:t>=5, </a:t>
             </a:r>
             <a:r>
               <a:rPr lang="en-GB" dirty="0" err="1" smtClean="0"/>
@@ -5294,7 +5243,7 @@
             </a:r>
             <a:r>
               <a:rPr lang="en-GB" dirty="0" smtClean="0"/>
-              <a:t>=0.2</a:t>
+              <a:t>=0.1</a:t>
             </a:r>
             <a:endParaRPr lang="en-GB" dirty="0"/>
           </a:p>
@@ -5302,14 +5251,14 @@
       </p:sp>
       <p:pic>
         <p:nvPicPr>
-          <p:cNvPr id="1033" name="Picture 9"/>
+          <p:cNvPr id="2050" name="Picture 2"/>
           <p:cNvPicPr>
             <a:picLocks noChangeAspect="1" noChangeArrowheads="1"/>
           </p:cNvPicPr>
           <p:nvPr/>
         </p:nvPicPr>
         <p:blipFill>
-          <a:blip r:embed="rId7" cstate="print">
+          <a:blip r:embed="rId6">
             <a:extLst>
               <a:ext uri="{28A0092B-C50C-407E-A947-70E740481C1C}">
                 <a14:useLocalDpi xmlns:a14="http://schemas.microsoft.com/office/drawing/2010/main" val="0"/>
@@ -5323,7 +5272,7 @@
         </p:blipFill>
         <p:spPr bwMode="auto">
           <a:xfrm>
-            <a:off x="2132856" y="4932240"/>
+            <a:off x="44624" y="467544"/>
             <a:ext cx="2400000" cy="1800000"/>
           </a:xfrm>
           <a:prstGeom prst="rect">
@@ -5364,238 +5313,16 @@
           </a:extLst>
         </p:spPr>
       </p:pic>
-      <p:sp>
-        <p:nvSpPr>
-          <p:cNvPr id="15" name="TextBox 14"/>
-          <p:cNvSpPr txBox="1"/>
-          <p:nvPr/>
-        </p:nvSpPr>
-        <p:spPr>
-          <a:xfrm>
-            <a:off x="316529" y="107504"/>
-            <a:ext cx="5223674" cy="369332"/>
-          </a:xfrm>
-          <a:prstGeom prst="rect">
-            <a:avLst/>
-          </a:prstGeom>
-          <a:noFill/>
-        </p:spPr>
-        <p:txBody>
-          <a:bodyPr wrap="none" rtlCol="0">
-            <a:spAutoFit/>
-          </a:bodyPr>
-          <a:lstStyle/>
-          <a:p>
-            <a:r>
-              <a:rPr lang="en-GB" dirty="0" err="1" smtClean="0"/>
-              <a:t>Ei</a:t>
-            </a:r>
-            <a:r>
-              <a:rPr lang="en-GB" dirty="0" smtClean="0"/>
-              <a:t>=186 Bragg 200, Directions [100] (</a:t>
-            </a:r>
-            <a:r>
-              <a:rPr lang="en-GB" dirty="0" smtClean="0">
-                <a:latin typeface="Symbol" panose="05050102010706020507" pitchFamily="18" charset="2"/>
-              </a:rPr>
-              <a:t>G</a:t>
-            </a:r>
-            <a:r>
-              <a:rPr lang="en-GB" dirty="0" smtClean="0"/>
-              <a:t>H), </a:t>
-            </a:r>
-            <a:r>
-              <a:rPr lang="en-GB" dirty="0" err="1" smtClean="0"/>
-              <a:t>dE</a:t>
-            </a:r>
-            <a:r>
-              <a:rPr lang="en-GB" dirty="0" smtClean="0"/>
-              <a:t>=5, </a:t>
-            </a:r>
-            <a:r>
-              <a:rPr lang="en-GB" dirty="0" err="1" smtClean="0"/>
-              <a:t>dK</a:t>
-            </a:r>
-            <a:r>
-              <a:rPr lang="en-GB" dirty="0" smtClean="0"/>
-              <a:t>=0.1</a:t>
-            </a:r>
-            <a:endParaRPr lang="en-GB" dirty="0"/>
-          </a:p>
-        </p:txBody>
-      </p:sp>
-      <p:cxnSp>
-        <p:nvCxnSpPr>
-          <p:cNvPr id="17" name="Straight Arrow Connector 16"/>
-          <p:cNvCxnSpPr/>
-          <p:nvPr/>
-        </p:nvCxnSpPr>
-        <p:spPr>
-          <a:xfrm flipV="1">
-            <a:off x="2723406" y="7380312"/>
-            <a:ext cx="1281658" cy="540160"/>
-          </a:xfrm>
-          <a:prstGeom prst="straightConnector1">
-            <a:avLst/>
-          </a:prstGeom>
-          <a:ln>
-            <a:tailEnd type="arrow"/>
-          </a:ln>
-        </p:spPr>
-        <p:style>
-          <a:lnRef idx="1">
-            <a:schemeClr val="accent1"/>
-          </a:lnRef>
-          <a:fillRef idx="0">
-            <a:schemeClr val="accent1"/>
-          </a:fillRef>
-          <a:effectRef idx="0">
-            <a:schemeClr val="accent1"/>
-          </a:effectRef>
-          <a:fontRef idx="minor">
-            <a:schemeClr val="tx1"/>
-          </a:fontRef>
-        </p:style>
-      </p:cxnSp>
-      <p:cxnSp>
-        <p:nvCxnSpPr>
-          <p:cNvPr id="19" name="Straight Arrow Connector 18"/>
-          <p:cNvCxnSpPr/>
-          <p:nvPr/>
-        </p:nvCxnSpPr>
-        <p:spPr>
-          <a:xfrm flipV="1">
-            <a:off x="2723406" y="7884488"/>
-            <a:ext cx="1497682" cy="35984"/>
-          </a:xfrm>
-          <a:prstGeom prst="straightConnector1">
-            <a:avLst/>
-          </a:prstGeom>
-          <a:ln>
-            <a:tailEnd type="arrow"/>
-          </a:ln>
-        </p:spPr>
-        <p:style>
-          <a:lnRef idx="1">
-            <a:schemeClr val="accent1"/>
-          </a:lnRef>
-          <a:fillRef idx="0">
-            <a:schemeClr val="accent1"/>
-          </a:fillRef>
-          <a:effectRef idx="0">
-            <a:schemeClr val="accent1"/>
-          </a:effectRef>
-          <a:fontRef idx="minor">
-            <a:schemeClr val="tx1"/>
-          </a:fontRef>
-        </p:style>
-      </p:cxnSp>
-      <p:sp>
-        <p:nvSpPr>
-          <p:cNvPr id="23" name="TextBox 22"/>
-          <p:cNvSpPr txBox="1"/>
-          <p:nvPr/>
-        </p:nvSpPr>
-        <p:spPr>
-          <a:xfrm>
-            <a:off x="2420888" y="7533148"/>
-            <a:ext cx="562975" cy="369332"/>
-          </a:xfrm>
-          <a:prstGeom prst="rect">
-            <a:avLst/>
-          </a:prstGeom>
-          <a:noFill/>
-        </p:spPr>
-        <p:txBody>
-          <a:bodyPr wrap="none" rtlCol="0">
-            <a:spAutoFit/>
-          </a:bodyPr>
-          <a:lstStyle/>
-          <a:p>
-            <a:r>
-              <a:rPr lang="en-GB" dirty="0" smtClean="0"/>
-              <a:t>Gap</a:t>
-            </a:r>
-            <a:endParaRPr lang="en-GB" dirty="0"/>
-          </a:p>
-        </p:txBody>
-      </p:sp>
-      <p:cxnSp>
-        <p:nvCxnSpPr>
-          <p:cNvPr id="25" name="Straight Arrow Connector 24"/>
-          <p:cNvCxnSpPr/>
-          <p:nvPr/>
-        </p:nvCxnSpPr>
-        <p:spPr>
-          <a:xfrm flipH="1" flipV="1">
-            <a:off x="1772816" y="7884488"/>
-            <a:ext cx="928959" cy="35984"/>
-          </a:xfrm>
-          <a:prstGeom prst="straightConnector1">
-            <a:avLst/>
-          </a:prstGeom>
-          <a:ln>
-            <a:tailEnd type="arrow"/>
-          </a:ln>
-        </p:spPr>
-        <p:style>
-          <a:lnRef idx="1">
-            <a:schemeClr val="accent1"/>
-          </a:lnRef>
-          <a:fillRef idx="0">
-            <a:schemeClr val="accent1"/>
-          </a:fillRef>
-          <a:effectRef idx="0">
-            <a:schemeClr val="accent1"/>
-          </a:effectRef>
-          <a:fontRef idx="minor">
-            <a:schemeClr val="tx1"/>
-          </a:fontRef>
-        </p:style>
-      </p:cxnSp>
-      <p:cxnSp>
-        <p:nvCxnSpPr>
-          <p:cNvPr id="29" name="Straight Arrow Connector 28"/>
-          <p:cNvCxnSpPr/>
-          <p:nvPr/>
-        </p:nvCxnSpPr>
-        <p:spPr>
-          <a:xfrm flipH="1">
-            <a:off x="1412776" y="7920472"/>
-            <a:ext cx="1289600" cy="323936"/>
-          </a:xfrm>
-          <a:prstGeom prst="straightConnector1">
-            <a:avLst/>
-          </a:prstGeom>
-          <a:ln>
-            <a:tailEnd type="arrow"/>
-          </a:ln>
-        </p:spPr>
-        <p:style>
-          <a:lnRef idx="1">
-            <a:schemeClr val="accent1"/>
-          </a:lnRef>
-          <a:fillRef idx="0">
-            <a:schemeClr val="accent1"/>
-          </a:fillRef>
-          <a:effectRef idx="0">
-            <a:schemeClr val="accent1"/>
-          </a:effectRef>
-          <a:fontRef idx="minor">
-            <a:schemeClr val="tx1"/>
-          </a:fontRef>
-        </p:style>
-      </p:cxnSp>
       <p:pic>
         <p:nvPicPr>
-          <p:cNvPr id="2050" name="Picture 2"/>
+          <p:cNvPr id="2051" name="Picture 3"/>
           <p:cNvPicPr>
             <a:picLocks noChangeAspect="1" noChangeArrowheads="1"/>
           </p:cNvPicPr>
           <p:nvPr/>
         </p:nvPicPr>
         <p:blipFill>
-          <a:blip r:embed="rId8">
+          <a:blip r:embed="rId7">
             <a:extLst>
               <a:ext uri="{28A0092B-C50C-407E-A947-70E740481C1C}">
                 <a14:useLocalDpi xmlns:a14="http://schemas.microsoft.com/office/drawing/2010/main" val="0"/>
@@ -5609,7 +5336,7 @@
         </p:blipFill>
         <p:spPr bwMode="auto">
           <a:xfrm>
-            <a:off x="44624" y="467544"/>
+            <a:off x="4341368" y="467544"/>
             <a:ext cx="2400000" cy="1800000"/>
           </a:xfrm>
           <a:prstGeom prst="rect">
@@ -5652,14 +5379,14 @@
       </p:pic>
       <p:pic>
         <p:nvPicPr>
-          <p:cNvPr id="2051" name="Picture 3"/>
+          <p:cNvPr id="2052" name="Picture 4"/>
           <p:cNvPicPr>
             <a:picLocks noChangeAspect="1" noChangeArrowheads="1"/>
           </p:cNvPicPr>
           <p:nvPr/>
         </p:nvPicPr>
         <p:blipFill>
-          <a:blip r:embed="rId9">
+          <a:blip r:embed="rId8">
             <a:extLst>
               <a:ext uri="{28A0092B-C50C-407E-A947-70E740481C1C}">
                 <a14:useLocalDpi xmlns:a14="http://schemas.microsoft.com/office/drawing/2010/main" val="0"/>
@@ -5673,7 +5400,7 @@
         </p:blipFill>
         <p:spPr bwMode="auto">
           <a:xfrm>
-            <a:off x="4341368" y="467544"/>
+            <a:off x="2132856" y="467544"/>
             <a:ext cx="2400000" cy="1800000"/>
           </a:xfrm>
           <a:prstGeom prst="rect">
@@ -5714,9 +5441,192 @@
           </a:extLst>
         </p:spPr>
       </p:pic>
+      <p:sp>
+        <p:nvSpPr>
+          <p:cNvPr id="28" name="TextBox 27"/>
+          <p:cNvSpPr txBox="1"/>
+          <p:nvPr/>
+        </p:nvSpPr>
+        <p:spPr>
+          <a:xfrm>
+            <a:off x="4630009" y="683568"/>
+            <a:ext cx="1879041" cy="369332"/>
+          </a:xfrm>
+          <a:prstGeom prst="rect">
+            <a:avLst/>
+          </a:prstGeom>
+          <a:noFill/>
+        </p:spPr>
+        <p:txBody>
+          <a:bodyPr wrap="none" rtlCol="0">
+            <a:spAutoFit/>
+          </a:bodyPr>
+          <a:lstStyle/>
+          <a:p>
+            <a:r>
+              <a:rPr lang="en-GB" i="1" dirty="0" smtClean="0"/>
+              <a:t>|D|=</a:t>
+            </a:r>
+            <a:r>
+              <a:rPr lang="en-GB" dirty="0" smtClean="0"/>
+              <a:t>237 [</a:t>
+            </a:r>
+            <a:r>
+              <a:rPr lang="en-GB" sz="1400" dirty="0" err="1" smtClean="0"/>
+              <a:t>meV</a:t>
+            </a:r>
+            <a:r>
+              <a:rPr lang="en-GB" sz="1400" dirty="0" smtClean="0"/>
+              <a:t>*</a:t>
+            </a:r>
+            <a:r>
+              <a:rPr lang="en-GB" sz="1400" dirty="0" smtClean="0">
+                <a:latin typeface="Symbol" panose="05050102010706020507" pitchFamily="18" charset="2"/>
+              </a:rPr>
+              <a:t>A</a:t>
+            </a:r>
+            <a:r>
+              <a:rPr lang="en-GB" sz="1400" baseline="30000" dirty="0" smtClean="0">
+                <a:latin typeface="Symbol" panose="05050102010706020507" pitchFamily="18" charset="2"/>
+              </a:rPr>
+              <a:t>-2</a:t>
+            </a:r>
+            <a:r>
+              <a:rPr lang="en-GB" dirty="0" smtClean="0"/>
+              <a:t>]</a:t>
+            </a:r>
+            <a:endParaRPr lang="en-GB" dirty="0"/>
+          </a:p>
+        </p:txBody>
+      </p:sp>
+      <mc:AlternateContent xmlns:mc="http://schemas.openxmlformats.org/markup-compatibility/2006">
+        <mc:Choice xmlns:a14="http://schemas.microsoft.com/office/drawing/2010/main" Requires="a14">
+          <p:sp>
+            <p:nvSpPr>
+              <p:cNvPr id="32" name="TextBox 31"/>
+              <p:cNvSpPr txBox="1"/>
+              <p:nvPr/>
+            </p:nvSpPr>
+            <p:spPr>
+              <a:xfrm>
+                <a:off x="1988840" y="2123728"/>
+                <a:ext cx="2616757" cy="369332"/>
+              </a:xfrm>
+              <a:prstGeom prst="rect">
+                <a:avLst/>
+              </a:prstGeom>
+              <a:noFill/>
+            </p:spPr>
+            <p:txBody>
+              <a:bodyPr wrap="square" rtlCol="0">
+                <a:spAutoFit/>
+              </a:bodyPr>
+              <a:lstStyle/>
+              <a:p>
+                <a:r>
+                  <a:rPr lang="en-GB" dirty="0" smtClean="0"/>
+                  <a:t>Ei = 400; </a:t>
+                </a:r>
+                <a14:m>
+                  <m:oMath xmlns:m="http://schemas.openxmlformats.org/officeDocument/2006/math">
+                    <m:r>
+                      <a:rPr lang="en-GB" b="0" i="0" smtClean="0">
+                        <a:latin typeface="Cambria Math"/>
+                      </a:rPr>
+                      <m:t>  </m:t>
+                    </m:r>
+                    <m:r>
+                      <a:rPr lang="en-GB" b="0" i="1" smtClean="0">
+                        <a:latin typeface="Cambria Math"/>
+                      </a:rPr>
+                      <m:t>𝐸</m:t>
+                    </m:r>
+                    <m:r>
+                      <a:rPr lang="en-GB" b="0" i="1" smtClean="0">
+                        <a:latin typeface="Cambria Math"/>
+                      </a:rPr>
+                      <m:t>=</m:t>
+                    </m:r>
+                    <m:r>
+                      <a:rPr lang="en-GB" b="0" i="1" smtClean="0">
+                        <a:latin typeface="Cambria Math"/>
+                      </a:rPr>
+                      <m:t>𝐷</m:t>
+                    </m:r>
+                    <m:sSup>
+                      <m:sSupPr>
+                        <m:ctrlPr>
+                          <a:rPr lang="en-GB" i="1" smtClean="0">
+                            <a:latin typeface="Cambria Math"/>
+                          </a:rPr>
+                        </m:ctrlPr>
+                      </m:sSupPr>
+                      <m:e>
+                        <m:r>
+                          <a:rPr lang="en-GB" b="0" i="1" smtClean="0">
+                            <a:latin typeface="Cambria Math"/>
+                          </a:rPr>
+                          <m:t>𝑞</m:t>
+                        </m:r>
+                      </m:e>
+                      <m:sup>
+                        <m:r>
+                          <a:rPr lang="en-GB" i="1" smtClean="0">
+                            <a:latin typeface="Cambria Math"/>
+                          </a:rPr>
+                          <m:t>2</m:t>
+                        </m:r>
+                      </m:sup>
+                    </m:sSup>
+                  </m:oMath>
+                </a14:m>
+                <a:endParaRPr lang="en-GB" dirty="0"/>
+              </a:p>
+            </p:txBody>
+          </p:sp>
+        </mc:Choice>
+        <mc:Fallback>
+          <p:sp>
+            <p:nvSpPr>
+              <p:cNvPr id="32" name="TextBox 31"/>
+              <p:cNvSpPr txBox="1">
+                <a:spLocks noRot="1" noChangeAspect="1" noMove="1" noResize="1" noEditPoints="1" noAdjustHandles="1" noChangeArrowheads="1" noChangeShapeType="1" noTextEdit="1"/>
+              </p:cNvSpPr>
+              <p:nvPr/>
+            </p:nvSpPr>
+            <p:spPr>
+              <a:xfrm>
+                <a:off x="1988840" y="2123728"/>
+                <a:ext cx="2616757" cy="369332"/>
+              </a:xfrm>
+              <a:prstGeom prst="rect">
+                <a:avLst/>
+              </a:prstGeom>
+              <a:blipFill rotWithShape="1">
+                <a:blip r:embed="rId9"/>
+                <a:stretch>
+                  <a:fillRect l="-1860" t="-8197" b="-24590"/>
+                </a:stretch>
+              </a:blipFill>
+            </p:spPr>
+            <p:txBody>
+              <a:bodyPr/>
+              <a:lstStyle/>
+              <a:p>
+                <a:r>
+                  <a:rPr lang="en-GB">
+                    <a:noFill/>
+                  </a:rPr>
+                  <a:t> </a:t>
+                </a:r>
+              </a:p>
+            </p:txBody>
+          </p:sp>
+        </mc:Fallback>
+      </mc:AlternateContent>
       <p:pic>
         <p:nvPicPr>
-          <p:cNvPr id="2052" name="Picture 4"/>
+          <p:cNvPr id="2053" name="Picture 5"/>
           <p:cNvPicPr>
             <a:picLocks noChangeAspect="1" noChangeArrowheads="1"/>
           </p:cNvPicPr>
@@ -5737,7 +5647,7 @@
         </p:blipFill>
         <p:spPr bwMode="auto">
           <a:xfrm>
-            <a:off x="2132856" y="467544"/>
+            <a:off x="188640" y="2555776"/>
             <a:ext cx="2400000" cy="1800000"/>
           </a:xfrm>
           <a:prstGeom prst="rect">
@@ -5780,14 +5690,55 @@
       </p:pic>
       <p:sp>
         <p:nvSpPr>
-          <p:cNvPr id="28" name="TextBox 27"/>
+          <p:cNvPr id="33" name="Right Brace 32"/>
+          <p:cNvSpPr/>
+          <p:nvPr/>
+        </p:nvSpPr>
+        <p:spPr>
+          <a:xfrm rot="16200000">
+            <a:off x="3290941" y="-731173"/>
+            <a:ext cx="235485" cy="6377337"/>
+          </a:xfrm>
+          <a:prstGeom prst="rightBrace">
+            <a:avLst>
+              <a:gd name="adj1" fmla="val 8333"/>
+              <a:gd name="adj2" fmla="val 50116"/>
+            </a:avLst>
+          </a:prstGeom>
+        </p:spPr>
+        <p:style>
+          <a:lnRef idx="1">
+            <a:schemeClr val="accent1"/>
+          </a:lnRef>
+          <a:fillRef idx="0">
+            <a:schemeClr val="accent1"/>
+          </a:fillRef>
+          <a:effectRef idx="0">
+            <a:schemeClr val="accent1"/>
+          </a:effectRef>
+          <a:fontRef idx="minor">
+            <a:schemeClr val="tx1"/>
+          </a:fontRef>
+        </p:style>
+        <p:txBody>
+          <a:bodyPr rtlCol="0" anchor="ctr"/>
+          <a:lstStyle/>
+          <a:p>
+            <a:pPr algn="ctr"/>
+            <a:endParaRPr lang="en-GB"/>
+          </a:p>
+        </p:txBody>
+      </p:sp>
+      <p:sp>
+        <p:nvSpPr>
+          <p:cNvPr id="35" name="TextBox 34"/>
           <p:cNvSpPr txBox="1"/>
           <p:nvPr/>
         </p:nvSpPr>
         <p:spPr>
           <a:xfrm>
-            <a:off x="4630009" y="683568"/>
-            <a:ext cx="1879041" cy="369332"/>
+            <a:off x="822422" y="2411760"/>
+            <a:ext cx="4539191" cy="369332"/>
           </a:xfrm>
           <a:prstGeom prst="rect">
             <a:avLst/>
@@ -5801,20 +5752,68 @@
           <a:lstStyle/>
           <a:p>
             <a:r>
+              <a:rPr lang="en-GB" dirty="0" smtClean="0"/>
+              <a:t>Bragg 110, Directions [100] (</a:t>
+            </a:r>
+            <a:r>
+              <a:rPr lang="en-GB" dirty="0" smtClean="0">
+                <a:latin typeface="Symbol" panose="05050102010706020507" pitchFamily="18" charset="2"/>
+              </a:rPr>
+              <a:t>G</a:t>
+            </a:r>
+            <a:r>
+              <a:rPr lang="en-GB" dirty="0" smtClean="0"/>
+              <a:t>H), </a:t>
+            </a:r>
+            <a:r>
+              <a:rPr lang="en-GB" dirty="0" err="1" smtClean="0"/>
+              <a:t>dE</a:t>
+            </a:r>
+            <a:r>
+              <a:rPr lang="en-GB" dirty="0" smtClean="0"/>
+              <a:t>=5, </a:t>
+            </a:r>
+            <a:r>
+              <a:rPr lang="en-GB" dirty="0" err="1" smtClean="0"/>
+              <a:t>dK</a:t>
+            </a:r>
+            <a:r>
+              <a:rPr lang="en-GB" dirty="0" smtClean="0"/>
+              <a:t>=0.1</a:t>
+            </a:r>
+            <a:endParaRPr lang="en-GB" dirty="0"/>
+          </a:p>
+        </p:txBody>
+      </p:sp>
+      <p:sp>
+        <p:nvSpPr>
+          <p:cNvPr id="38" name="TextBox 37"/>
+          <p:cNvSpPr txBox="1"/>
+          <p:nvPr/>
+        </p:nvSpPr>
+        <p:spPr>
+          <a:xfrm>
+            <a:off x="4797152" y="2699792"/>
+            <a:ext cx="1879041" cy="369332"/>
+          </a:xfrm>
+          <a:prstGeom prst="rect">
+            <a:avLst/>
+          </a:prstGeom>
+          <a:noFill/>
+        </p:spPr>
+        <p:txBody>
+          <a:bodyPr wrap="none" rtlCol="0">
+            <a:spAutoFit/>
+          </a:bodyPr>
+          <a:lstStyle/>
+          <a:p>
+            <a:r>
               <a:rPr lang="en-GB" i="1" dirty="0" smtClean="0"/>
-              <a:t>|D</a:t>
-            </a:r>
-            <a:r>
-              <a:rPr lang="en-GB" i="1" smtClean="0"/>
-              <a:t>|=</a:t>
-            </a:r>
-            <a:r>
-              <a:rPr lang="en-GB" smtClean="0"/>
-              <a:t>237 </a:t>
+              <a:t>|D|=</a:t>
             </a:r>
             <a:r>
               <a:rPr lang="en-GB" dirty="0" smtClean="0"/>
-              <a:t>[</a:t>
+              <a:t>237 [</a:t>
             </a:r>
             <a:r>
               <a:rPr lang="en-GB" sz="1400" dirty="0" err="1" smtClean="0"/>
@@ -5841,6 +5840,1084 @@
               <a:t>]</a:t>
             </a:r>
             <a:endParaRPr lang="en-GB" dirty="0"/>
+          </a:p>
+        </p:txBody>
+      </p:sp>
+      <p:pic>
+        <p:nvPicPr>
+          <p:cNvPr id="2056" name="Picture 8"/>
+          <p:cNvPicPr>
+            <a:picLocks noChangeAspect="1" noChangeArrowheads="1"/>
+          </p:cNvPicPr>
+          <p:nvPr/>
+        </p:nvPicPr>
+        <p:blipFill>
+          <a:blip r:embed="rId11">
+            <a:extLst>
+              <a:ext uri="{28A0092B-C50C-407E-A947-70E740481C1C}">
+                <a14:useLocalDpi xmlns:a14="http://schemas.microsoft.com/office/drawing/2010/main" val="0"/>
+              </a:ext>
+            </a:extLst>
+          </a:blip>
+          <a:srcRect/>
+          <a:stretch>
+            <a:fillRect/>
+          </a:stretch>
+        </p:blipFill>
+        <p:spPr bwMode="auto">
+          <a:xfrm>
+            <a:off x="44624" y="4499992"/>
+            <a:ext cx="2400000" cy="1800000"/>
+          </a:xfrm>
+          <a:prstGeom prst="rect">
+            <a:avLst/>
+          </a:prstGeom>
+          <a:noFill/>
+          <a:ln>
+            <a:noFill/>
+          </a:ln>
+          <a:effectLst/>
+          <a:extLst>
+            <a:ext uri="{909E8E84-426E-40DD-AFC4-6F175D3DCCD1}">
+              <a14:hiddenFill xmlns:a14="http://schemas.microsoft.com/office/drawing/2010/main">
+                <a:solidFill>
+                  <a:schemeClr val="accent1"/>
+                </a:solidFill>
+              </a14:hiddenFill>
+            </a:ext>
+            <a:ext uri="{91240B29-F687-4F45-9708-019B960494DF}">
+              <a14:hiddenLine xmlns:a14="http://schemas.microsoft.com/office/drawing/2010/main" w="9525">
+                <a:solidFill>
+                  <a:schemeClr val="tx1"/>
+                </a:solidFill>
+                <a:miter lim="800000"/>
+                <a:headEnd/>
+                <a:tailEnd/>
+              </a14:hiddenLine>
+            </a:ext>
+            <a:ext uri="{AF507438-7753-43E0-B8FC-AC1667EBCBE1}">
+              <a14:hiddenEffects xmlns:a14="http://schemas.microsoft.com/office/drawing/2010/main">
+                <a:effectLst>
+                  <a:outerShdw dist="35921" dir="2700000" algn="ctr" rotWithShape="0">
+                    <a:schemeClr val="bg2"/>
+                  </a:outerShdw>
+                </a:effectLst>
+              </a14:hiddenEffects>
+            </a:ext>
+          </a:extLst>
+        </p:spPr>
+      </p:pic>
+      <p:sp>
+        <p:nvSpPr>
+          <p:cNvPr id="42" name="TextBox 41"/>
+          <p:cNvSpPr txBox="1"/>
+          <p:nvPr/>
+        </p:nvSpPr>
+        <p:spPr>
+          <a:xfrm>
+            <a:off x="974822" y="4202668"/>
+            <a:ext cx="4539191" cy="369332"/>
+          </a:xfrm>
+          <a:prstGeom prst="rect">
+            <a:avLst/>
+          </a:prstGeom>
+          <a:noFill/>
+        </p:spPr>
+        <p:txBody>
+          <a:bodyPr wrap="none" rtlCol="0">
+            <a:spAutoFit/>
+          </a:bodyPr>
+          <a:lstStyle/>
+          <a:p>
+            <a:r>
+              <a:rPr lang="en-GB" dirty="0" smtClean="0"/>
+              <a:t>Bragg 200, Directions [100] (</a:t>
+            </a:r>
+            <a:r>
+              <a:rPr lang="en-GB" dirty="0" smtClean="0">
+                <a:latin typeface="Symbol" panose="05050102010706020507" pitchFamily="18" charset="2"/>
+              </a:rPr>
+              <a:t>G</a:t>
+            </a:r>
+            <a:r>
+              <a:rPr lang="en-GB" dirty="0" smtClean="0"/>
+              <a:t>H), </a:t>
+            </a:r>
+            <a:r>
+              <a:rPr lang="en-GB" dirty="0" err="1" smtClean="0"/>
+              <a:t>dE</a:t>
+            </a:r>
+            <a:r>
+              <a:rPr lang="en-GB" dirty="0" smtClean="0"/>
+              <a:t>=5, </a:t>
+            </a:r>
+            <a:r>
+              <a:rPr lang="en-GB" dirty="0" err="1" smtClean="0"/>
+              <a:t>dK</a:t>
+            </a:r>
+            <a:r>
+              <a:rPr lang="en-GB" dirty="0" smtClean="0"/>
+              <a:t>=0.1</a:t>
+            </a:r>
+            <a:endParaRPr lang="en-GB" dirty="0"/>
+          </a:p>
+        </p:txBody>
+      </p:sp>
+      <p:sp>
+        <p:nvSpPr>
+          <p:cNvPr id="43" name="TextBox 42"/>
+          <p:cNvSpPr txBox="1"/>
+          <p:nvPr/>
+        </p:nvSpPr>
+        <p:spPr>
+          <a:xfrm>
+            <a:off x="4797152" y="4572000"/>
+            <a:ext cx="1879041" cy="369332"/>
+          </a:xfrm>
+          <a:prstGeom prst="rect">
+            <a:avLst/>
+          </a:prstGeom>
+          <a:noFill/>
+        </p:spPr>
+        <p:txBody>
+          <a:bodyPr wrap="none" rtlCol="0">
+            <a:spAutoFit/>
+          </a:bodyPr>
+          <a:lstStyle/>
+          <a:p>
+            <a:r>
+              <a:rPr lang="en-GB" i="1" dirty="0" smtClean="0"/>
+              <a:t>|D|=</a:t>
+            </a:r>
+            <a:r>
+              <a:rPr lang="en-GB" dirty="0" smtClean="0"/>
+              <a:t>230 [</a:t>
+            </a:r>
+            <a:r>
+              <a:rPr lang="en-GB" sz="1400" dirty="0" err="1" smtClean="0"/>
+              <a:t>meV</a:t>
+            </a:r>
+            <a:r>
+              <a:rPr lang="en-GB" sz="1400" dirty="0" smtClean="0"/>
+              <a:t>*</a:t>
+            </a:r>
+            <a:r>
+              <a:rPr lang="en-GB" sz="1400" dirty="0" smtClean="0">
+                <a:latin typeface="Symbol" panose="05050102010706020507" pitchFamily="18" charset="2"/>
+              </a:rPr>
+              <a:t>A</a:t>
+            </a:r>
+            <a:r>
+              <a:rPr lang="en-GB" sz="1400" baseline="30000" dirty="0" smtClean="0">
+                <a:latin typeface="Symbol" panose="05050102010706020507" pitchFamily="18" charset="2"/>
+              </a:rPr>
+              <a:t>-2</a:t>
+            </a:r>
+            <a:r>
+              <a:rPr lang="en-GB" dirty="0" smtClean="0"/>
+              <a:t>]</a:t>
+            </a:r>
+            <a:endParaRPr lang="en-GB" dirty="0"/>
+          </a:p>
+        </p:txBody>
+      </p:sp>
+      <p:pic>
+        <p:nvPicPr>
+          <p:cNvPr id="2060" name="Picture 12"/>
+          <p:cNvPicPr>
+            <a:picLocks noChangeAspect="1" noChangeArrowheads="1"/>
+          </p:cNvPicPr>
+          <p:nvPr/>
+        </p:nvPicPr>
+        <p:blipFill>
+          <a:blip r:embed="rId12">
+            <a:extLst>
+              <a:ext uri="{28A0092B-C50C-407E-A947-70E740481C1C}">
+                <a14:useLocalDpi xmlns:a14="http://schemas.microsoft.com/office/drawing/2010/main" val="0"/>
+              </a:ext>
+            </a:extLst>
+          </a:blip>
+          <a:srcRect/>
+          <a:stretch>
+            <a:fillRect/>
+          </a:stretch>
+        </p:blipFill>
+        <p:spPr bwMode="auto">
+          <a:xfrm>
+            <a:off x="2829200" y="6948464"/>
+            <a:ext cx="2400000" cy="1800000"/>
+          </a:xfrm>
+          <a:prstGeom prst="rect">
+            <a:avLst/>
+          </a:prstGeom>
+          <a:noFill/>
+          <a:ln>
+            <a:noFill/>
+          </a:ln>
+          <a:effectLst/>
+          <a:extLst>
+            <a:ext uri="{909E8E84-426E-40DD-AFC4-6F175D3DCCD1}">
+              <a14:hiddenFill xmlns:a14="http://schemas.microsoft.com/office/drawing/2010/main">
+                <a:solidFill>
+                  <a:schemeClr val="accent1"/>
+                </a:solidFill>
+              </a14:hiddenFill>
+            </a:ext>
+            <a:ext uri="{91240B29-F687-4F45-9708-019B960494DF}">
+              <a14:hiddenLine xmlns:a14="http://schemas.microsoft.com/office/drawing/2010/main" w="9525">
+                <a:solidFill>
+                  <a:schemeClr val="tx1"/>
+                </a:solidFill>
+                <a:miter lim="800000"/>
+                <a:headEnd/>
+                <a:tailEnd/>
+              </a14:hiddenLine>
+            </a:ext>
+            <a:ext uri="{AF507438-7753-43E0-B8FC-AC1667EBCBE1}">
+              <a14:hiddenEffects xmlns:a14="http://schemas.microsoft.com/office/drawing/2010/main">
+                <a:effectLst>
+                  <a:outerShdw dist="35921" dir="2700000" algn="ctr" rotWithShape="0">
+                    <a:schemeClr val="bg2"/>
+                  </a:outerShdw>
+                </a:effectLst>
+              </a14:hiddenEffects>
+            </a:ext>
+          </a:extLst>
+        </p:spPr>
+      </p:pic>
+      <p:pic>
+        <p:nvPicPr>
+          <p:cNvPr id="2061" name="Picture 13"/>
+          <p:cNvPicPr>
+            <a:picLocks noChangeAspect="1" noChangeArrowheads="1"/>
+          </p:cNvPicPr>
+          <p:nvPr/>
+        </p:nvPicPr>
+        <p:blipFill>
+          <a:blip r:embed="rId13" cstate="print">
+            <a:extLst>
+              <a:ext uri="{28A0092B-C50C-407E-A947-70E740481C1C}">
+                <a14:useLocalDpi xmlns:a14="http://schemas.microsoft.com/office/drawing/2010/main" val="0"/>
+              </a:ext>
+            </a:extLst>
+          </a:blip>
+          <a:srcRect/>
+          <a:stretch>
+            <a:fillRect/>
+          </a:stretch>
+        </p:blipFill>
+        <p:spPr bwMode="auto">
+          <a:xfrm>
+            <a:off x="4653136" y="6948464"/>
+            <a:ext cx="2158806" cy="1800000"/>
+          </a:xfrm>
+          <a:prstGeom prst="rect">
+            <a:avLst/>
+          </a:prstGeom>
+          <a:noFill/>
+          <a:ln>
+            <a:noFill/>
+          </a:ln>
+          <a:effectLst/>
+          <a:extLst>
+            <a:ext uri="{909E8E84-426E-40DD-AFC4-6F175D3DCCD1}">
+              <a14:hiddenFill xmlns:a14="http://schemas.microsoft.com/office/drawing/2010/main">
+                <a:solidFill>
+                  <a:schemeClr val="accent1"/>
+                </a:solidFill>
+              </a14:hiddenFill>
+            </a:ext>
+            <a:ext uri="{91240B29-F687-4F45-9708-019B960494DF}">
+              <a14:hiddenLine xmlns:a14="http://schemas.microsoft.com/office/drawing/2010/main" w="9525">
+                <a:solidFill>
+                  <a:schemeClr val="tx1"/>
+                </a:solidFill>
+                <a:miter lim="800000"/>
+                <a:headEnd/>
+                <a:tailEnd/>
+              </a14:hiddenLine>
+            </a:ext>
+            <a:ext uri="{AF507438-7753-43E0-B8FC-AC1667EBCBE1}">
+              <a14:hiddenEffects xmlns:a14="http://schemas.microsoft.com/office/drawing/2010/main">
+                <a:effectLst>
+                  <a:outerShdw dist="35921" dir="2700000" algn="ctr" rotWithShape="0">
+                    <a:schemeClr val="bg2"/>
+                  </a:outerShdw>
+                </a:effectLst>
+              </a14:hiddenEffects>
+            </a:ext>
+          </a:extLst>
+        </p:spPr>
+      </p:pic>
+      <p:cxnSp>
+        <p:nvCxnSpPr>
+          <p:cNvPr id="3" name="Straight Arrow Connector 2"/>
+          <p:cNvCxnSpPr/>
+          <p:nvPr/>
+        </p:nvCxnSpPr>
+        <p:spPr>
+          <a:xfrm>
+            <a:off x="5373216" y="7358784"/>
+            <a:ext cx="648072" cy="445911"/>
+          </a:xfrm>
+          <a:prstGeom prst="straightConnector1">
+            <a:avLst/>
+          </a:prstGeom>
+          <a:ln w="25400">
+            <a:solidFill>
+              <a:srgbClr val="FF0000"/>
+            </a:solidFill>
+            <a:tailEnd type="arrow"/>
+          </a:ln>
+        </p:spPr>
+        <p:style>
+          <a:lnRef idx="1">
+            <a:schemeClr val="accent1"/>
+          </a:lnRef>
+          <a:fillRef idx="0">
+            <a:schemeClr val="accent1"/>
+          </a:fillRef>
+          <a:effectRef idx="0">
+            <a:schemeClr val="accent1"/>
+          </a:effectRef>
+          <a:fontRef idx="minor">
+            <a:schemeClr val="tx1"/>
+          </a:fontRef>
+        </p:style>
+      </p:cxnSp>
+      <p:sp>
+        <p:nvSpPr>
+          <p:cNvPr id="12" name="TextBox 11"/>
+          <p:cNvSpPr txBox="1"/>
+          <p:nvPr/>
+        </p:nvSpPr>
+        <p:spPr>
+          <a:xfrm>
+            <a:off x="292022" y="6516216"/>
+            <a:ext cx="6377338" cy="369332"/>
+          </a:xfrm>
+          <a:prstGeom prst="rect">
+            <a:avLst/>
+          </a:prstGeom>
+          <a:noFill/>
+        </p:spPr>
+        <p:txBody>
+          <a:bodyPr wrap="square" rtlCol="0">
+            <a:spAutoFit/>
+          </a:bodyPr>
+          <a:lstStyle/>
+          <a:p>
+            <a:r>
+              <a:rPr lang="en-GB" dirty="0" smtClean="0"/>
+              <a:t>SW intersection observed at dE~250 in direction 200-&gt;3(-1)0?</a:t>
+            </a:r>
+            <a:endParaRPr lang="en-GB" dirty="0"/>
+          </a:p>
+        </p:txBody>
+      </p:sp>
+      <p:pic>
+        <p:nvPicPr>
+          <p:cNvPr id="2062" name="Picture 14"/>
+          <p:cNvPicPr>
+            <a:picLocks noChangeAspect="1" noChangeArrowheads="1"/>
+          </p:cNvPicPr>
+          <p:nvPr/>
+        </p:nvPicPr>
+        <p:blipFill>
+          <a:blip r:embed="rId14" cstate="print">
+            <a:extLst>
+              <a:ext uri="{28A0092B-C50C-407E-A947-70E740481C1C}">
+                <a14:useLocalDpi xmlns:a14="http://schemas.microsoft.com/office/drawing/2010/main" val="0"/>
+              </a:ext>
+            </a:extLst>
+          </a:blip>
+          <a:srcRect/>
+          <a:stretch>
+            <a:fillRect/>
+          </a:stretch>
+        </p:blipFill>
+        <p:spPr bwMode="auto">
+          <a:xfrm>
+            <a:off x="44624" y="7020472"/>
+            <a:ext cx="2692562" cy="1800000"/>
+          </a:xfrm>
+          <a:prstGeom prst="rect">
+            <a:avLst/>
+          </a:prstGeom>
+          <a:noFill/>
+          <a:ln>
+            <a:noFill/>
+          </a:ln>
+          <a:effectLst/>
+          <a:extLst>
+            <a:ext uri="{909E8E84-426E-40DD-AFC4-6F175D3DCCD1}">
+              <a14:hiddenFill xmlns:a14="http://schemas.microsoft.com/office/drawing/2010/main">
+                <a:solidFill>
+                  <a:schemeClr val="accent1"/>
+                </a:solidFill>
+              </a14:hiddenFill>
+            </a:ext>
+            <a:ext uri="{91240B29-F687-4F45-9708-019B960494DF}">
+              <a14:hiddenLine xmlns:a14="http://schemas.microsoft.com/office/drawing/2010/main" w="9525">
+                <a:solidFill>
+                  <a:schemeClr val="tx1"/>
+                </a:solidFill>
+                <a:miter lim="800000"/>
+                <a:headEnd/>
+                <a:tailEnd/>
+              </a14:hiddenLine>
+            </a:ext>
+            <a:ext uri="{AF507438-7753-43E0-B8FC-AC1667EBCBE1}">
+              <a14:hiddenEffects xmlns:a14="http://schemas.microsoft.com/office/drawing/2010/main">
+                <a:effectLst>
+                  <a:outerShdw dist="35921" dir="2700000" algn="ctr" rotWithShape="0">
+                    <a:schemeClr val="bg2"/>
+                  </a:outerShdw>
+                </a:effectLst>
+              </a14:hiddenEffects>
+            </a:ext>
+          </a:extLst>
+        </p:spPr>
+      </p:pic>
+      <p:cxnSp>
+        <p:nvCxnSpPr>
+          <p:cNvPr id="53" name="Straight Arrow Connector 52"/>
+          <p:cNvCxnSpPr/>
+          <p:nvPr/>
+        </p:nvCxnSpPr>
+        <p:spPr>
+          <a:xfrm>
+            <a:off x="5301208" y="7385572"/>
+            <a:ext cx="360040" cy="714820"/>
+          </a:xfrm>
+          <a:prstGeom prst="straightConnector1">
+            <a:avLst/>
+          </a:prstGeom>
+          <a:ln w="25400">
+            <a:solidFill>
+              <a:srgbClr val="FF0000"/>
+            </a:solidFill>
+            <a:tailEnd type="arrow"/>
+          </a:ln>
+        </p:spPr>
+        <p:style>
+          <a:lnRef idx="1">
+            <a:schemeClr val="accent1"/>
+          </a:lnRef>
+          <a:fillRef idx="0">
+            <a:schemeClr val="accent1"/>
+          </a:fillRef>
+          <a:effectRef idx="0">
+            <a:schemeClr val="accent1"/>
+          </a:effectRef>
+          <a:fontRef idx="minor">
+            <a:schemeClr val="tx1"/>
+          </a:fontRef>
+        </p:style>
+      </p:cxnSp>
+      <p:sp>
+        <p:nvSpPr>
+          <p:cNvPr id="54" name="TextBox 53"/>
+          <p:cNvSpPr txBox="1"/>
+          <p:nvPr/>
+        </p:nvSpPr>
+        <p:spPr>
+          <a:xfrm>
+            <a:off x="2325144" y="6949541"/>
+            <a:ext cx="670376" cy="369332"/>
+          </a:xfrm>
+          <a:prstGeom prst="rect">
+            <a:avLst/>
+          </a:prstGeom>
+          <a:noFill/>
+        </p:spPr>
+        <p:txBody>
+          <a:bodyPr wrap="none" rtlCol="0">
+            <a:spAutoFit/>
+          </a:bodyPr>
+          <a:lstStyle/>
+          <a:p>
+            <a:r>
+              <a:rPr lang="en-GB" dirty="0" smtClean="0"/>
+              <a:t>Gap?</a:t>
+            </a:r>
+            <a:endParaRPr lang="en-GB" dirty="0"/>
+          </a:p>
+        </p:txBody>
+      </p:sp>
+      <p:cxnSp>
+        <p:nvCxnSpPr>
+          <p:cNvPr id="16" name="Straight Arrow Connector 15"/>
+          <p:cNvCxnSpPr/>
+          <p:nvPr/>
+        </p:nvCxnSpPr>
+        <p:spPr>
+          <a:xfrm flipH="1">
+            <a:off x="1412776" y="7200906"/>
+            <a:ext cx="989222" cy="315757"/>
+          </a:xfrm>
+          <a:prstGeom prst="straightConnector1">
+            <a:avLst/>
+          </a:prstGeom>
+          <a:ln>
+            <a:solidFill>
+              <a:srgbClr val="FF0000"/>
+            </a:solidFill>
+            <a:tailEnd type="arrow"/>
+          </a:ln>
+        </p:spPr>
+        <p:style>
+          <a:lnRef idx="1">
+            <a:schemeClr val="accent1"/>
+          </a:lnRef>
+          <a:fillRef idx="0">
+            <a:schemeClr val="accent1"/>
+          </a:fillRef>
+          <a:effectRef idx="0">
+            <a:schemeClr val="accent1"/>
+          </a:effectRef>
+          <a:fontRef idx="minor">
+            <a:schemeClr val="tx1"/>
+          </a:fontRef>
+        </p:style>
+      </p:cxnSp>
+      <p:cxnSp>
+        <p:nvCxnSpPr>
+          <p:cNvPr id="57" name="Straight Arrow Connector 56"/>
+          <p:cNvCxnSpPr>
+            <a:stCxn id="54" idx="1"/>
+          </p:cNvCxnSpPr>
+          <p:nvPr/>
+        </p:nvCxnSpPr>
+        <p:spPr>
+          <a:xfrm flipH="1">
+            <a:off x="1479938" y="7134207"/>
+            <a:ext cx="845206" cy="475822"/>
+          </a:xfrm>
+          <a:prstGeom prst="straightConnector1">
+            <a:avLst/>
+          </a:prstGeom>
+          <a:ln>
+            <a:solidFill>
+              <a:srgbClr val="FF0000"/>
+            </a:solidFill>
+            <a:tailEnd type="arrow"/>
+          </a:ln>
+        </p:spPr>
+        <p:style>
+          <a:lnRef idx="1">
+            <a:schemeClr val="accent1"/>
+          </a:lnRef>
+          <a:fillRef idx="0">
+            <a:schemeClr val="accent1"/>
+          </a:fillRef>
+          <a:effectRef idx="0">
+            <a:schemeClr val="accent1"/>
+          </a:effectRef>
+          <a:fontRef idx="minor">
+            <a:schemeClr val="tx1"/>
+          </a:fontRef>
+        </p:style>
+      </p:cxnSp>
+      <p:cxnSp>
+        <p:nvCxnSpPr>
+          <p:cNvPr id="2049" name="Straight Connector 2048"/>
+          <p:cNvCxnSpPr/>
+          <p:nvPr/>
+        </p:nvCxnSpPr>
+        <p:spPr>
+          <a:xfrm>
+            <a:off x="5161955" y="8264023"/>
+            <a:ext cx="1008112" cy="0"/>
+          </a:xfrm>
+          <a:prstGeom prst="line">
+            <a:avLst/>
+          </a:prstGeom>
+        </p:spPr>
+        <p:style>
+          <a:lnRef idx="1">
+            <a:schemeClr val="accent1"/>
+          </a:lnRef>
+          <a:fillRef idx="0">
+            <a:schemeClr val="accent1"/>
+          </a:fillRef>
+          <a:effectRef idx="0">
+            <a:schemeClr val="accent1"/>
+          </a:effectRef>
+          <a:fontRef idx="minor">
+            <a:schemeClr val="tx1"/>
+          </a:fontRef>
+        </p:style>
+      </p:cxnSp>
+      <p:cxnSp>
+        <p:nvCxnSpPr>
+          <p:cNvPr id="2064" name="Straight Connector 2063"/>
+          <p:cNvCxnSpPr/>
+          <p:nvPr/>
+        </p:nvCxnSpPr>
+        <p:spPr>
+          <a:xfrm>
+            <a:off x="5831932" y="7092280"/>
+            <a:ext cx="0" cy="1449686"/>
+          </a:xfrm>
+          <a:prstGeom prst="line">
+            <a:avLst/>
+          </a:prstGeom>
+        </p:spPr>
+        <p:style>
+          <a:lnRef idx="1">
+            <a:schemeClr val="accent1"/>
+          </a:lnRef>
+          <a:fillRef idx="0">
+            <a:schemeClr val="accent1"/>
+          </a:fillRef>
+          <a:effectRef idx="0">
+            <a:schemeClr val="accent1"/>
+          </a:effectRef>
+          <a:fontRef idx="minor">
+            <a:schemeClr val="tx1"/>
+          </a:fontRef>
+        </p:style>
+      </p:cxnSp>
+      <p:cxnSp>
+        <p:nvCxnSpPr>
+          <p:cNvPr id="72" name="Straight Connector 71"/>
+          <p:cNvCxnSpPr/>
+          <p:nvPr/>
+        </p:nvCxnSpPr>
+        <p:spPr>
+          <a:xfrm>
+            <a:off x="5511906" y="7092280"/>
+            <a:ext cx="0" cy="1449686"/>
+          </a:xfrm>
+          <a:prstGeom prst="line">
+            <a:avLst/>
+          </a:prstGeom>
+        </p:spPr>
+        <p:style>
+          <a:lnRef idx="1">
+            <a:schemeClr val="accent1"/>
+          </a:lnRef>
+          <a:fillRef idx="0">
+            <a:schemeClr val="accent1"/>
+          </a:fillRef>
+          <a:effectRef idx="0">
+            <a:schemeClr val="accent1"/>
+          </a:effectRef>
+          <a:fontRef idx="minor">
+            <a:schemeClr val="tx1"/>
+          </a:fontRef>
+        </p:style>
+      </p:cxnSp>
+      <p:cxnSp>
+        <p:nvCxnSpPr>
+          <p:cNvPr id="73" name="Straight Connector 72"/>
+          <p:cNvCxnSpPr/>
+          <p:nvPr/>
+        </p:nvCxnSpPr>
+        <p:spPr>
+          <a:xfrm>
+            <a:off x="5181007" y="7971228"/>
+            <a:ext cx="1008112" cy="0"/>
+          </a:xfrm>
+          <a:prstGeom prst="line">
+            <a:avLst/>
+          </a:prstGeom>
+        </p:spPr>
+        <p:style>
+          <a:lnRef idx="1">
+            <a:schemeClr val="accent1"/>
+          </a:lnRef>
+          <a:fillRef idx="0">
+            <a:schemeClr val="accent1"/>
+          </a:fillRef>
+          <a:effectRef idx="0">
+            <a:schemeClr val="accent1"/>
+          </a:effectRef>
+          <a:fontRef idx="minor">
+            <a:schemeClr val="tx1"/>
+          </a:fontRef>
+        </p:style>
+      </p:cxnSp>
+      <p:cxnSp>
+        <p:nvCxnSpPr>
+          <p:cNvPr id="74" name="Straight Connector 73"/>
+          <p:cNvCxnSpPr/>
+          <p:nvPr/>
+        </p:nvCxnSpPr>
+        <p:spPr>
+          <a:xfrm>
+            <a:off x="5185770" y="7682633"/>
+            <a:ext cx="1008112" cy="0"/>
+          </a:xfrm>
+          <a:prstGeom prst="line">
+            <a:avLst/>
+          </a:prstGeom>
+        </p:spPr>
+        <p:style>
+          <a:lnRef idx="1">
+            <a:schemeClr val="accent1"/>
+          </a:lnRef>
+          <a:fillRef idx="0">
+            <a:schemeClr val="accent1"/>
+          </a:fillRef>
+          <a:effectRef idx="0">
+            <a:schemeClr val="accent1"/>
+          </a:effectRef>
+          <a:fontRef idx="minor">
+            <a:schemeClr val="tx1"/>
+          </a:fontRef>
+        </p:style>
+      </p:cxnSp>
+      <p:cxnSp>
+        <p:nvCxnSpPr>
+          <p:cNvPr id="75" name="Straight Connector 74"/>
+          <p:cNvCxnSpPr/>
+          <p:nvPr/>
+        </p:nvCxnSpPr>
+        <p:spPr>
+          <a:xfrm>
+            <a:off x="5195296" y="7394038"/>
+            <a:ext cx="1008112" cy="0"/>
+          </a:xfrm>
+          <a:prstGeom prst="line">
+            <a:avLst/>
+          </a:prstGeom>
+        </p:spPr>
+        <p:style>
+          <a:lnRef idx="1">
+            <a:schemeClr val="accent1"/>
+          </a:lnRef>
+          <a:fillRef idx="0">
+            <a:schemeClr val="accent1"/>
+          </a:fillRef>
+          <a:effectRef idx="0">
+            <a:schemeClr val="accent1"/>
+          </a:effectRef>
+          <a:fontRef idx="minor">
+            <a:schemeClr val="tx1"/>
+          </a:fontRef>
+        </p:style>
+      </p:cxnSp>
+      <p:sp>
+        <p:nvSpPr>
+          <p:cNvPr id="2068" name="Oval 2067"/>
+          <p:cNvSpPr/>
+          <p:nvPr/>
+        </p:nvSpPr>
+        <p:spPr>
+          <a:xfrm>
+            <a:off x="5490565" y="7375549"/>
+            <a:ext cx="45719" cy="45719"/>
+          </a:xfrm>
+          <a:prstGeom prst="ellipse">
+            <a:avLst/>
+          </a:prstGeom>
+          <a:solidFill>
+            <a:schemeClr val="tx1"/>
+          </a:solidFill>
+          <a:ln>
+            <a:noFill/>
+          </a:ln>
+        </p:spPr>
+        <p:style>
+          <a:lnRef idx="2">
+            <a:schemeClr val="accent1">
+              <a:shade val="50000"/>
+            </a:schemeClr>
+          </a:lnRef>
+          <a:fillRef idx="1">
+            <a:schemeClr val="accent1"/>
+          </a:fillRef>
+          <a:effectRef idx="0">
+            <a:schemeClr val="accent1"/>
+          </a:effectRef>
+          <a:fontRef idx="minor">
+            <a:schemeClr val="lt1"/>
+          </a:fontRef>
+        </p:style>
+        <p:txBody>
+          <a:bodyPr rtlCol="0" anchor="ctr"/>
+          <a:lstStyle/>
+          <a:p>
+            <a:pPr algn="ctr"/>
+            <a:endParaRPr lang="en-GB"/>
+          </a:p>
+        </p:txBody>
+      </p:sp>
+      <p:sp>
+        <p:nvSpPr>
+          <p:cNvPr id="78" name="Oval 77"/>
+          <p:cNvSpPr/>
+          <p:nvPr/>
+        </p:nvSpPr>
+        <p:spPr>
+          <a:xfrm>
+            <a:off x="5814790" y="7658818"/>
+            <a:ext cx="45719" cy="45719"/>
+          </a:xfrm>
+          <a:prstGeom prst="ellipse">
+            <a:avLst/>
+          </a:prstGeom>
+          <a:solidFill>
+            <a:schemeClr val="tx1"/>
+          </a:solidFill>
+          <a:ln>
+            <a:noFill/>
+          </a:ln>
+        </p:spPr>
+        <p:style>
+          <a:lnRef idx="2">
+            <a:schemeClr val="accent1">
+              <a:shade val="50000"/>
+            </a:schemeClr>
+          </a:lnRef>
+          <a:fillRef idx="1">
+            <a:schemeClr val="accent1"/>
+          </a:fillRef>
+          <a:effectRef idx="0">
+            <a:schemeClr val="accent1"/>
+          </a:effectRef>
+          <a:fontRef idx="minor">
+            <a:schemeClr val="lt1"/>
+          </a:fontRef>
+        </p:style>
+        <p:txBody>
+          <a:bodyPr rtlCol="0" anchor="ctr"/>
+          <a:lstStyle/>
+          <a:p>
+            <a:pPr algn="ctr"/>
+            <a:endParaRPr lang="en-GB"/>
+          </a:p>
+        </p:txBody>
+      </p:sp>
+      <p:sp>
+        <p:nvSpPr>
+          <p:cNvPr id="79" name="Oval 78"/>
+          <p:cNvSpPr/>
+          <p:nvPr/>
+        </p:nvSpPr>
+        <p:spPr>
+          <a:xfrm>
+            <a:off x="6148541" y="7942087"/>
+            <a:ext cx="45719" cy="45719"/>
+          </a:xfrm>
+          <a:prstGeom prst="ellipse">
+            <a:avLst/>
+          </a:prstGeom>
+          <a:solidFill>
+            <a:schemeClr val="tx1"/>
+          </a:solidFill>
+          <a:ln>
+            <a:noFill/>
+          </a:ln>
+        </p:spPr>
+        <p:style>
+          <a:lnRef idx="2">
+            <a:schemeClr val="accent1">
+              <a:shade val="50000"/>
+            </a:schemeClr>
+          </a:lnRef>
+          <a:fillRef idx="1">
+            <a:schemeClr val="accent1"/>
+          </a:fillRef>
+          <a:effectRef idx="0">
+            <a:schemeClr val="accent1"/>
+          </a:effectRef>
+          <a:fontRef idx="minor">
+            <a:schemeClr val="lt1"/>
+          </a:fontRef>
+        </p:style>
+        <p:txBody>
+          <a:bodyPr rtlCol="0" anchor="ctr"/>
+          <a:lstStyle/>
+          <a:p>
+            <a:pPr algn="ctr"/>
+            <a:endParaRPr lang="en-GB"/>
+          </a:p>
+        </p:txBody>
+      </p:sp>
+      <p:sp>
+        <p:nvSpPr>
+          <p:cNvPr id="80" name="Oval 79"/>
+          <p:cNvSpPr/>
+          <p:nvPr/>
+        </p:nvSpPr>
+        <p:spPr>
+          <a:xfrm>
+            <a:off x="5815472" y="8230119"/>
+            <a:ext cx="45719" cy="45719"/>
+          </a:xfrm>
+          <a:prstGeom prst="ellipse">
+            <a:avLst/>
+          </a:prstGeom>
+          <a:solidFill>
+            <a:schemeClr val="tx1"/>
+          </a:solidFill>
+          <a:ln>
+            <a:noFill/>
+          </a:ln>
+        </p:spPr>
+        <p:style>
+          <a:lnRef idx="2">
+            <a:schemeClr val="accent1">
+              <a:shade val="50000"/>
+            </a:schemeClr>
+          </a:lnRef>
+          <a:fillRef idx="1">
+            <a:schemeClr val="accent1"/>
+          </a:fillRef>
+          <a:effectRef idx="0">
+            <a:schemeClr val="accent1"/>
+          </a:effectRef>
+          <a:fontRef idx="minor">
+            <a:schemeClr val="lt1"/>
+          </a:fontRef>
+        </p:style>
+        <p:txBody>
+          <a:bodyPr rtlCol="0" anchor="ctr"/>
+          <a:lstStyle/>
+          <a:p>
+            <a:pPr algn="ctr"/>
+            <a:endParaRPr lang="en-GB"/>
+          </a:p>
+        </p:txBody>
+      </p:sp>
+      <p:sp>
+        <p:nvSpPr>
+          <p:cNvPr id="81" name="Oval 80"/>
+          <p:cNvSpPr/>
+          <p:nvPr/>
+        </p:nvSpPr>
+        <p:spPr>
+          <a:xfrm>
+            <a:off x="5482403" y="7946591"/>
+            <a:ext cx="45719" cy="45719"/>
+          </a:xfrm>
+          <a:prstGeom prst="ellipse">
+            <a:avLst/>
+          </a:prstGeom>
+          <a:solidFill>
+            <a:schemeClr val="tx1"/>
+          </a:solidFill>
+          <a:ln>
+            <a:noFill/>
+          </a:ln>
+        </p:spPr>
+        <p:style>
+          <a:lnRef idx="2">
+            <a:schemeClr val="accent1">
+              <a:shade val="50000"/>
+            </a:schemeClr>
+          </a:lnRef>
+          <a:fillRef idx="1">
+            <a:schemeClr val="accent1"/>
+          </a:fillRef>
+          <a:effectRef idx="0">
+            <a:schemeClr val="accent1"/>
+          </a:effectRef>
+          <a:fontRef idx="minor">
+            <a:schemeClr val="lt1"/>
+          </a:fontRef>
+        </p:style>
+        <p:txBody>
+          <a:bodyPr rtlCol="0" anchor="ctr"/>
+          <a:lstStyle/>
+          <a:p>
+            <a:pPr algn="ctr"/>
+            <a:endParaRPr lang="en-GB"/>
+          </a:p>
+        </p:txBody>
+      </p:sp>
+      <p:sp>
+        <p:nvSpPr>
+          <p:cNvPr id="77" name="Oval 76"/>
+          <p:cNvSpPr/>
+          <p:nvPr/>
+        </p:nvSpPr>
+        <p:spPr>
+          <a:xfrm>
+            <a:off x="5811938" y="7370223"/>
+            <a:ext cx="45719" cy="45719"/>
+          </a:xfrm>
+          <a:prstGeom prst="ellipse">
+            <a:avLst/>
+          </a:prstGeom>
+          <a:noFill/>
+          <a:ln w="6350">
+            <a:solidFill>
+              <a:schemeClr val="tx1"/>
+            </a:solidFill>
+          </a:ln>
+        </p:spPr>
+        <p:style>
+          <a:lnRef idx="2">
+            <a:schemeClr val="accent1">
+              <a:shade val="50000"/>
+            </a:schemeClr>
+          </a:lnRef>
+          <a:fillRef idx="1">
+            <a:schemeClr val="accent1"/>
+          </a:fillRef>
+          <a:effectRef idx="0">
+            <a:schemeClr val="accent1"/>
+          </a:effectRef>
+          <a:fontRef idx="minor">
+            <a:schemeClr val="lt1"/>
+          </a:fontRef>
+        </p:style>
+        <p:txBody>
+          <a:bodyPr rtlCol="0" anchor="ctr"/>
+          <a:lstStyle/>
+          <a:p>
+            <a:pPr algn="ctr"/>
+            <a:endParaRPr lang="en-GB"/>
+          </a:p>
+        </p:txBody>
+      </p:sp>
+      <p:sp>
+        <p:nvSpPr>
+          <p:cNvPr id="82" name="Oval 81"/>
+          <p:cNvSpPr/>
+          <p:nvPr/>
+        </p:nvSpPr>
+        <p:spPr>
+          <a:xfrm>
+            <a:off x="5814227" y="7949324"/>
+            <a:ext cx="45719" cy="45719"/>
+          </a:xfrm>
+          <a:prstGeom prst="ellipse">
+            <a:avLst/>
+          </a:prstGeom>
+          <a:noFill/>
+          <a:ln w="6350">
+            <a:solidFill>
+              <a:schemeClr val="tx1"/>
+            </a:solidFill>
+          </a:ln>
+        </p:spPr>
+        <p:style>
+          <a:lnRef idx="2">
+            <a:schemeClr val="accent1">
+              <a:shade val="50000"/>
+            </a:schemeClr>
+          </a:lnRef>
+          <a:fillRef idx="1">
+            <a:schemeClr val="accent1"/>
+          </a:fillRef>
+          <a:effectRef idx="0">
+            <a:schemeClr val="accent1"/>
+          </a:effectRef>
+          <a:fontRef idx="minor">
+            <a:schemeClr val="lt1"/>
+          </a:fontRef>
+        </p:style>
+        <p:txBody>
+          <a:bodyPr rtlCol="0" anchor="ctr"/>
+          <a:lstStyle/>
+          <a:p>
+            <a:pPr algn="ctr"/>
+            <a:endParaRPr lang="en-GB"/>
           </a:p>
         </p:txBody>
       </p:sp>

--- a/Jan2015/Summary2015.pptx
+++ b/Jan2015/Summary2015.pptx
@@ -8,6 +8,7 @@
     <p:sldId id="256" r:id="rId2"/>
     <p:sldId id="257" r:id="rId3"/>
     <p:sldId id="258" r:id="rId4"/>
+    <p:sldId id="259" r:id="rId5"/>
   </p:sldIdLst>
   <p:sldSz cx="6858000" cy="9144000" type="screen4x3"/>
   <p:notesSz cx="6858000" cy="9144000"/>
@@ -290,7 +291,7 @@
           <a:p>
             <a:fld id="{103F0B6B-0F34-4B60-AA46-B717113E1AE3}" type="datetimeFigureOut">
               <a:rPr lang="en-GB" smtClean="0"/>
-              <a:t>23/12/2014</a:t>
+              <a:t>02/01/2015</a:t>
             </a:fld>
             <a:endParaRPr lang="en-GB"/>
           </a:p>
@@ -460,7 +461,7 @@
           <a:p>
             <a:fld id="{103F0B6B-0F34-4B60-AA46-B717113E1AE3}" type="datetimeFigureOut">
               <a:rPr lang="en-GB" smtClean="0"/>
-              <a:t>23/12/2014</a:t>
+              <a:t>02/01/2015</a:t>
             </a:fld>
             <a:endParaRPr lang="en-GB"/>
           </a:p>
@@ -640,7 +641,7 @@
           <a:p>
             <a:fld id="{103F0B6B-0F34-4B60-AA46-B717113E1AE3}" type="datetimeFigureOut">
               <a:rPr lang="en-GB" smtClean="0"/>
-              <a:t>23/12/2014</a:t>
+              <a:t>02/01/2015</a:t>
             </a:fld>
             <a:endParaRPr lang="en-GB"/>
           </a:p>
@@ -810,7 +811,7 @@
           <a:p>
             <a:fld id="{103F0B6B-0F34-4B60-AA46-B717113E1AE3}" type="datetimeFigureOut">
               <a:rPr lang="en-GB" smtClean="0"/>
-              <a:t>23/12/2014</a:t>
+              <a:t>02/01/2015</a:t>
             </a:fld>
             <a:endParaRPr lang="en-GB"/>
           </a:p>
@@ -1056,7 +1057,7 @@
           <a:p>
             <a:fld id="{103F0B6B-0F34-4B60-AA46-B717113E1AE3}" type="datetimeFigureOut">
               <a:rPr lang="en-GB" smtClean="0"/>
-              <a:t>23/12/2014</a:t>
+              <a:t>02/01/2015</a:t>
             </a:fld>
             <a:endParaRPr lang="en-GB"/>
           </a:p>
@@ -1344,7 +1345,7 @@
           <a:p>
             <a:fld id="{103F0B6B-0F34-4B60-AA46-B717113E1AE3}" type="datetimeFigureOut">
               <a:rPr lang="en-GB" smtClean="0"/>
-              <a:t>23/12/2014</a:t>
+              <a:t>02/01/2015</a:t>
             </a:fld>
             <a:endParaRPr lang="en-GB"/>
           </a:p>
@@ -1766,7 +1767,7 @@
           <a:p>
             <a:fld id="{103F0B6B-0F34-4B60-AA46-B717113E1AE3}" type="datetimeFigureOut">
               <a:rPr lang="en-GB" smtClean="0"/>
-              <a:t>23/12/2014</a:t>
+              <a:t>02/01/2015</a:t>
             </a:fld>
             <a:endParaRPr lang="en-GB"/>
           </a:p>
@@ -1884,7 +1885,7 @@
           <a:p>
             <a:fld id="{103F0B6B-0F34-4B60-AA46-B717113E1AE3}" type="datetimeFigureOut">
               <a:rPr lang="en-GB" smtClean="0"/>
-              <a:t>23/12/2014</a:t>
+              <a:t>02/01/2015</a:t>
             </a:fld>
             <a:endParaRPr lang="en-GB"/>
           </a:p>
@@ -1979,7 +1980,7 @@
           <a:p>
             <a:fld id="{103F0B6B-0F34-4B60-AA46-B717113E1AE3}" type="datetimeFigureOut">
               <a:rPr lang="en-GB" smtClean="0"/>
-              <a:t>23/12/2014</a:t>
+              <a:t>02/01/2015</a:t>
             </a:fld>
             <a:endParaRPr lang="en-GB"/>
           </a:p>
@@ -2256,7 +2257,7 @@
           <a:p>
             <a:fld id="{103F0B6B-0F34-4B60-AA46-B717113E1AE3}" type="datetimeFigureOut">
               <a:rPr lang="en-GB" smtClean="0"/>
-              <a:t>23/12/2014</a:t>
+              <a:t>02/01/2015</a:t>
             </a:fld>
             <a:endParaRPr lang="en-GB"/>
           </a:p>
@@ -2509,7 +2510,7 @@
           <a:p>
             <a:fld id="{103F0B6B-0F34-4B60-AA46-B717113E1AE3}" type="datetimeFigureOut">
               <a:rPr lang="en-GB" smtClean="0"/>
-              <a:t>23/12/2014</a:t>
+              <a:t>02/01/2015</a:t>
             </a:fld>
             <a:endParaRPr lang="en-GB"/>
           </a:p>
@@ -2722,7 +2723,7 @@
           <a:p>
             <a:fld id="{103F0B6B-0F34-4B60-AA46-B717113E1AE3}" type="datetimeFigureOut">
               <a:rPr lang="en-GB" smtClean="0"/>
-              <a:t>23/12/2014</a:t>
+              <a:t>02/01/2015</a:t>
             </a:fld>
             <a:endParaRPr lang="en-GB"/>
           </a:p>
@@ -3395,6 +3396,13 @@
   <p:clrMapOvr>
     <a:masterClrMapping/>
   </p:clrMapOvr>
+  <p:timing>
+    <p:tnLst>
+      <p:par>
+        <p:cTn id="1" dur="indefinite" restart="never" nodeType="tmRoot"/>
+      </p:par>
+    </p:tnLst>
+  </p:timing>
 </p:sld>
 </file>
 
@@ -4291,8 +4299,8 @@
           </a:prstGeom>
         </p:spPr>
       </p:pic>
-      <mc:AlternateContent xmlns:mc="http://schemas.openxmlformats.org/markup-compatibility/2006">
-        <mc:Choice xmlns:a14="http://schemas.microsoft.com/office/drawing/2010/main" Requires="a14">
+      <mc:AlternateContent xmlns:mc="http://schemas.openxmlformats.org/markup-compatibility/2006" xmlns:a14="http://schemas.microsoft.com/office/drawing/2010/main">
+        <mc:Choice Requires="a14">
           <p:sp>
             <p:nvSpPr>
               <p:cNvPr id="9" name="TextBox 8"/>
@@ -4377,7 +4385,7 @@
             </p:txBody>
           </p:sp>
         </mc:Choice>
-        <mc:Fallback>
+        <mc:Fallback xmlns="">
           <p:sp>
             <p:nvSpPr>
               <p:cNvPr id="9" name="TextBox 8"/>
@@ -4913,6 +4921,13 @@
   <p:clrMapOvr>
     <a:masterClrMapping/>
   </p:clrMapOvr>
+  <p:timing>
+    <p:tnLst>
+      <p:par>
+        <p:cTn id="1" dur="indefinite" restart="never" nodeType="tmRoot"/>
+      </p:par>
+    </p:tnLst>
+  </p:timing>
 </p:sld>
 </file>
 
@@ -5499,8 +5514,8 @@
           </a:p>
         </p:txBody>
       </p:sp>
-      <mc:AlternateContent xmlns:mc="http://schemas.openxmlformats.org/markup-compatibility/2006">
-        <mc:Choice xmlns:a14="http://schemas.microsoft.com/office/drawing/2010/main" Requires="a14">
+      <mc:AlternateContent xmlns:mc="http://schemas.openxmlformats.org/markup-compatibility/2006" xmlns:a14="http://schemas.microsoft.com/office/drawing/2010/main">
+        <mc:Choice Requires="a14">
           <p:sp>
             <p:nvSpPr>
               <p:cNvPr id="32" name="TextBox 31"/>
@@ -5585,7 +5600,7 @@
             </p:txBody>
           </p:sp>
         </mc:Choice>
-        <mc:Fallback>
+        <mc:Fallback xmlns="">
           <p:sp>
             <p:nvSpPr>
               <p:cNvPr id="32" name="TextBox 31"/>
@@ -6925,6 +6940,6607 @@
     <p:extLst>
       <p:ext uri="{BB962C8B-B14F-4D97-AF65-F5344CB8AC3E}">
         <p14:creationId xmlns:p14="http://schemas.microsoft.com/office/powerpoint/2010/main" val="4112444230"/>
+      </p:ext>
+    </p:extLst>
+  </p:cSld>
+  <p:clrMapOvr>
+    <a:masterClrMapping/>
+  </p:clrMapOvr>
+  <p:timing>
+    <p:tnLst>
+      <p:par>
+        <p:cTn id="1" dur="indefinite" restart="never" nodeType="tmRoot"/>
+      </p:par>
+    </p:tnLst>
+  </p:timing>
+</p:sld>
+</file>
+
+<file path=ppt/slides/slide4.xml><?xml version="1.0" encoding="utf-8"?>
+<p:sld xmlns:a="http://schemas.openxmlformats.org/drawingml/2006/main" xmlns:r="http://schemas.openxmlformats.org/officeDocument/2006/relationships" xmlns:p="http://schemas.openxmlformats.org/presentationml/2006/main">
+  <p:cSld>
+    <p:spTree>
+      <p:nvGrpSpPr>
+        <p:cNvPr id="1" name=""/>
+        <p:cNvGrpSpPr/>
+        <p:nvPr/>
+      </p:nvGrpSpPr>
+      <p:grpSpPr>
+        <a:xfrm>
+          <a:off x="0" y="0"/>
+          <a:ext cx="0" cy="0"/>
+          <a:chOff x="0" y="0"/>
+          <a:chExt cx="0" cy="0"/>
+        </a:xfrm>
+      </p:grpSpPr>
+      <p:pic>
+        <p:nvPicPr>
+          <p:cNvPr id="1026" name="Picture 2"/>
+          <p:cNvPicPr>
+            <a:picLocks noChangeAspect="1" noChangeArrowheads="1"/>
+          </p:cNvPicPr>
+          <p:nvPr/>
+        </p:nvPicPr>
+        <p:blipFill>
+          <a:blip r:embed="rId2" cstate="print">
+            <a:extLst>
+              <a:ext uri="{28A0092B-C50C-407E-A947-70E740481C1C}">
+                <a14:useLocalDpi xmlns:a14="http://schemas.microsoft.com/office/drawing/2010/main" val="0"/>
+              </a:ext>
+            </a:extLst>
+          </a:blip>
+          <a:srcRect/>
+          <a:stretch>
+            <a:fillRect/>
+          </a:stretch>
+        </p:blipFill>
+        <p:spPr bwMode="auto">
+          <a:xfrm>
+            <a:off x="-724" y="467544"/>
+            <a:ext cx="1920397" cy="1440000"/>
+          </a:xfrm>
+          <a:prstGeom prst="rect">
+            <a:avLst/>
+          </a:prstGeom>
+          <a:noFill/>
+          <a:ln>
+            <a:noFill/>
+          </a:ln>
+          <a:effectLst/>
+          <a:extLst>
+            <a:ext uri="{909E8E84-426E-40DD-AFC4-6F175D3DCCD1}">
+              <a14:hiddenFill xmlns:a14="http://schemas.microsoft.com/office/drawing/2010/main">
+                <a:solidFill>
+                  <a:schemeClr val="accent1"/>
+                </a:solidFill>
+              </a14:hiddenFill>
+            </a:ext>
+            <a:ext uri="{91240B29-F687-4F45-9708-019B960494DF}">
+              <a14:hiddenLine xmlns:a14="http://schemas.microsoft.com/office/drawing/2010/main" w="9525">
+                <a:solidFill>
+                  <a:schemeClr val="tx1"/>
+                </a:solidFill>
+                <a:miter lim="800000"/>
+                <a:headEnd/>
+                <a:tailEnd/>
+              </a14:hiddenLine>
+            </a:ext>
+            <a:ext uri="{AF507438-7753-43E0-B8FC-AC1667EBCBE1}">
+              <a14:hiddenEffects xmlns:a14="http://schemas.microsoft.com/office/drawing/2010/main">
+                <a:effectLst>
+                  <a:outerShdw dist="35921" dir="2700000" algn="ctr" rotWithShape="0">
+                    <a:schemeClr val="bg2"/>
+                  </a:outerShdw>
+                </a:effectLst>
+              </a14:hiddenEffects>
+            </a:ext>
+          </a:extLst>
+        </p:spPr>
+      </p:pic>
+      <p:pic>
+        <p:nvPicPr>
+          <p:cNvPr id="1027" name="Picture 3"/>
+          <p:cNvPicPr>
+            <a:picLocks noChangeAspect="1" noChangeArrowheads="1"/>
+          </p:cNvPicPr>
+          <p:nvPr/>
+        </p:nvPicPr>
+        <p:blipFill>
+          <a:blip r:embed="rId3" cstate="print">
+            <a:extLst>
+              <a:ext uri="{28A0092B-C50C-407E-A947-70E740481C1C}">
+                <a14:useLocalDpi xmlns:a14="http://schemas.microsoft.com/office/drawing/2010/main" val="0"/>
+              </a:ext>
+            </a:extLst>
+          </a:blip>
+          <a:srcRect/>
+          <a:stretch>
+            <a:fillRect/>
+          </a:stretch>
+        </p:blipFill>
+        <p:spPr bwMode="auto">
+          <a:xfrm>
+            <a:off x="3670" y="1907864"/>
+            <a:ext cx="1924374" cy="1440000"/>
+          </a:xfrm>
+          <a:prstGeom prst="rect">
+            <a:avLst/>
+          </a:prstGeom>
+          <a:noFill/>
+          <a:ln>
+            <a:noFill/>
+          </a:ln>
+          <a:effectLst/>
+          <a:extLst>
+            <a:ext uri="{909E8E84-426E-40DD-AFC4-6F175D3DCCD1}">
+              <a14:hiddenFill xmlns:a14="http://schemas.microsoft.com/office/drawing/2010/main">
+                <a:solidFill>
+                  <a:schemeClr val="accent1"/>
+                </a:solidFill>
+              </a14:hiddenFill>
+            </a:ext>
+            <a:ext uri="{91240B29-F687-4F45-9708-019B960494DF}">
+              <a14:hiddenLine xmlns:a14="http://schemas.microsoft.com/office/drawing/2010/main" w="9525">
+                <a:solidFill>
+                  <a:schemeClr val="tx1"/>
+                </a:solidFill>
+                <a:miter lim="800000"/>
+                <a:headEnd/>
+                <a:tailEnd/>
+              </a14:hiddenLine>
+            </a:ext>
+            <a:ext uri="{AF507438-7753-43E0-B8FC-AC1667EBCBE1}">
+              <a14:hiddenEffects xmlns:a14="http://schemas.microsoft.com/office/drawing/2010/main">
+                <a:effectLst>
+                  <a:outerShdw dist="35921" dir="2700000" algn="ctr" rotWithShape="0">
+                    <a:schemeClr val="bg2"/>
+                  </a:outerShdw>
+                </a:effectLst>
+              </a14:hiddenEffects>
+            </a:ext>
+          </a:extLst>
+        </p:spPr>
+      </p:pic>
+      <p:pic>
+        <p:nvPicPr>
+          <p:cNvPr id="1028" name="Picture 4"/>
+          <p:cNvPicPr>
+            <a:picLocks noChangeAspect="1" noChangeArrowheads="1"/>
+          </p:cNvPicPr>
+          <p:nvPr/>
+        </p:nvPicPr>
+        <p:blipFill>
+          <a:blip r:embed="rId4" cstate="print">
+            <a:extLst>
+              <a:ext uri="{28A0092B-C50C-407E-A947-70E740481C1C}">
+                <a14:useLocalDpi xmlns:a14="http://schemas.microsoft.com/office/drawing/2010/main" val="0"/>
+              </a:ext>
+            </a:extLst>
+          </a:blip>
+          <a:srcRect/>
+          <a:stretch>
+            <a:fillRect/>
+          </a:stretch>
+        </p:blipFill>
+        <p:spPr bwMode="auto">
+          <a:xfrm>
+            <a:off x="5659" y="4788184"/>
+            <a:ext cx="1920397" cy="1440000"/>
+          </a:xfrm>
+          <a:prstGeom prst="rect">
+            <a:avLst/>
+          </a:prstGeom>
+          <a:noFill/>
+          <a:ln>
+            <a:noFill/>
+          </a:ln>
+          <a:effectLst/>
+          <a:extLst>
+            <a:ext uri="{909E8E84-426E-40DD-AFC4-6F175D3DCCD1}">
+              <a14:hiddenFill xmlns:a14="http://schemas.microsoft.com/office/drawing/2010/main">
+                <a:solidFill>
+                  <a:schemeClr val="accent1"/>
+                </a:solidFill>
+              </a14:hiddenFill>
+            </a:ext>
+            <a:ext uri="{91240B29-F687-4F45-9708-019B960494DF}">
+              <a14:hiddenLine xmlns:a14="http://schemas.microsoft.com/office/drawing/2010/main" w="9525">
+                <a:solidFill>
+                  <a:schemeClr val="tx1"/>
+                </a:solidFill>
+                <a:miter lim="800000"/>
+                <a:headEnd/>
+                <a:tailEnd/>
+              </a14:hiddenLine>
+            </a:ext>
+            <a:ext uri="{AF507438-7753-43E0-B8FC-AC1667EBCBE1}">
+              <a14:hiddenEffects xmlns:a14="http://schemas.microsoft.com/office/drawing/2010/main">
+                <a:effectLst>
+                  <a:outerShdw dist="35921" dir="2700000" algn="ctr" rotWithShape="0">
+                    <a:schemeClr val="bg2"/>
+                  </a:outerShdw>
+                </a:effectLst>
+              </a14:hiddenEffects>
+            </a:ext>
+          </a:extLst>
+        </p:spPr>
+      </p:pic>
+      <p:pic>
+        <p:nvPicPr>
+          <p:cNvPr id="1029" name="Picture 5"/>
+          <p:cNvPicPr>
+            <a:picLocks noChangeAspect="1" noChangeArrowheads="1"/>
+          </p:cNvPicPr>
+          <p:nvPr/>
+        </p:nvPicPr>
+        <p:blipFill>
+          <a:blip r:embed="rId5" cstate="print">
+            <a:extLst>
+              <a:ext uri="{28A0092B-C50C-407E-A947-70E740481C1C}">
+                <a14:useLocalDpi xmlns:a14="http://schemas.microsoft.com/office/drawing/2010/main" val="0"/>
+              </a:ext>
+            </a:extLst>
+          </a:blip>
+          <a:srcRect/>
+          <a:stretch>
+            <a:fillRect/>
+          </a:stretch>
+        </p:blipFill>
+        <p:spPr bwMode="auto">
+          <a:xfrm>
+            <a:off x="5659" y="3348024"/>
+            <a:ext cx="1920397" cy="1440000"/>
+          </a:xfrm>
+          <a:prstGeom prst="rect">
+            <a:avLst/>
+          </a:prstGeom>
+          <a:noFill/>
+          <a:ln>
+            <a:noFill/>
+          </a:ln>
+          <a:effectLst/>
+          <a:extLst>
+            <a:ext uri="{909E8E84-426E-40DD-AFC4-6F175D3DCCD1}">
+              <a14:hiddenFill xmlns:a14="http://schemas.microsoft.com/office/drawing/2010/main">
+                <a:solidFill>
+                  <a:schemeClr val="accent1"/>
+                </a:solidFill>
+              </a14:hiddenFill>
+            </a:ext>
+            <a:ext uri="{91240B29-F687-4F45-9708-019B960494DF}">
+              <a14:hiddenLine xmlns:a14="http://schemas.microsoft.com/office/drawing/2010/main" w="9525">
+                <a:solidFill>
+                  <a:schemeClr val="tx1"/>
+                </a:solidFill>
+                <a:miter lim="800000"/>
+                <a:headEnd/>
+                <a:tailEnd/>
+              </a14:hiddenLine>
+            </a:ext>
+            <a:ext uri="{AF507438-7753-43E0-B8FC-AC1667EBCBE1}">
+              <a14:hiddenEffects xmlns:a14="http://schemas.microsoft.com/office/drawing/2010/main">
+                <a:effectLst>
+                  <a:outerShdw dist="35921" dir="2700000" algn="ctr" rotWithShape="0">
+                    <a:schemeClr val="bg2"/>
+                  </a:outerShdw>
+                </a:effectLst>
+              </a14:hiddenEffects>
+            </a:ext>
+          </a:extLst>
+        </p:spPr>
+      </p:pic>
+      <p:pic>
+        <p:nvPicPr>
+          <p:cNvPr id="1030" name="Picture 6"/>
+          <p:cNvPicPr>
+            <a:picLocks noChangeAspect="1" noChangeArrowheads="1"/>
+          </p:cNvPicPr>
+          <p:nvPr/>
+        </p:nvPicPr>
+        <p:blipFill>
+          <a:blip r:embed="rId6" cstate="print">
+            <a:extLst>
+              <a:ext uri="{28A0092B-C50C-407E-A947-70E740481C1C}">
+                <a14:useLocalDpi xmlns:a14="http://schemas.microsoft.com/office/drawing/2010/main" val="0"/>
+              </a:ext>
+            </a:extLst>
+          </a:blip>
+          <a:srcRect/>
+          <a:stretch>
+            <a:fillRect/>
+          </a:stretch>
+        </p:blipFill>
+        <p:spPr bwMode="auto">
+          <a:xfrm>
+            <a:off x="1628800" y="467544"/>
+            <a:ext cx="1920397" cy="1440000"/>
+          </a:xfrm>
+          <a:prstGeom prst="rect">
+            <a:avLst/>
+          </a:prstGeom>
+          <a:noFill/>
+          <a:ln>
+            <a:noFill/>
+          </a:ln>
+          <a:effectLst/>
+          <a:extLst>
+            <a:ext uri="{909E8E84-426E-40DD-AFC4-6F175D3DCCD1}">
+              <a14:hiddenFill xmlns:a14="http://schemas.microsoft.com/office/drawing/2010/main">
+                <a:solidFill>
+                  <a:schemeClr val="accent1"/>
+                </a:solidFill>
+              </a14:hiddenFill>
+            </a:ext>
+            <a:ext uri="{91240B29-F687-4F45-9708-019B960494DF}">
+              <a14:hiddenLine xmlns:a14="http://schemas.microsoft.com/office/drawing/2010/main" w="9525">
+                <a:solidFill>
+                  <a:schemeClr val="tx1"/>
+                </a:solidFill>
+                <a:miter lim="800000"/>
+                <a:headEnd/>
+                <a:tailEnd/>
+              </a14:hiddenLine>
+            </a:ext>
+            <a:ext uri="{AF507438-7753-43E0-B8FC-AC1667EBCBE1}">
+              <a14:hiddenEffects xmlns:a14="http://schemas.microsoft.com/office/drawing/2010/main">
+                <a:effectLst>
+                  <a:outerShdw dist="35921" dir="2700000" algn="ctr" rotWithShape="0">
+                    <a:schemeClr val="bg2"/>
+                  </a:outerShdw>
+                </a:effectLst>
+              </a14:hiddenEffects>
+            </a:ext>
+          </a:extLst>
+        </p:spPr>
+      </p:pic>
+      <p:pic>
+        <p:nvPicPr>
+          <p:cNvPr id="1031" name="Picture 7"/>
+          <p:cNvPicPr>
+            <a:picLocks noChangeAspect="1" noChangeArrowheads="1"/>
+          </p:cNvPicPr>
+          <p:nvPr/>
+        </p:nvPicPr>
+        <p:blipFill>
+          <a:blip r:embed="rId7" cstate="print">
+            <a:extLst>
+              <a:ext uri="{28A0092B-C50C-407E-A947-70E740481C1C}">
+                <a14:useLocalDpi xmlns:a14="http://schemas.microsoft.com/office/drawing/2010/main" val="0"/>
+              </a:ext>
+            </a:extLst>
+          </a:blip>
+          <a:srcRect/>
+          <a:stretch>
+            <a:fillRect/>
+          </a:stretch>
+        </p:blipFill>
+        <p:spPr bwMode="auto">
+          <a:xfrm>
+            <a:off x="1628800" y="1907864"/>
+            <a:ext cx="1920397" cy="1440000"/>
+          </a:xfrm>
+          <a:prstGeom prst="rect">
+            <a:avLst/>
+          </a:prstGeom>
+          <a:noFill/>
+          <a:ln>
+            <a:noFill/>
+          </a:ln>
+          <a:effectLst/>
+          <a:extLst>
+            <a:ext uri="{909E8E84-426E-40DD-AFC4-6F175D3DCCD1}">
+              <a14:hiddenFill xmlns:a14="http://schemas.microsoft.com/office/drawing/2010/main">
+                <a:solidFill>
+                  <a:schemeClr val="accent1"/>
+                </a:solidFill>
+              </a14:hiddenFill>
+            </a:ext>
+            <a:ext uri="{91240B29-F687-4F45-9708-019B960494DF}">
+              <a14:hiddenLine xmlns:a14="http://schemas.microsoft.com/office/drawing/2010/main" w="9525">
+                <a:solidFill>
+                  <a:schemeClr val="tx1"/>
+                </a:solidFill>
+                <a:miter lim="800000"/>
+                <a:headEnd/>
+                <a:tailEnd/>
+              </a14:hiddenLine>
+            </a:ext>
+            <a:ext uri="{AF507438-7753-43E0-B8FC-AC1667EBCBE1}">
+              <a14:hiddenEffects xmlns:a14="http://schemas.microsoft.com/office/drawing/2010/main">
+                <a:effectLst>
+                  <a:outerShdw dist="35921" dir="2700000" algn="ctr" rotWithShape="0">
+                    <a:schemeClr val="bg2"/>
+                  </a:outerShdw>
+                </a:effectLst>
+              </a14:hiddenEffects>
+            </a:ext>
+          </a:extLst>
+        </p:spPr>
+      </p:pic>
+      <p:pic>
+        <p:nvPicPr>
+          <p:cNvPr id="1032" name="Picture 8"/>
+          <p:cNvPicPr>
+            <a:picLocks noChangeAspect="1" noChangeArrowheads="1"/>
+          </p:cNvPicPr>
+          <p:nvPr/>
+        </p:nvPicPr>
+        <p:blipFill>
+          <a:blip r:embed="rId8" cstate="print">
+            <a:extLst>
+              <a:ext uri="{28A0092B-C50C-407E-A947-70E740481C1C}">
+                <a14:useLocalDpi xmlns:a14="http://schemas.microsoft.com/office/drawing/2010/main" val="0"/>
+              </a:ext>
+            </a:extLst>
+          </a:blip>
+          <a:srcRect/>
+          <a:stretch>
+            <a:fillRect/>
+          </a:stretch>
+        </p:blipFill>
+        <p:spPr bwMode="auto">
+          <a:xfrm>
+            <a:off x="1628800" y="3325788"/>
+            <a:ext cx="1920397" cy="1440000"/>
+          </a:xfrm>
+          <a:prstGeom prst="rect">
+            <a:avLst/>
+          </a:prstGeom>
+          <a:noFill/>
+          <a:ln>
+            <a:noFill/>
+          </a:ln>
+          <a:effectLst/>
+          <a:extLst>
+            <a:ext uri="{909E8E84-426E-40DD-AFC4-6F175D3DCCD1}">
+              <a14:hiddenFill xmlns:a14="http://schemas.microsoft.com/office/drawing/2010/main">
+                <a:solidFill>
+                  <a:schemeClr val="accent1"/>
+                </a:solidFill>
+              </a14:hiddenFill>
+            </a:ext>
+            <a:ext uri="{91240B29-F687-4F45-9708-019B960494DF}">
+              <a14:hiddenLine xmlns:a14="http://schemas.microsoft.com/office/drawing/2010/main" w="9525">
+                <a:solidFill>
+                  <a:schemeClr val="tx1"/>
+                </a:solidFill>
+                <a:miter lim="800000"/>
+                <a:headEnd/>
+                <a:tailEnd/>
+              </a14:hiddenLine>
+            </a:ext>
+            <a:ext uri="{AF507438-7753-43E0-B8FC-AC1667EBCBE1}">
+              <a14:hiddenEffects xmlns:a14="http://schemas.microsoft.com/office/drawing/2010/main">
+                <a:effectLst>
+                  <a:outerShdw dist="35921" dir="2700000" algn="ctr" rotWithShape="0">
+                    <a:schemeClr val="bg2"/>
+                  </a:outerShdw>
+                </a:effectLst>
+              </a14:hiddenEffects>
+            </a:ext>
+          </a:extLst>
+        </p:spPr>
+      </p:pic>
+      <p:pic>
+        <p:nvPicPr>
+          <p:cNvPr id="1033" name="Picture 9"/>
+          <p:cNvPicPr>
+            <a:picLocks noChangeAspect="1" noChangeArrowheads="1"/>
+          </p:cNvPicPr>
+          <p:nvPr/>
+        </p:nvPicPr>
+        <p:blipFill>
+          <a:blip r:embed="rId9" cstate="print">
+            <a:extLst>
+              <a:ext uri="{28A0092B-C50C-407E-A947-70E740481C1C}">
+                <a14:useLocalDpi xmlns:a14="http://schemas.microsoft.com/office/drawing/2010/main" val="0"/>
+              </a:ext>
+            </a:extLst>
+          </a:blip>
+          <a:srcRect/>
+          <a:stretch>
+            <a:fillRect/>
+          </a:stretch>
+        </p:blipFill>
+        <p:spPr bwMode="auto">
+          <a:xfrm>
+            <a:off x="1628800" y="4788184"/>
+            <a:ext cx="1920397" cy="1440000"/>
+          </a:xfrm>
+          <a:prstGeom prst="rect">
+            <a:avLst/>
+          </a:prstGeom>
+          <a:noFill/>
+          <a:ln>
+            <a:noFill/>
+          </a:ln>
+          <a:effectLst/>
+          <a:extLst>
+            <a:ext uri="{909E8E84-426E-40DD-AFC4-6F175D3DCCD1}">
+              <a14:hiddenFill xmlns:a14="http://schemas.microsoft.com/office/drawing/2010/main">
+                <a:solidFill>
+                  <a:schemeClr val="accent1"/>
+                </a:solidFill>
+              </a14:hiddenFill>
+            </a:ext>
+            <a:ext uri="{91240B29-F687-4F45-9708-019B960494DF}">
+              <a14:hiddenLine xmlns:a14="http://schemas.microsoft.com/office/drawing/2010/main" w="9525">
+                <a:solidFill>
+                  <a:schemeClr val="tx1"/>
+                </a:solidFill>
+                <a:miter lim="800000"/>
+                <a:headEnd/>
+                <a:tailEnd/>
+              </a14:hiddenLine>
+            </a:ext>
+            <a:ext uri="{AF507438-7753-43E0-B8FC-AC1667EBCBE1}">
+              <a14:hiddenEffects xmlns:a14="http://schemas.microsoft.com/office/drawing/2010/main">
+                <a:effectLst>
+                  <a:outerShdw dist="35921" dir="2700000" algn="ctr" rotWithShape="0">
+                    <a:schemeClr val="bg2"/>
+                  </a:outerShdw>
+                </a:effectLst>
+              </a14:hiddenEffects>
+            </a:ext>
+          </a:extLst>
+        </p:spPr>
+      </p:pic>
+      <p:pic>
+        <p:nvPicPr>
+          <p:cNvPr id="1034" name="Picture 10"/>
+          <p:cNvPicPr>
+            <a:picLocks noChangeAspect="1" noChangeArrowheads="1"/>
+          </p:cNvPicPr>
+          <p:nvPr/>
+        </p:nvPicPr>
+        <p:blipFill>
+          <a:blip r:embed="rId10" cstate="print">
+            <a:extLst>
+              <a:ext uri="{28A0092B-C50C-407E-A947-70E740481C1C}">
+                <a14:useLocalDpi xmlns:a14="http://schemas.microsoft.com/office/drawing/2010/main" val="0"/>
+              </a:ext>
+            </a:extLst>
+          </a:blip>
+          <a:srcRect/>
+          <a:stretch>
+            <a:fillRect/>
+          </a:stretch>
+        </p:blipFill>
+        <p:spPr bwMode="auto">
+          <a:xfrm>
+            <a:off x="1628800" y="6228344"/>
+            <a:ext cx="1920397" cy="1440000"/>
+          </a:xfrm>
+          <a:prstGeom prst="rect">
+            <a:avLst/>
+          </a:prstGeom>
+          <a:noFill/>
+          <a:ln>
+            <a:noFill/>
+          </a:ln>
+          <a:effectLst/>
+          <a:extLst>
+            <a:ext uri="{909E8E84-426E-40DD-AFC4-6F175D3DCCD1}">
+              <a14:hiddenFill xmlns:a14="http://schemas.microsoft.com/office/drawing/2010/main">
+                <a:solidFill>
+                  <a:schemeClr val="accent1"/>
+                </a:solidFill>
+              </a14:hiddenFill>
+            </a:ext>
+            <a:ext uri="{91240B29-F687-4F45-9708-019B960494DF}">
+              <a14:hiddenLine xmlns:a14="http://schemas.microsoft.com/office/drawing/2010/main" w="9525">
+                <a:solidFill>
+                  <a:schemeClr val="tx1"/>
+                </a:solidFill>
+                <a:miter lim="800000"/>
+                <a:headEnd/>
+                <a:tailEnd/>
+              </a14:hiddenLine>
+            </a:ext>
+            <a:ext uri="{AF507438-7753-43E0-B8FC-AC1667EBCBE1}">
+              <a14:hiddenEffects xmlns:a14="http://schemas.microsoft.com/office/drawing/2010/main">
+                <a:effectLst>
+                  <a:outerShdw dist="35921" dir="2700000" algn="ctr" rotWithShape="0">
+                    <a:schemeClr val="bg2"/>
+                  </a:outerShdw>
+                </a:effectLst>
+              </a14:hiddenEffects>
+            </a:ext>
+          </a:extLst>
+        </p:spPr>
+      </p:pic>
+      <p:sp>
+        <p:nvSpPr>
+          <p:cNvPr id="2" name="Title 1"/>
+          <p:cNvSpPr>
+            <a:spLocks noGrp="1"/>
+          </p:cNvSpPr>
+          <p:nvPr>
+            <p:ph type="title"/>
+          </p:nvPr>
+        </p:nvSpPr>
+        <p:spPr>
+          <a:xfrm>
+            <a:off x="188640" y="-108520"/>
+            <a:ext cx="6172200" cy="667068"/>
+          </a:xfrm>
+        </p:spPr>
+        <p:txBody>
+          <a:bodyPr>
+            <a:normAutofit/>
+          </a:bodyPr>
+          <a:lstStyle/>
+          <a:p>
+            <a:r>
+              <a:rPr lang="en-GB" sz="2800" dirty="0" smtClean="0"/>
+              <a:t>Catching N point (½, </a:t>
+            </a:r>
+            <a:r>
+              <a:rPr lang="en-GB" sz="2800" dirty="0"/>
+              <a:t>½</a:t>
+            </a:r>
+            <a:r>
+              <a:rPr lang="en-GB" sz="2800" dirty="0" smtClean="0"/>
+              <a:t>,0)</a:t>
+            </a:r>
+            <a:endParaRPr lang="en-GB" sz="2800" dirty="0"/>
+          </a:p>
+        </p:txBody>
+      </p:sp>
+      <p:sp>
+        <p:nvSpPr>
+          <p:cNvPr id="4" name="Rectangle 3"/>
+          <p:cNvSpPr/>
+          <p:nvPr/>
+        </p:nvSpPr>
+        <p:spPr>
+          <a:xfrm>
+            <a:off x="404664" y="467544"/>
+            <a:ext cx="1008112" cy="288032"/>
+          </a:xfrm>
+          <a:prstGeom prst="rect">
+            <a:avLst/>
+          </a:prstGeom>
+          <a:solidFill>
+            <a:schemeClr val="bg1"/>
+          </a:solidFill>
+          <a:ln>
+            <a:noFill/>
+          </a:ln>
+        </p:spPr>
+        <p:style>
+          <a:lnRef idx="2">
+            <a:schemeClr val="accent1">
+              <a:shade val="50000"/>
+            </a:schemeClr>
+          </a:lnRef>
+          <a:fillRef idx="1">
+            <a:schemeClr val="accent1"/>
+          </a:fillRef>
+          <a:effectRef idx="0">
+            <a:schemeClr val="accent1"/>
+          </a:effectRef>
+          <a:fontRef idx="minor">
+            <a:schemeClr val="lt1"/>
+          </a:fontRef>
+        </p:style>
+        <p:txBody>
+          <a:bodyPr rtlCol="0" anchor="ctr"/>
+          <a:lstStyle/>
+          <a:p>
+            <a:pPr algn="ctr"/>
+            <a:r>
+              <a:rPr lang="en-GB" sz="1400" dirty="0" err="1" smtClean="0">
+                <a:solidFill>
+                  <a:schemeClr val="tx1"/>
+                </a:solidFill>
+              </a:rPr>
+              <a:t>Ei</a:t>
+            </a:r>
+            <a:r>
+              <a:rPr lang="en-GB" sz="1400" dirty="0" smtClean="0">
+                <a:solidFill>
+                  <a:schemeClr val="tx1"/>
+                </a:solidFill>
+              </a:rPr>
+              <a:t>=200+20</a:t>
+            </a:r>
+            <a:endParaRPr lang="en-GB" sz="1400" dirty="0">
+              <a:solidFill>
+                <a:schemeClr val="tx1"/>
+              </a:solidFill>
+            </a:endParaRPr>
+          </a:p>
+        </p:txBody>
+      </p:sp>
+      <p:sp>
+        <p:nvSpPr>
+          <p:cNvPr id="14" name="Rectangle 13"/>
+          <p:cNvSpPr/>
+          <p:nvPr/>
+        </p:nvSpPr>
+        <p:spPr>
+          <a:xfrm>
+            <a:off x="1988840" y="467544"/>
+            <a:ext cx="1008112" cy="288032"/>
+          </a:xfrm>
+          <a:prstGeom prst="rect">
+            <a:avLst/>
+          </a:prstGeom>
+          <a:solidFill>
+            <a:schemeClr val="bg1"/>
+          </a:solidFill>
+          <a:ln>
+            <a:noFill/>
+          </a:ln>
+        </p:spPr>
+        <p:style>
+          <a:lnRef idx="2">
+            <a:schemeClr val="accent1">
+              <a:shade val="50000"/>
+            </a:schemeClr>
+          </a:lnRef>
+          <a:fillRef idx="1">
+            <a:schemeClr val="accent1"/>
+          </a:fillRef>
+          <a:effectRef idx="0">
+            <a:schemeClr val="accent1"/>
+          </a:effectRef>
+          <a:fontRef idx="minor">
+            <a:schemeClr val="lt1"/>
+          </a:fontRef>
+        </p:style>
+        <p:txBody>
+          <a:bodyPr rtlCol="0" anchor="ctr"/>
+          <a:lstStyle/>
+          <a:p>
+            <a:pPr algn="ctr"/>
+            <a:r>
+              <a:rPr lang="en-GB" sz="1400" dirty="0" err="1" smtClean="0">
+                <a:solidFill>
+                  <a:schemeClr val="tx1"/>
+                </a:solidFill>
+              </a:rPr>
+              <a:t>Ei</a:t>
+            </a:r>
+            <a:r>
+              <a:rPr lang="en-GB" sz="1400" dirty="0" smtClean="0">
+                <a:solidFill>
+                  <a:schemeClr val="tx1"/>
+                </a:solidFill>
+              </a:rPr>
+              <a:t>=200+20</a:t>
+            </a:r>
+            <a:endParaRPr lang="en-GB" sz="1400" dirty="0">
+              <a:solidFill>
+                <a:schemeClr val="tx1"/>
+              </a:solidFill>
+            </a:endParaRPr>
+          </a:p>
+        </p:txBody>
+      </p:sp>
+      <p:sp>
+        <p:nvSpPr>
+          <p:cNvPr id="15" name="Rectangle 14"/>
+          <p:cNvSpPr/>
+          <p:nvPr/>
+        </p:nvSpPr>
+        <p:spPr>
+          <a:xfrm>
+            <a:off x="404664" y="1907704"/>
+            <a:ext cx="1008112" cy="288032"/>
+          </a:xfrm>
+          <a:prstGeom prst="rect">
+            <a:avLst/>
+          </a:prstGeom>
+          <a:solidFill>
+            <a:schemeClr val="bg1"/>
+          </a:solidFill>
+          <a:ln>
+            <a:noFill/>
+          </a:ln>
+        </p:spPr>
+        <p:style>
+          <a:lnRef idx="2">
+            <a:schemeClr val="accent1">
+              <a:shade val="50000"/>
+            </a:schemeClr>
+          </a:lnRef>
+          <a:fillRef idx="1">
+            <a:schemeClr val="accent1"/>
+          </a:fillRef>
+          <a:effectRef idx="0">
+            <a:schemeClr val="accent1"/>
+          </a:effectRef>
+          <a:fontRef idx="minor">
+            <a:schemeClr val="lt1"/>
+          </a:fontRef>
+        </p:style>
+        <p:txBody>
+          <a:bodyPr rtlCol="0" anchor="ctr"/>
+          <a:lstStyle/>
+          <a:p>
+            <a:pPr algn="ctr"/>
+            <a:r>
+              <a:rPr lang="en-GB" sz="1400" dirty="0" err="1" smtClean="0">
+                <a:solidFill>
+                  <a:schemeClr val="tx1"/>
+                </a:solidFill>
+              </a:rPr>
+              <a:t>Ei</a:t>
+            </a:r>
+            <a:r>
+              <a:rPr lang="en-GB" sz="1400" dirty="0" smtClean="0">
+                <a:solidFill>
+                  <a:schemeClr val="tx1"/>
+                </a:solidFill>
+              </a:rPr>
+              <a:t>=220+20</a:t>
+            </a:r>
+            <a:endParaRPr lang="en-GB" sz="1400" dirty="0">
+              <a:solidFill>
+                <a:schemeClr val="tx1"/>
+              </a:solidFill>
+            </a:endParaRPr>
+          </a:p>
+        </p:txBody>
+      </p:sp>
+      <p:sp>
+        <p:nvSpPr>
+          <p:cNvPr id="16" name="Rectangle 15"/>
+          <p:cNvSpPr/>
+          <p:nvPr/>
+        </p:nvSpPr>
+        <p:spPr>
+          <a:xfrm>
+            <a:off x="2060848" y="1907704"/>
+            <a:ext cx="1008112" cy="288032"/>
+          </a:xfrm>
+          <a:prstGeom prst="rect">
+            <a:avLst/>
+          </a:prstGeom>
+          <a:solidFill>
+            <a:schemeClr val="bg1"/>
+          </a:solidFill>
+          <a:ln>
+            <a:noFill/>
+          </a:ln>
+        </p:spPr>
+        <p:style>
+          <a:lnRef idx="2">
+            <a:schemeClr val="accent1">
+              <a:shade val="50000"/>
+            </a:schemeClr>
+          </a:lnRef>
+          <a:fillRef idx="1">
+            <a:schemeClr val="accent1"/>
+          </a:fillRef>
+          <a:effectRef idx="0">
+            <a:schemeClr val="accent1"/>
+          </a:effectRef>
+          <a:fontRef idx="minor">
+            <a:schemeClr val="lt1"/>
+          </a:fontRef>
+        </p:style>
+        <p:txBody>
+          <a:bodyPr rtlCol="0" anchor="ctr"/>
+          <a:lstStyle/>
+          <a:p>
+            <a:pPr algn="ctr"/>
+            <a:r>
+              <a:rPr lang="en-GB" sz="1400" dirty="0" err="1" smtClean="0">
+                <a:solidFill>
+                  <a:schemeClr val="tx1"/>
+                </a:solidFill>
+              </a:rPr>
+              <a:t>Ei</a:t>
+            </a:r>
+            <a:r>
+              <a:rPr lang="en-GB" sz="1400" dirty="0" smtClean="0">
+                <a:solidFill>
+                  <a:schemeClr val="tx1"/>
+                </a:solidFill>
+              </a:rPr>
+              <a:t>=220+20</a:t>
+            </a:r>
+            <a:endParaRPr lang="en-GB" sz="1400" dirty="0">
+              <a:solidFill>
+                <a:schemeClr val="tx1"/>
+              </a:solidFill>
+            </a:endParaRPr>
+          </a:p>
+        </p:txBody>
+      </p:sp>
+      <p:sp>
+        <p:nvSpPr>
+          <p:cNvPr id="17" name="Rectangle 16"/>
+          <p:cNvSpPr/>
+          <p:nvPr/>
+        </p:nvSpPr>
+        <p:spPr>
+          <a:xfrm>
+            <a:off x="404664" y="3347864"/>
+            <a:ext cx="1008112" cy="288032"/>
+          </a:xfrm>
+          <a:prstGeom prst="rect">
+            <a:avLst/>
+          </a:prstGeom>
+          <a:solidFill>
+            <a:schemeClr val="bg1"/>
+          </a:solidFill>
+          <a:ln>
+            <a:noFill/>
+          </a:ln>
+        </p:spPr>
+        <p:style>
+          <a:lnRef idx="2">
+            <a:schemeClr val="accent1">
+              <a:shade val="50000"/>
+            </a:schemeClr>
+          </a:lnRef>
+          <a:fillRef idx="1">
+            <a:schemeClr val="accent1"/>
+          </a:fillRef>
+          <a:effectRef idx="0">
+            <a:schemeClr val="accent1"/>
+          </a:effectRef>
+          <a:fontRef idx="minor">
+            <a:schemeClr val="lt1"/>
+          </a:fontRef>
+        </p:style>
+        <p:txBody>
+          <a:bodyPr rtlCol="0" anchor="ctr"/>
+          <a:lstStyle/>
+          <a:p>
+            <a:pPr algn="ctr"/>
+            <a:r>
+              <a:rPr lang="en-GB" sz="1400" dirty="0" err="1" smtClean="0">
+                <a:solidFill>
+                  <a:schemeClr val="tx1"/>
+                </a:solidFill>
+              </a:rPr>
+              <a:t>Ei</a:t>
+            </a:r>
+            <a:r>
+              <a:rPr lang="en-GB" sz="1400" dirty="0" smtClean="0">
+                <a:solidFill>
+                  <a:schemeClr val="tx1"/>
+                </a:solidFill>
+              </a:rPr>
+              <a:t>=240+20</a:t>
+            </a:r>
+            <a:endParaRPr lang="en-GB" sz="1400" dirty="0">
+              <a:solidFill>
+                <a:schemeClr val="tx1"/>
+              </a:solidFill>
+            </a:endParaRPr>
+          </a:p>
+        </p:txBody>
+      </p:sp>
+      <p:sp>
+        <p:nvSpPr>
+          <p:cNvPr id="18" name="Rectangle 17"/>
+          <p:cNvSpPr/>
+          <p:nvPr/>
+        </p:nvSpPr>
+        <p:spPr>
+          <a:xfrm>
+            <a:off x="1988840" y="3347864"/>
+            <a:ext cx="1008112" cy="288032"/>
+          </a:xfrm>
+          <a:prstGeom prst="rect">
+            <a:avLst/>
+          </a:prstGeom>
+          <a:solidFill>
+            <a:schemeClr val="bg1"/>
+          </a:solidFill>
+          <a:ln>
+            <a:noFill/>
+          </a:ln>
+        </p:spPr>
+        <p:style>
+          <a:lnRef idx="2">
+            <a:schemeClr val="accent1">
+              <a:shade val="50000"/>
+            </a:schemeClr>
+          </a:lnRef>
+          <a:fillRef idx="1">
+            <a:schemeClr val="accent1"/>
+          </a:fillRef>
+          <a:effectRef idx="0">
+            <a:schemeClr val="accent1"/>
+          </a:effectRef>
+          <a:fontRef idx="minor">
+            <a:schemeClr val="lt1"/>
+          </a:fontRef>
+        </p:style>
+        <p:txBody>
+          <a:bodyPr rtlCol="0" anchor="ctr"/>
+          <a:lstStyle/>
+          <a:p>
+            <a:pPr algn="ctr"/>
+            <a:r>
+              <a:rPr lang="en-GB" sz="1400" dirty="0" err="1" smtClean="0">
+                <a:solidFill>
+                  <a:schemeClr val="tx1"/>
+                </a:solidFill>
+              </a:rPr>
+              <a:t>Ei</a:t>
+            </a:r>
+            <a:r>
+              <a:rPr lang="en-GB" sz="1400" dirty="0" smtClean="0">
+                <a:solidFill>
+                  <a:schemeClr val="tx1"/>
+                </a:solidFill>
+              </a:rPr>
+              <a:t>=240+20</a:t>
+            </a:r>
+            <a:endParaRPr lang="en-GB" sz="1400" dirty="0">
+              <a:solidFill>
+                <a:schemeClr val="tx1"/>
+              </a:solidFill>
+            </a:endParaRPr>
+          </a:p>
+        </p:txBody>
+      </p:sp>
+      <p:sp>
+        <p:nvSpPr>
+          <p:cNvPr id="19" name="Rectangle 18"/>
+          <p:cNvSpPr/>
+          <p:nvPr/>
+        </p:nvSpPr>
+        <p:spPr>
+          <a:xfrm>
+            <a:off x="404664" y="4788024"/>
+            <a:ext cx="1008112" cy="288032"/>
+          </a:xfrm>
+          <a:prstGeom prst="rect">
+            <a:avLst/>
+          </a:prstGeom>
+          <a:solidFill>
+            <a:schemeClr val="bg1"/>
+          </a:solidFill>
+          <a:ln>
+            <a:noFill/>
+          </a:ln>
+        </p:spPr>
+        <p:style>
+          <a:lnRef idx="2">
+            <a:schemeClr val="accent1">
+              <a:shade val="50000"/>
+            </a:schemeClr>
+          </a:lnRef>
+          <a:fillRef idx="1">
+            <a:schemeClr val="accent1"/>
+          </a:fillRef>
+          <a:effectRef idx="0">
+            <a:schemeClr val="accent1"/>
+          </a:effectRef>
+          <a:fontRef idx="minor">
+            <a:schemeClr val="lt1"/>
+          </a:fontRef>
+        </p:style>
+        <p:txBody>
+          <a:bodyPr rtlCol="0" anchor="ctr"/>
+          <a:lstStyle/>
+          <a:p>
+            <a:pPr algn="ctr"/>
+            <a:r>
+              <a:rPr lang="en-GB" sz="1400" dirty="0" err="1" smtClean="0">
+                <a:solidFill>
+                  <a:schemeClr val="tx1"/>
+                </a:solidFill>
+              </a:rPr>
+              <a:t>Ei</a:t>
+            </a:r>
+            <a:r>
+              <a:rPr lang="en-GB" sz="1400" dirty="0" smtClean="0">
+                <a:solidFill>
+                  <a:schemeClr val="tx1"/>
+                </a:solidFill>
+              </a:rPr>
+              <a:t>=260+20</a:t>
+            </a:r>
+            <a:endParaRPr lang="en-GB" sz="1400" dirty="0">
+              <a:solidFill>
+                <a:schemeClr val="tx1"/>
+              </a:solidFill>
+            </a:endParaRPr>
+          </a:p>
+        </p:txBody>
+      </p:sp>
+      <p:sp>
+        <p:nvSpPr>
+          <p:cNvPr id="20" name="Rectangle 19"/>
+          <p:cNvSpPr/>
+          <p:nvPr/>
+        </p:nvSpPr>
+        <p:spPr>
+          <a:xfrm>
+            <a:off x="1988840" y="4788024"/>
+            <a:ext cx="1008112" cy="288032"/>
+          </a:xfrm>
+          <a:prstGeom prst="rect">
+            <a:avLst/>
+          </a:prstGeom>
+          <a:solidFill>
+            <a:schemeClr val="bg1"/>
+          </a:solidFill>
+          <a:ln>
+            <a:noFill/>
+          </a:ln>
+        </p:spPr>
+        <p:style>
+          <a:lnRef idx="2">
+            <a:schemeClr val="accent1">
+              <a:shade val="50000"/>
+            </a:schemeClr>
+          </a:lnRef>
+          <a:fillRef idx="1">
+            <a:schemeClr val="accent1"/>
+          </a:fillRef>
+          <a:effectRef idx="0">
+            <a:schemeClr val="accent1"/>
+          </a:effectRef>
+          <a:fontRef idx="minor">
+            <a:schemeClr val="lt1"/>
+          </a:fontRef>
+        </p:style>
+        <p:txBody>
+          <a:bodyPr rtlCol="0" anchor="ctr"/>
+          <a:lstStyle/>
+          <a:p>
+            <a:pPr algn="ctr"/>
+            <a:r>
+              <a:rPr lang="en-GB" sz="1400" dirty="0" err="1" smtClean="0">
+                <a:solidFill>
+                  <a:schemeClr val="tx1"/>
+                </a:solidFill>
+              </a:rPr>
+              <a:t>Ei</a:t>
+            </a:r>
+            <a:r>
+              <a:rPr lang="en-GB" sz="1400" dirty="0" smtClean="0">
+                <a:solidFill>
+                  <a:schemeClr val="tx1"/>
+                </a:solidFill>
+              </a:rPr>
+              <a:t>=260+20</a:t>
+            </a:r>
+            <a:endParaRPr lang="en-GB" sz="1400" dirty="0">
+              <a:solidFill>
+                <a:schemeClr val="tx1"/>
+              </a:solidFill>
+            </a:endParaRPr>
+          </a:p>
+        </p:txBody>
+      </p:sp>
+      <p:sp>
+        <p:nvSpPr>
+          <p:cNvPr id="21" name="Rectangle 20"/>
+          <p:cNvSpPr/>
+          <p:nvPr/>
+        </p:nvSpPr>
+        <p:spPr>
+          <a:xfrm>
+            <a:off x="1988840" y="6228344"/>
+            <a:ext cx="1008112" cy="288032"/>
+          </a:xfrm>
+          <a:prstGeom prst="rect">
+            <a:avLst/>
+          </a:prstGeom>
+          <a:solidFill>
+            <a:schemeClr val="bg1"/>
+          </a:solidFill>
+          <a:ln>
+            <a:noFill/>
+          </a:ln>
+        </p:spPr>
+        <p:style>
+          <a:lnRef idx="2">
+            <a:schemeClr val="accent1">
+              <a:shade val="50000"/>
+            </a:schemeClr>
+          </a:lnRef>
+          <a:fillRef idx="1">
+            <a:schemeClr val="accent1"/>
+          </a:fillRef>
+          <a:effectRef idx="0">
+            <a:schemeClr val="accent1"/>
+          </a:effectRef>
+          <a:fontRef idx="minor">
+            <a:schemeClr val="lt1"/>
+          </a:fontRef>
+        </p:style>
+        <p:txBody>
+          <a:bodyPr rtlCol="0" anchor="ctr"/>
+          <a:lstStyle/>
+          <a:p>
+            <a:pPr algn="ctr"/>
+            <a:r>
+              <a:rPr lang="en-GB" sz="1400" dirty="0" err="1" smtClean="0">
+                <a:solidFill>
+                  <a:schemeClr val="tx1"/>
+                </a:solidFill>
+              </a:rPr>
+              <a:t>Ei</a:t>
+            </a:r>
+            <a:r>
+              <a:rPr lang="en-GB" sz="1400" dirty="0" smtClean="0">
+                <a:solidFill>
+                  <a:schemeClr val="tx1"/>
+                </a:solidFill>
+              </a:rPr>
+              <a:t>=280+20</a:t>
+            </a:r>
+            <a:endParaRPr lang="en-GB" sz="1400" dirty="0">
+              <a:solidFill>
+                <a:schemeClr val="tx1"/>
+              </a:solidFill>
+            </a:endParaRPr>
+          </a:p>
+        </p:txBody>
+      </p:sp>
+      <p:cxnSp>
+        <p:nvCxnSpPr>
+          <p:cNvPr id="6" name="Straight Connector 5"/>
+          <p:cNvCxnSpPr/>
+          <p:nvPr/>
+        </p:nvCxnSpPr>
+        <p:spPr>
+          <a:xfrm flipV="1">
+            <a:off x="2716540" y="672138"/>
+            <a:ext cx="0" cy="1080120"/>
+          </a:xfrm>
+          <a:prstGeom prst="line">
+            <a:avLst/>
+          </a:prstGeom>
+          <a:ln>
+            <a:solidFill>
+              <a:srgbClr val="FF0000"/>
+            </a:solidFill>
+            <a:prstDash val="dash"/>
+          </a:ln>
+        </p:spPr>
+        <p:style>
+          <a:lnRef idx="1">
+            <a:schemeClr val="accent1"/>
+          </a:lnRef>
+          <a:fillRef idx="0">
+            <a:schemeClr val="accent1"/>
+          </a:fillRef>
+          <a:effectRef idx="0">
+            <a:schemeClr val="accent1"/>
+          </a:effectRef>
+          <a:fontRef idx="minor">
+            <a:schemeClr val="tx1"/>
+          </a:fontRef>
+        </p:style>
+      </p:cxnSp>
+      <p:cxnSp>
+        <p:nvCxnSpPr>
+          <p:cNvPr id="30" name="Straight Connector 29"/>
+          <p:cNvCxnSpPr/>
+          <p:nvPr/>
+        </p:nvCxnSpPr>
+        <p:spPr>
+          <a:xfrm flipV="1">
+            <a:off x="2505472" y="672138"/>
+            <a:ext cx="0" cy="1080120"/>
+          </a:xfrm>
+          <a:prstGeom prst="line">
+            <a:avLst/>
+          </a:prstGeom>
+          <a:ln>
+            <a:solidFill>
+              <a:srgbClr val="FF0000"/>
+            </a:solidFill>
+            <a:prstDash val="dash"/>
+          </a:ln>
+        </p:spPr>
+        <p:style>
+          <a:lnRef idx="1">
+            <a:schemeClr val="accent1"/>
+          </a:lnRef>
+          <a:fillRef idx="0">
+            <a:schemeClr val="accent1"/>
+          </a:fillRef>
+          <a:effectRef idx="0">
+            <a:schemeClr val="accent1"/>
+          </a:effectRef>
+          <a:fontRef idx="minor">
+            <a:schemeClr val="tx1"/>
+          </a:fontRef>
+        </p:style>
+      </p:cxnSp>
+      <p:cxnSp>
+        <p:nvCxnSpPr>
+          <p:cNvPr id="31" name="Straight Connector 30"/>
+          <p:cNvCxnSpPr/>
+          <p:nvPr/>
+        </p:nvCxnSpPr>
+        <p:spPr>
+          <a:xfrm flipV="1">
+            <a:off x="2292112" y="672138"/>
+            <a:ext cx="0" cy="1080120"/>
+          </a:xfrm>
+          <a:prstGeom prst="line">
+            <a:avLst/>
+          </a:prstGeom>
+          <a:ln>
+            <a:solidFill>
+              <a:srgbClr val="FF0000"/>
+            </a:solidFill>
+            <a:prstDash val="dash"/>
+          </a:ln>
+        </p:spPr>
+        <p:style>
+          <a:lnRef idx="1">
+            <a:schemeClr val="accent1"/>
+          </a:lnRef>
+          <a:fillRef idx="0">
+            <a:schemeClr val="accent1"/>
+          </a:fillRef>
+          <a:effectRef idx="0">
+            <a:schemeClr val="accent1"/>
+          </a:effectRef>
+          <a:fontRef idx="minor">
+            <a:schemeClr val="tx1"/>
+          </a:fontRef>
+        </p:style>
+      </p:cxnSp>
+      <p:cxnSp>
+        <p:nvCxnSpPr>
+          <p:cNvPr id="32" name="Straight Connector 31"/>
+          <p:cNvCxnSpPr/>
+          <p:nvPr/>
+        </p:nvCxnSpPr>
+        <p:spPr>
+          <a:xfrm flipV="1">
+            <a:off x="2067322" y="672138"/>
+            <a:ext cx="0" cy="1080120"/>
+          </a:xfrm>
+          <a:prstGeom prst="line">
+            <a:avLst/>
+          </a:prstGeom>
+          <a:ln>
+            <a:solidFill>
+              <a:srgbClr val="FF0000"/>
+            </a:solidFill>
+            <a:prstDash val="dash"/>
+          </a:ln>
+        </p:spPr>
+        <p:style>
+          <a:lnRef idx="1">
+            <a:schemeClr val="accent1"/>
+          </a:lnRef>
+          <a:fillRef idx="0">
+            <a:schemeClr val="accent1"/>
+          </a:fillRef>
+          <a:effectRef idx="0">
+            <a:schemeClr val="accent1"/>
+          </a:effectRef>
+          <a:fontRef idx="minor">
+            <a:schemeClr val="tx1"/>
+          </a:fontRef>
+        </p:style>
+      </p:cxnSp>
+      <p:cxnSp>
+        <p:nvCxnSpPr>
+          <p:cNvPr id="33" name="Straight Connector 32"/>
+          <p:cNvCxnSpPr/>
+          <p:nvPr/>
+        </p:nvCxnSpPr>
+        <p:spPr>
+          <a:xfrm>
+            <a:off x="1988840" y="994682"/>
+            <a:ext cx="1042402" cy="0"/>
+          </a:xfrm>
+          <a:prstGeom prst="line">
+            <a:avLst/>
+          </a:prstGeom>
+          <a:ln>
+            <a:solidFill>
+              <a:srgbClr val="FF0000"/>
+            </a:solidFill>
+            <a:prstDash val="dash"/>
+          </a:ln>
+        </p:spPr>
+        <p:style>
+          <a:lnRef idx="1">
+            <a:schemeClr val="accent1"/>
+          </a:lnRef>
+          <a:fillRef idx="0">
+            <a:schemeClr val="accent1"/>
+          </a:fillRef>
+          <a:effectRef idx="0">
+            <a:schemeClr val="accent1"/>
+          </a:effectRef>
+          <a:fontRef idx="minor">
+            <a:schemeClr val="tx1"/>
+          </a:fontRef>
+        </p:style>
+      </p:cxnSp>
+      <p:cxnSp>
+        <p:nvCxnSpPr>
+          <p:cNvPr id="42" name="Straight Connector 41"/>
+          <p:cNvCxnSpPr/>
+          <p:nvPr/>
+        </p:nvCxnSpPr>
+        <p:spPr>
+          <a:xfrm>
+            <a:off x="1973600" y="1202864"/>
+            <a:ext cx="1042402" cy="0"/>
+          </a:xfrm>
+          <a:prstGeom prst="line">
+            <a:avLst/>
+          </a:prstGeom>
+          <a:ln>
+            <a:solidFill>
+              <a:srgbClr val="FF0000"/>
+            </a:solidFill>
+            <a:prstDash val="dash"/>
+          </a:ln>
+        </p:spPr>
+        <p:style>
+          <a:lnRef idx="1">
+            <a:schemeClr val="accent1"/>
+          </a:lnRef>
+          <a:fillRef idx="0">
+            <a:schemeClr val="accent1"/>
+          </a:fillRef>
+          <a:effectRef idx="0">
+            <a:schemeClr val="accent1"/>
+          </a:effectRef>
+          <a:fontRef idx="minor">
+            <a:schemeClr val="tx1"/>
+          </a:fontRef>
+        </p:style>
+      </p:cxnSp>
+      <p:cxnSp>
+        <p:nvCxnSpPr>
+          <p:cNvPr id="43" name="Straight Connector 42"/>
+          <p:cNvCxnSpPr/>
+          <p:nvPr/>
+        </p:nvCxnSpPr>
+        <p:spPr>
+          <a:xfrm>
+            <a:off x="1977410" y="1422476"/>
+            <a:ext cx="1042402" cy="0"/>
+          </a:xfrm>
+          <a:prstGeom prst="line">
+            <a:avLst/>
+          </a:prstGeom>
+          <a:ln>
+            <a:solidFill>
+              <a:srgbClr val="FF0000"/>
+            </a:solidFill>
+            <a:prstDash val="dash"/>
+          </a:ln>
+        </p:spPr>
+        <p:style>
+          <a:lnRef idx="1">
+            <a:schemeClr val="accent1"/>
+          </a:lnRef>
+          <a:fillRef idx="0">
+            <a:schemeClr val="accent1"/>
+          </a:fillRef>
+          <a:effectRef idx="0">
+            <a:schemeClr val="accent1"/>
+          </a:effectRef>
+          <a:fontRef idx="minor">
+            <a:schemeClr val="tx1"/>
+          </a:fontRef>
+        </p:style>
+      </p:cxnSp>
+      <p:cxnSp>
+        <p:nvCxnSpPr>
+          <p:cNvPr id="44" name="Straight Connector 43"/>
+          <p:cNvCxnSpPr/>
+          <p:nvPr/>
+        </p:nvCxnSpPr>
+        <p:spPr>
+          <a:xfrm>
+            <a:off x="1965980" y="1634912"/>
+            <a:ext cx="1042402" cy="0"/>
+          </a:xfrm>
+          <a:prstGeom prst="line">
+            <a:avLst/>
+          </a:prstGeom>
+          <a:ln>
+            <a:solidFill>
+              <a:srgbClr val="FF0000"/>
+            </a:solidFill>
+            <a:prstDash val="dash"/>
+          </a:ln>
+        </p:spPr>
+        <p:style>
+          <a:lnRef idx="1">
+            <a:schemeClr val="accent1"/>
+          </a:lnRef>
+          <a:fillRef idx="0">
+            <a:schemeClr val="accent1"/>
+          </a:fillRef>
+          <a:effectRef idx="0">
+            <a:schemeClr val="accent1"/>
+          </a:effectRef>
+          <a:fontRef idx="minor">
+            <a:schemeClr val="tx1"/>
+          </a:fontRef>
+        </p:style>
+      </p:cxnSp>
+      <p:cxnSp>
+        <p:nvCxnSpPr>
+          <p:cNvPr id="110" name="Straight Connector 109"/>
+          <p:cNvCxnSpPr/>
+          <p:nvPr/>
+        </p:nvCxnSpPr>
+        <p:spPr>
+          <a:xfrm>
+            <a:off x="1977410" y="770434"/>
+            <a:ext cx="1042402" cy="0"/>
+          </a:xfrm>
+          <a:prstGeom prst="line">
+            <a:avLst/>
+          </a:prstGeom>
+          <a:ln>
+            <a:solidFill>
+              <a:srgbClr val="FF0000"/>
+            </a:solidFill>
+            <a:prstDash val="dash"/>
+          </a:ln>
+        </p:spPr>
+        <p:style>
+          <a:lnRef idx="1">
+            <a:schemeClr val="accent1"/>
+          </a:lnRef>
+          <a:fillRef idx="0">
+            <a:schemeClr val="accent1"/>
+          </a:fillRef>
+          <a:effectRef idx="0">
+            <a:schemeClr val="accent1"/>
+          </a:effectRef>
+          <a:fontRef idx="minor">
+            <a:schemeClr val="tx1"/>
+          </a:fontRef>
+        </p:style>
+      </p:cxnSp>
+      <p:cxnSp>
+        <p:nvCxnSpPr>
+          <p:cNvPr id="111" name="Straight Connector 110"/>
+          <p:cNvCxnSpPr/>
+          <p:nvPr/>
+        </p:nvCxnSpPr>
+        <p:spPr>
+          <a:xfrm>
+            <a:off x="1965980" y="2222406"/>
+            <a:ext cx="1042402" cy="0"/>
+          </a:xfrm>
+          <a:prstGeom prst="line">
+            <a:avLst/>
+          </a:prstGeom>
+          <a:ln>
+            <a:solidFill>
+              <a:srgbClr val="FF0000"/>
+            </a:solidFill>
+            <a:prstDash val="dash"/>
+          </a:ln>
+        </p:spPr>
+        <p:style>
+          <a:lnRef idx="1">
+            <a:schemeClr val="accent1"/>
+          </a:lnRef>
+          <a:fillRef idx="0">
+            <a:schemeClr val="accent1"/>
+          </a:fillRef>
+          <a:effectRef idx="0">
+            <a:schemeClr val="accent1"/>
+          </a:effectRef>
+          <a:fontRef idx="minor">
+            <a:schemeClr val="tx1"/>
+          </a:fontRef>
+        </p:style>
+      </p:cxnSp>
+      <p:cxnSp>
+        <p:nvCxnSpPr>
+          <p:cNvPr id="113" name="Straight Connector 112"/>
+          <p:cNvCxnSpPr/>
+          <p:nvPr/>
+        </p:nvCxnSpPr>
+        <p:spPr>
+          <a:xfrm>
+            <a:off x="1969790" y="3635896"/>
+            <a:ext cx="1042402" cy="0"/>
+          </a:xfrm>
+          <a:prstGeom prst="line">
+            <a:avLst/>
+          </a:prstGeom>
+          <a:ln>
+            <a:solidFill>
+              <a:srgbClr val="FF0000"/>
+            </a:solidFill>
+            <a:prstDash val="dash"/>
+          </a:ln>
+        </p:spPr>
+        <p:style>
+          <a:lnRef idx="1">
+            <a:schemeClr val="accent1"/>
+          </a:lnRef>
+          <a:fillRef idx="0">
+            <a:schemeClr val="accent1"/>
+          </a:fillRef>
+          <a:effectRef idx="0">
+            <a:schemeClr val="accent1"/>
+          </a:effectRef>
+          <a:fontRef idx="minor">
+            <a:schemeClr val="tx1"/>
+          </a:fontRef>
+        </p:style>
+      </p:cxnSp>
+      <p:grpSp>
+        <p:nvGrpSpPr>
+          <p:cNvPr id="46" name="Group 45"/>
+          <p:cNvGrpSpPr/>
+          <p:nvPr/>
+        </p:nvGrpSpPr>
+        <p:grpSpPr>
+          <a:xfrm>
+            <a:off x="1965980" y="2108870"/>
+            <a:ext cx="1065262" cy="1080120"/>
+            <a:chOff x="1965980" y="672138"/>
+            <a:chExt cx="1065262" cy="1080120"/>
+          </a:xfrm>
+        </p:grpSpPr>
+        <p:cxnSp>
+          <p:nvCxnSpPr>
+            <p:cNvPr id="47" name="Straight Connector 46"/>
+            <p:cNvCxnSpPr/>
+            <p:nvPr/>
+          </p:nvCxnSpPr>
+          <p:spPr>
+            <a:xfrm flipV="1">
+              <a:off x="2716540" y="672138"/>
+              <a:ext cx="0" cy="1080120"/>
+            </a:xfrm>
+            <a:prstGeom prst="line">
+              <a:avLst/>
+            </a:prstGeom>
+            <a:ln>
+              <a:solidFill>
+                <a:srgbClr val="FF0000"/>
+              </a:solidFill>
+              <a:prstDash val="dash"/>
+            </a:ln>
+          </p:spPr>
+          <p:style>
+            <a:lnRef idx="1">
+              <a:schemeClr val="accent1"/>
+            </a:lnRef>
+            <a:fillRef idx="0">
+              <a:schemeClr val="accent1"/>
+            </a:fillRef>
+            <a:effectRef idx="0">
+              <a:schemeClr val="accent1"/>
+            </a:effectRef>
+            <a:fontRef idx="minor">
+              <a:schemeClr val="tx1"/>
+            </a:fontRef>
+          </p:style>
+        </p:cxnSp>
+        <p:cxnSp>
+          <p:nvCxnSpPr>
+            <p:cNvPr id="48" name="Straight Connector 47"/>
+            <p:cNvCxnSpPr/>
+            <p:nvPr/>
+          </p:nvCxnSpPr>
+          <p:spPr>
+            <a:xfrm flipV="1">
+              <a:off x="2505472" y="672138"/>
+              <a:ext cx="0" cy="1080120"/>
+            </a:xfrm>
+            <a:prstGeom prst="line">
+              <a:avLst/>
+            </a:prstGeom>
+            <a:ln>
+              <a:solidFill>
+                <a:srgbClr val="FF0000"/>
+              </a:solidFill>
+              <a:prstDash val="dash"/>
+            </a:ln>
+          </p:spPr>
+          <p:style>
+            <a:lnRef idx="1">
+              <a:schemeClr val="accent1"/>
+            </a:lnRef>
+            <a:fillRef idx="0">
+              <a:schemeClr val="accent1"/>
+            </a:fillRef>
+            <a:effectRef idx="0">
+              <a:schemeClr val="accent1"/>
+            </a:effectRef>
+            <a:fontRef idx="minor">
+              <a:schemeClr val="tx1"/>
+            </a:fontRef>
+          </p:style>
+        </p:cxnSp>
+        <p:cxnSp>
+          <p:nvCxnSpPr>
+            <p:cNvPr id="49" name="Straight Connector 48"/>
+            <p:cNvCxnSpPr/>
+            <p:nvPr/>
+          </p:nvCxnSpPr>
+          <p:spPr>
+            <a:xfrm flipV="1">
+              <a:off x="2292112" y="672138"/>
+              <a:ext cx="0" cy="1080120"/>
+            </a:xfrm>
+            <a:prstGeom prst="line">
+              <a:avLst/>
+            </a:prstGeom>
+            <a:ln>
+              <a:solidFill>
+                <a:srgbClr val="FF0000"/>
+              </a:solidFill>
+              <a:prstDash val="dash"/>
+            </a:ln>
+          </p:spPr>
+          <p:style>
+            <a:lnRef idx="1">
+              <a:schemeClr val="accent1"/>
+            </a:lnRef>
+            <a:fillRef idx="0">
+              <a:schemeClr val="accent1"/>
+            </a:fillRef>
+            <a:effectRef idx="0">
+              <a:schemeClr val="accent1"/>
+            </a:effectRef>
+            <a:fontRef idx="minor">
+              <a:schemeClr val="tx1"/>
+            </a:fontRef>
+          </p:style>
+        </p:cxnSp>
+        <p:cxnSp>
+          <p:nvCxnSpPr>
+            <p:cNvPr id="50" name="Straight Connector 49"/>
+            <p:cNvCxnSpPr/>
+            <p:nvPr/>
+          </p:nvCxnSpPr>
+          <p:spPr>
+            <a:xfrm flipV="1">
+              <a:off x="2067322" y="672138"/>
+              <a:ext cx="0" cy="1080120"/>
+            </a:xfrm>
+            <a:prstGeom prst="line">
+              <a:avLst/>
+            </a:prstGeom>
+            <a:ln>
+              <a:solidFill>
+                <a:srgbClr val="FF0000"/>
+              </a:solidFill>
+              <a:prstDash val="dash"/>
+            </a:ln>
+          </p:spPr>
+          <p:style>
+            <a:lnRef idx="1">
+              <a:schemeClr val="accent1"/>
+            </a:lnRef>
+            <a:fillRef idx="0">
+              <a:schemeClr val="accent1"/>
+            </a:fillRef>
+            <a:effectRef idx="0">
+              <a:schemeClr val="accent1"/>
+            </a:effectRef>
+            <a:fontRef idx="minor">
+              <a:schemeClr val="tx1"/>
+            </a:fontRef>
+          </p:style>
+        </p:cxnSp>
+        <p:cxnSp>
+          <p:nvCxnSpPr>
+            <p:cNvPr id="51" name="Straight Connector 50"/>
+            <p:cNvCxnSpPr/>
+            <p:nvPr/>
+          </p:nvCxnSpPr>
+          <p:spPr>
+            <a:xfrm>
+              <a:off x="1988840" y="994682"/>
+              <a:ext cx="1042402" cy="0"/>
+            </a:xfrm>
+            <a:prstGeom prst="line">
+              <a:avLst/>
+            </a:prstGeom>
+            <a:ln>
+              <a:solidFill>
+                <a:srgbClr val="FF0000"/>
+              </a:solidFill>
+              <a:prstDash val="dash"/>
+            </a:ln>
+          </p:spPr>
+          <p:style>
+            <a:lnRef idx="1">
+              <a:schemeClr val="accent1"/>
+            </a:lnRef>
+            <a:fillRef idx="0">
+              <a:schemeClr val="accent1"/>
+            </a:fillRef>
+            <a:effectRef idx="0">
+              <a:schemeClr val="accent1"/>
+            </a:effectRef>
+            <a:fontRef idx="minor">
+              <a:schemeClr val="tx1"/>
+            </a:fontRef>
+          </p:style>
+        </p:cxnSp>
+        <p:cxnSp>
+          <p:nvCxnSpPr>
+            <p:cNvPr id="52" name="Straight Connector 51"/>
+            <p:cNvCxnSpPr/>
+            <p:nvPr/>
+          </p:nvCxnSpPr>
+          <p:spPr>
+            <a:xfrm>
+              <a:off x="1973600" y="1202864"/>
+              <a:ext cx="1042402" cy="0"/>
+            </a:xfrm>
+            <a:prstGeom prst="line">
+              <a:avLst/>
+            </a:prstGeom>
+            <a:ln>
+              <a:solidFill>
+                <a:srgbClr val="FF0000"/>
+              </a:solidFill>
+              <a:prstDash val="dash"/>
+            </a:ln>
+          </p:spPr>
+          <p:style>
+            <a:lnRef idx="1">
+              <a:schemeClr val="accent1"/>
+            </a:lnRef>
+            <a:fillRef idx="0">
+              <a:schemeClr val="accent1"/>
+            </a:fillRef>
+            <a:effectRef idx="0">
+              <a:schemeClr val="accent1"/>
+            </a:effectRef>
+            <a:fontRef idx="minor">
+              <a:schemeClr val="tx1"/>
+            </a:fontRef>
+          </p:style>
+        </p:cxnSp>
+        <p:cxnSp>
+          <p:nvCxnSpPr>
+            <p:cNvPr id="53" name="Straight Connector 52"/>
+            <p:cNvCxnSpPr/>
+            <p:nvPr/>
+          </p:nvCxnSpPr>
+          <p:spPr>
+            <a:xfrm>
+              <a:off x="1977410" y="1422476"/>
+              <a:ext cx="1042402" cy="0"/>
+            </a:xfrm>
+            <a:prstGeom prst="line">
+              <a:avLst/>
+            </a:prstGeom>
+            <a:ln>
+              <a:solidFill>
+                <a:srgbClr val="FF0000"/>
+              </a:solidFill>
+              <a:prstDash val="dash"/>
+            </a:ln>
+          </p:spPr>
+          <p:style>
+            <a:lnRef idx="1">
+              <a:schemeClr val="accent1"/>
+            </a:lnRef>
+            <a:fillRef idx="0">
+              <a:schemeClr val="accent1"/>
+            </a:fillRef>
+            <a:effectRef idx="0">
+              <a:schemeClr val="accent1"/>
+            </a:effectRef>
+            <a:fontRef idx="minor">
+              <a:schemeClr val="tx1"/>
+            </a:fontRef>
+          </p:style>
+        </p:cxnSp>
+        <p:cxnSp>
+          <p:nvCxnSpPr>
+            <p:cNvPr id="54" name="Straight Connector 53"/>
+            <p:cNvCxnSpPr/>
+            <p:nvPr/>
+          </p:nvCxnSpPr>
+          <p:spPr>
+            <a:xfrm>
+              <a:off x="1965980" y="1634912"/>
+              <a:ext cx="1042402" cy="0"/>
+            </a:xfrm>
+            <a:prstGeom prst="line">
+              <a:avLst/>
+            </a:prstGeom>
+            <a:ln>
+              <a:solidFill>
+                <a:srgbClr val="FF0000"/>
+              </a:solidFill>
+              <a:prstDash val="dash"/>
+            </a:ln>
+          </p:spPr>
+          <p:style>
+            <a:lnRef idx="1">
+              <a:schemeClr val="accent1"/>
+            </a:lnRef>
+            <a:fillRef idx="0">
+              <a:schemeClr val="accent1"/>
+            </a:fillRef>
+            <a:effectRef idx="0">
+              <a:schemeClr val="accent1"/>
+            </a:effectRef>
+            <a:fontRef idx="minor">
+              <a:schemeClr val="tx1"/>
+            </a:fontRef>
+          </p:style>
+        </p:cxnSp>
+      </p:grpSp>
+      <p:grpSp>
+        <p:nvGrpSpPr>
+          <p:cNvPr id="55" name="Group 54"/>
+          <p:cNvGrpSpPr/>
+          <p:nvPr/>
+        </p:nvGrpSpPr>
+        <p:grpSpPr>
+          <a:xfrm>
+            <a:off x="1962170" y="3522742"/>
+            <a:ext cx="1065262" cy="1080120"/>
+            <a:chOff x="1965980" y="672138"/>
+            <a:chExt cx="1065262" cy="1080120"/>
+          </a:xfrm>
+        </p:grpSpPr>
+        <p:cxnSp>
+          <p:nvCxnSpPr>
+            <p:cNvPr id="56" name="Straight Connector 55"/>
+            <p:cNvCxnSpPr/>
+            <p:nvPr/>
+          </p:nvCxnSpPr>
+          <p:spPr>
+            <a:xfrm flipV="1">
+              <a:off x="2716540" y="672138"/>
+              <a:ext cx="0" cy="1080120"/>
+            </a:xfrm>
+            <a:prstGeom prst="line">
+              <a:avLst/>
+            </a:prstGeom>
+            <a:ln>
+              <a:solidFill>
+                <a:srgbClr val="FF0000"/>
+              </a:solidFill>
+              <a:prstDash val="dash"/>
+            </a:ln>
+          </p:spPr>
+          <p:style>
+            <a:lnRef idx="1">
+              <a:schemeClr val="accent1"/>
+            </a:lnRef>
+            <a:fillRef idx="0">
+              <a:schemeClr val="accent1"/>
+            </a:fillRef>
+            <a:effectRef idx="0">
+              <a:schemeClr val="accent1"/>
+            </a:effectRef>
+            <a:fontRef idx="minor">
+              <a:schemeClr val="tx1"/>
+            </a:fontRef>
+          </p:style>
+        </p:cxnSp>
+        <p:cxnSp>
+          <p:nvCxnSpPr>
+            <p:cNvPr id="57" name="Straight Connector 56"/>
+            <p:cNvCxnSpPr/>
+            <p:nvPr/>
+          </p:nvCxnSpPr>
+          <p:spPr>
+            <a:xfrm flipV="1">
+              <a:off x="2505472" y="672138"/>
+              <a:ext cx="0" cy="1080120"/>
+            </a:xfrm>
+            <a:prstGeom prst="line">
+              <a:avLst/>
+            </a:prstGeom>
+            <a:ln>
+              <a:solidFill>
+                <a:srgbClr val="FF0000"/>
+              </a:solidFill>
+              <a:prstDash val="dash"/>
+            </a:ln>
+          </p:spPr>
+          <p:style>
+            <a:lnRef idx="1">
+              <a:schemeClr val="accent1"/>
+            </a:lnRef>
+            <a:fillRef idx="0">
+              <a:schemeClr val="accent1"/>
+            </a:fillRef>
+            <a:effectRef idx="0">
+              <a:schemeClr val="accent1"/>
+            </a:effectRef>
+            <a:fontRef idx="minor">
+              <a:schemeClr val="tx1"/>
+            </a:fontRef>
+          </p:style>
+        </p:cxnSp>
+        <p:cxnSp>
+          <p:nvCxnSpPr>
+            <p:cNvPr id="58" name="Straight Connector 57"/>
+            <p:cNvCxnSpPr/>
+            <p:nvPr/>
+          </p:nvCxnSpPr>
+          <p:spPr>
+            <a:xfrm flipV="1">
+              <a:off x="2292112" y="672138"/>
+              <a:ext cx="0" cy="1080120"/>
+            </a:xfrm>
+            <a:prstGeom prst="line">
+              <a:avLst/>
+            </a:prstGeom>
+            <a:ln>
+              <a:solidFill>
+                <a:srgbClr val="FF0000"/>
+              </a:solidFill>
+              <a:prstDash val="dash"/>
+            </a:ln>
+          </p:spPr>
+          <p:style>
+            <a:lnRef idx="1">
+              <a:schemeClr val="accent1"/>
+            </a:lnRef>
+            <a:fillRef idx="0">
+              <a:schemeClr val="accent1"/>
+            </a:fillRef>
+            <a:effectRef idx="0">
+              <a:schemeClr val="accent1"/>
+            </a:effectRef>
+            <a:fontRef idx="minor">
+              <a:schemeClr val="tx1"/>
+            </a:fontRef>
+          </p:style>
+        </p:cxnSp>
+        <p:cxnSp>
+          <p:nvCxnSpPr>
+            <p:cNvPr id="59" name="Straight Connector 58"/>
+            <p:cNvCxnSpPr/>
+            <p:nvPr/>
+          </p:nvCxnSpPr>
+          <p:spPr>
+            <a:xfrm flipV="1">
+              <a:off x="2067322" y="672138"/>
+              <a:ext cx="0" cy="1080120"/>
+            </a:xfrm>
+            <a:prstGeom prst="line">
+              <a:avLst/>
+            </a:prstGeom>
+            <a:ln>
+              <a:solidFill>
+                <a:srgbClr val="FF0000"/>
+              </a:solidFill>
+              <a:prstDash val="dash"/>
+            </a:ln>
+          </p:spPr>
+          <p:style>
+            <a:lnRef idx="1">
+              <a:schemeClr val="accent1"/>
+            </a:lnRef>
+            <a:fillRef idx="0">
+              <a:schemeClr val="accent1"/>
+            </a:fillRef>
+            <a:effectRef idx="0">
+              <a:schemeClr val="accent1"/>
+            </a:effectRef>
+            <a:fontRef idx="minor">
+              <a:schemeClr val="tx1"/>
+            </a:fontRef>
+          </p:style>
+        </p:cxnSp>
+        <p:cxnSp>
+          <p:nvCxnSpPr>
+            <p:cNvPr id="60" name="Straight Connector 59"/>
+            <p:cNvCxnSpPr/>
+            <p:nvPr/>
+          </p:nvCxnSpPr>
+          <p:spPr>
+            <a:xfrm>
+              <a:off x="1988840" y="994682"/>
+              <a:ext cx="1042402" cy="0"/>
+            </a:xfrm>
+            <a:prstGeom prst="line">
+              <a:avLst/>
+            </a:prstGeom>
+            <a:ln>
+              <a:solidFill>
+                <a:srgbClr val="FF0000"/>
+              </a:solidFill>
+              <a:prstDash val="dash"/>
+            </a:ln>
+          </p:spPr>
+          <p:style>
+            <a:lnRef idx="1">
+              <a:schemeClr val="accent1"/>
+            </a:lnRef>
+            <a:fillRef idx="0">
+              <a:schemeClr val="accent1"/>
+            </a:fillRef>
+            <a:effectRef idx="0">
+              <a:schemeClr val="accent1"/>
+            </a:effectRef>
+            <a:fontRef idx="minor">
+              <a:schemeClr val="tx1"/>
+            </a:fontRef>
+          </p:style>
+        </p:cxnSp>
+        <p:cxnSp>
+          <p:nvCxnSpPr>
+            <p:cNvPr id="61" name="Straight Connector 60"/>
+            <p:cNvCxnSpPr/>
+            <p:nvPr/>
+          </p:nvCxnSpPr>
+          <p:spPr>
+            <a:xfrm>
+              <a:off x="1973600" y="1202864"/>
+              <a:ext cx="1042402" cy="0"/>
+            </a:xfrm>
+            <a:prstGeom prst="line">
+              <a:avLst/>
+            </a:prstGeom>
+            <a:ln>
+              <a:solidFill>
+                <a:srgbClr val="FF0000"/>
+              </a:solidFill>
+              <a:prstDash val="dash"/>
+            </a:ln>
+          </p:spPr>
+          <p:style>
+            <a:lnRef idx="1">
+              <a:schemeClr val="accent1"/>
+            </a:lnRef>
+            <a:fillRef idx="0">
+              <a:schemeClr val="accent1"/>
+            </a:fillRef>
+            <a:effectRef idx="0">
+              <a:schemeClr val="accent1"/>
+            </a:effectRef>
+            <a:fontRef idx="minor">
+              <a:schemeClr val="tx1"/>
+            </a:fontRef>
+          </p:style>
+        </p:cxnSp>
+        <p:cxnSp>
+          <p:nvCxnSpPr>
+            <p:cNvPr id="62" name="Straight Connector 61"/>
+            <p:cNvCxnSpPr/>
+            <p:nvPr/>
+          </p:nvCxnSpPr>
+          <p:spPr>
+            <a:xfrm>
+              <a:off x="1977410" y="1422476"/>
+              <a:ext cx="1042402" cy="0"/>
+            </a:xfrm>
+            <a:prstGeom prst="line">
+              <a:avLst/>
+            </a:prstGeom>
+            <a:ln>
+              <a:solidFill>
+                <a:srgbClr val="FF0000"/>
+              </a:solidFill>
+              <a:prstDash val="dash"/>
+            </a:ln>
+          </p:spPr>
+          <p:style>
+            <a:lnRef idx="1">
+              <a:schemeClr val="accent1"/>
+            </a:lnRef>
+            <a:fillRef idx="0">
+              <a:schemeClr val="accent1"/>
+            </a:fillRef>
+            <a:effectRef idx="0">
+              <a:schemeClr val="accent1"/>
+            </a:effectRef>
+            <a:fontRef idx="minor">
+              <a:schemeClr val="tx1"/>
+            </a:fontRef>
+          </p:style>
+        </p:cxnSp>
+        <p:cxnSp>
+          <p:nvCxnSpPr>
+            <p:cNvPr id="63" name="Straight Connector 62"/>
+            <p:cNvCxnSpPr/>
+            <p:nvPr/>
+          </p:nvCxnSpPr>
+          <p:spPr>
+            <a:xfrm>
+              <a:off x="1965980" y="1634912"/>
+              <a:ext cx="1042402" cy="0"/>
+            </a:xfrm>
+            <a:prstGeom prst="line">
+              <a:avLst/>
+            </a:prstGeom>
+            <a:ln>
+              <a:solidFill>
+                <a:srgbClr val="FF0000"/>
+              </a:solidFill>
+              <a:prstDash val="dash"/>
+            </a:ln>
+          </p:spPr>
+          <p:style>
+            <a:lnRef idx="1">
+              <a:schemeClr val="accent1"/>
+            </a:lnRef>
+            <a:fillRef idx="0">
+              <a:schemeClr val="accent1"/>
+            </a:fillRef>
+            <a:effectRef idx="0">
+              <a:schemeClr val="accent1"/>
+            </a:effectRef>
+            <a:fontRef idx="minor">
+              <a:schemeClr val="tx1"/>
+            </a:fontRef>
+          </p:style>
+        </p:cxnSp>
+      </p:grpSp>
+      <p:grpSp>
+        <p:nvGrpSpPr>
+          <p:cNvPr id="65" name="Group 64"/>
+          <p:cNvGrpSpPr/>
+          <p:nvPr/>
+        </p:nvGrpSpPr>
+        <p:grpSpPr>
+          <a:xfrm>
+            <a:off x="1962170" y="4992618"/>
+            <a:ext cx="1065262" cy="1080120"/>
+            <a:chOff x="1965980" y="672138"/>
+            <a:chExt cx="1065262" cy="1080120"/>
+          </a:xfrm>
+        </p:grpSpPr>
+        <p:cxnSp>
+          <p:nvCxnSpPr>
+            <p:cNvPr id="66" name="Straight Connector 65"/>
+            <p:cNvCxnSpPr/>
+            <p:nvPr/>
+          </p:nvCxnSpPr>
+          <p:spPr>
+            <a:xfrm flipV="1">
+              <a:off x="2716540" y="672138"/>
+              <a:ext cx="0" cy="1080120"/>
+            </a:xfrm>
+            <a:prstGeom prst="line">
+              <a:avLst/>
+            </a:prstGeom>
+            <a:ln>
+              <a:solidFill>
+                <a:srgbClr val="FF0000"/>
+              </a:solidFill>
+              <a:prstDash val="dash"/>
+            </a:ln>
+          </p:spPr>
+          <p:style>
+            <a:lnRef idx="1">
+              <a:schemeClr val="accent1"/>
+            </a:lnRef>
+            <a:fillRef idx="0">
+              <a:schemeClr val="accent1"/>
+            </a:fillRef>
+            <a:effectRef idx="0">
+              <a:schemeClr val="accent1"/>
+            </a:effectRef>
+            <a:fontRef idx="minor">
+              <a:schemeClr val="tx1"/>
+            </a:fontRef>
+          </p:style>
+        </p:cxnSp>
+        <p:cxnSp>
+          <p:nvCxnSpPr>
+            <p:cNvPr id="67" name="Straight Connector 66"/>
+            <p:cNvCxnSpPr/>
+            <p:nvPr/>
+          </p:nvCxnSpPr>
+          <p:spPr>
+            <a:xfrm flipV="1">
+              <a:off x="2505472" y="672138"/>
+              <a:ext cx="0" cy="1080120"/>
+            </a:xfrm>
+            <a:prstGeom prst="line">
+              <a:avLst/>
+            </a:prstGeom>
+            <a:ln>
+              <a:solidFill>
+                <a:srgbClr val="FF0000"/>
+              </a:solidFill>
+              <a:prstDash val="dash"/>
+            </a:ln>
+          </p:spPr>
+          <p:style>
+            <a:lnRef idx="1">
+              <a:schemeClr val="accent1"/>
+            </a:lnRef>
+            <a:fillRef idx="0">
+              <a:schemeClr val="accent1"/>
+            </a:fillRef>
+            <a:effectRef idx="0">
+              <a:schemeClr val="accent1"/>
+            </a:effectRef>
+            <a:fontRef idx="minor">
+              <a:schemeClr val="tx1"/>
+            </a:fontRef>
+          </p:style>
+        </p:cxnSp>
+        <p:cxnSp>
+          <p:nvCxnSpPr>
+            <p:cNvPr id="68" name="Straight Connector 67"/>
+            <p:cNvCxnSpPr/>
+            <p:nvPr/>
+          </p:nvCxnSpPr>
+          <p:spPr>
+            <a:xfrm flipV="1">
+              <a:off x="2292112" y="672138"/>
+              <a:ext cx="0" cy="1080120"/>
+            </a:xfrm>
+            <a:prstGeom prst="line">
+              <a:avLst/>
+            </a:prstGeom>
+            <a:ln>
+              <a:solidFill>
+                <a:srgbClr val="FF0000"/>
+              </a:solidFill>
+              <a:prstDash val="dash"/>
+            </a:ln>
+          </p:spPr>
+          <p:style>
+            <a:lnRef idx="1">
+              <a:schemeClr val="accent1"/>
+            </a:lnRef>
+            <a:fillRef idx="0">
+              <a:schemeClr val="accent1"/>
+            </a:fillRef>
+            <a:effectRef idx="0">
+              <a:schemeClr val="accent1"/>
+            </a:effectRef>
+            <a:fontRef idx="minor">
+              <a:schemeClr val="tx1"/>
+            </a:fontRef>
+          </p:style>
+        </p:cxnSp>
+        <p:cxnSp>
+          <p:nvCxnSpPr>
+            <p:cNvPr id="69" name="Straight Connector 68"/>
+            <p:cNvCxnSpPr/>
+            <p:nvPr/>
+          </p:nvCxnSpPr>
+          <p:spPr>
+            <a:xfrm flipV="1">
+              <a:off x="2067322" y="672138"/>
+              <a:ext cx="0" cy="1080120"/>
+            </a:xfrm>
+            <a:prstGeom prst="line">
+              <a:avLst/>
+            </a:prstGeom>
+            <a:ln>
+              <a:solidFill>
+                <a:srgbClr val="FF0000"/>
+              </a:solidFill>
+              <a:prstDash val="dash"/>
+            </a:ln>
+          </p:spPr>
+          <p:style>
+            <a:lnRef idx="1">
+              <a:schemeClr val="accent1"/>
+            </a:lnRef>
+            <a:fillRef idx="0">
+              <a:schemeClr val="accent1"/>
+            </a:fillRef>
+            <a:effectRef idx="0">
+              <a:schemeClr val="accent1"/>
+            </a:effectRef>
+            <a:fontRef idx="minor">
+              <a:schemeClr val="tx1"/>
+            </a:fontRef>
+          </p:style>
+        </p:cxnSp>
+        <p:cxnSp>
+          <p:nvCxnSpPr>
+            <p:cNvPr id="70" name="Straight Connector 69"/>
+            <p:cNvCxnSpPr/>
+            <p:nvPr/>
+          </p:nvCxnSpPr>
+          <p:spPr>
+            <a:xfrm>
+              <a:off x="1988840" y="994682"/>
+              <a:ext cx="1042402" cy="0"/>
+            </a:xfrm>
+            <a:prstGeom prst="line">
+              <a:avLst/>
+            </a:prstGeom>
+            <a:ln>
+              <a:solidFill>
+                <a:srgbClr val="FF0000"/>
+              </a:solidFill>
+              <a:prstDash val="dash"/>
+            </a:ln>
+          </p:spPr>
+          <p:style>
+            <a:lnRef idx="1">
+              <a:schemeClr val="accent1"/>
+            </a:lnRef>
+            <a:fillRef idx="0">
+              <a:schemeClr val="accent1"/>
+            </a:fillRef>
+            <a:effectRef idx="0">
+              <a:schemeClr val="accent1"/>
+            </a:effectRef>
+            <a:fontRef idx="minor">
+              <a:schemeClr val="tx1"/>
+            </a:fontRef>
+          </p:style>
+        </p:cxnSp>
+        <p:cxnSp>
+          <p:nvCxnSpPr>
+            <p:cNvPr id="71" name="Straight Connector 70"/>
+            <p:cNvCxnSpPr/>
+            <p:nvPr/>
+          </p:nvCxnSpPr>
+          <p:spPr>
+            <a:xfrm>
+              <a:off x="1973600" y="1202864"/>
+              <a:ext cx="1042402" cy="0"/>
+            </a:xfrm>
+            <a:prstGeom prst="line">
+              <a:avLst/>
+            </a:prstGeom>
+            <a:ln>
+              <a:solidFill>
+                <a:srgbClr val="FF0000"/>
+              </a:solidFill>
+              <a:prstDash val="dash"/>
+            </a:ln>
+          </p:spPr>
+          <p:style>
+            <a:lnRef idx="1">
+              <a:schemeClr val="accent1"/>
+            </a:lnRef>
+            <a:fillRef idx="0">
+              <a:schemeClr val="accent1"/>
+            </a:fillRef>
+            <a:effectRef idx="0">
+              <a:schemeClr val="accent1"/>
+            </a:effectRef>
+            <a:fontRef idx="minor">
+              <a:schemeClr val="tx1"/>
+            </a:fontRef>
+          </p:style>
+        </p:cxnSp>
+        <p:cxnSp>
+          <p:nvCxnSpPr>
+            <p:cNvPr id="72" name="Straight Connector 71"/>
+            <p:cNvCxnSpPr/>
+            <p:nvPr/>
+          </p:nvCxnSpPr>
+          <p:spPr>
+            <a:xfrm>
+              <a:off x="1977410" y="1422476"/>
+              <a:ext cx="1042402" cy="0"/>
+            </a:xfrm>
+            <a:prstGeom prst="line">
+              <a:avLst/>
+            </a:prstGeom>
+            <a:ln>
+              <a:solidFill>
+                <a:srgbClr val="FF0000"/>
+              </a:solidFill>
+              <a:prstDash val="dash"/>
+            </a:ln>
+          </p:spPr>
+          <p:style>
+            <a:lnRef idx="1">
+              <a:schemeClr val="accent1"/>
+            </a:lnRef>
+            <a:fillRef idx="0">
+              <a:schemeClr val="accent1"/>
+            </a:fillRef>
+            <a:effectRef idx="0">
+              <a:schemeClr val="accent1"/>
+            </a:effectRef>
+            <a:fontRef idx="minor">
+              <a:schemeClr val="tx1"/>
+            </a:fontRef>
+          </p:style>
+        </p:cxnSp>
+        <p:cxnSp>
+          <p:nvCxnSpPr>
+            <p:cNvPr id="73" name="Straight Connector 72"/>
+            <p:cNvCxnSpPr/>
+            <p:nvPr/>
+          </p:nvCxnSpPr>
+          <p:spPr>
+            <a:xfrm>
+              <a:off x="1965980" y="1634912"/>
+              <a:ext cx="1042402" cy="0"/>
+            </a:xfrm>
+            <a:prstGeom prst="line">
+              <a:avLst/>
+            </a:prstGeom>
+            <a:ln>
+              <a:solidFill>
+                <a:srgbClr val="FF0000"/>
+              </a:solidFill>
+              <a:prstDash val="dash"/>
+            </a:ln>
+          </p:spPr>
+          <p:style>
+            <a:lnRef idx="1">
+              <a:schemeClr val="accent1"/>
+            </a:lnRef>
+            <a:fillRef idx="0">
+              <a:schemeClr val="accent1"/>
+            </a:fillRef>
+            <a:effectRef idx="0">
+              <a:schemeClr val="accent1"/>
+            </a:effectRef>
+            <a:fontRef idx="minor">
+              <a:schemeClr val="tx1"/>
+            </a:fontRef>
+          </p:style>
+        </p:cxnSp>
+      </p:grpSp>
+      <p:grpSp>
+        <p:nvGrpSpPr>
+          <p:cNvPr id="74" name="Group 73"/>
+          <p:cNvGrpSpPr/>
+          <p:nvPr/>
+        </p:nvGrpSpPr>
+        <p:grpSpPr>
+          <a:xfrm>
+            <a:off x="1965980" y="6428968"/>
+            <a:ext cx="1065262" cy="1080120"/>
+            <a:chOff x="1965980" y="672138"/>
+            <a:chExt cx="1065262" cy="1080120"/>
+          </a:xfrm>
+        </p:grpSpPr>
+        <p:cxnSp>
+          <p:nvCxnSpPr>
+            <p:cNvPr id="75" name="Straight Connector 74"/>
+            <p:cNvCxnSpPr/>
+            <p:nvPr/>
+          </p:nvCxnSpPr>
+          <p:spPr>
+            <a:xfrm flipV="1">
+              <a:off x="2716540" y="672138"/>
+              <a:ext cx="0" cy="1080120"/>
+            </a:xfrm>
+            <a:prstGeom prst="line">
+              <a:avLst/>
+            </a:prstGeom>
+            <a:ln>
+              <a:solidFill>
+                <a:srgbClr val="FF0000"/>
+              </a:solidFill>
+              <a:prstDash val="dash"/>
+            </a:ln>
+          </p:spPr>
+          <p:style>
+            <a:lnRef idx="1">
+              <a:schemeClr val="accent1"/>
+            </a:lnRef>
+            <a:fillRef idx="0">
+              <a:schemeClr val="accent1"/>
+            </a:fillRef>
+            <a:effectRef idx="0">
+              <a:schemeClr val="accent1"/>
+            </a:effectRef>
+            <a:fontRef idx="minor">
+              <a:schemeClr val="tx1"/>
+            </a:fontRef>
+          </p:style>
+        </p:cxnSp>
+        <p:cxnSp>
+          <p:nvCxnSpPr>
+            <p:cNvPr id="76" name="Straight Connector 75"/>
+            <p:cNvCxnSpPr/>
+            <p:nvPr/>
+          </p:nvCxnSpPr>
+          <p:spPr>
+            <a:xfrm flipV="1">
+              <a:off x="2505472" y="672138"/>
+              <a:ext cx="0" cy="1080120"/>
+            </a:xfrm>
+            <a:prstGeom prst="line">
+              <a:avLst/>
+            </a:prstGeom>
+            <a:ln>
+              <a:solidFill>
+                <a:srgbClr val="FF0000"/>
+              </a:solidFill>
+              <a:prstDash val="dash"/>
+            </a:ln>
+          </p:spPr>
+          <p:style>
+            <a:lnRef idx="1">
+              <a:schemeClr val="accent1"/>
+            </a:lnRef>
+            <a:fillRef idx="0">
+              <a:schemeClr val="accent1"/>
+            </a:fillRef>
+            <a:effectRef idx="0">
+              <a:schemeClr val="accent1"/>
+            </a:effectRef>
+            <a:fontRef idx="minor">
+              <a:schemeClr val="tx1"/>
+            </a:fontRef>
+          </p:style>
+        </p:cxnSp>
+        <p:cxnSp>
+          <p:nvCxnSpPr>
+            <p:cNvPr id="77" name="Straight Connector 76"/>
+            <p:cNvCxnSpPr/>
+            <p:nvPr/>
+          </p:nvCxnSpPr>
+          <p:spPr>
+            <a:xfrm flipV="1">
+              <a:off x="2292112" y="672138"/>
+              <a:ext cx="0" cy="1080120"/>
+            </a:xfrm>
+            <a:prstGeom prst="line">
+              <a:avLst/>
+            </a:prstGeom>
+            <a:ln>
+              <a:solidFill>
+                <a:srgbClr val="FF0000"/>
+              </a:solidFill>
+              <a:prstDash val="dash"/>
+            </a:ln>
+          </p:spPr>
+          <p:style>
+            <a:lnRef idx="1">
+              <a:schemeClr val="accent1"/>
+            </a:lnRef>
+            <a:fillRef idx="0">
+              <a:schemeClr val="accent1"/>
+            </a:fillRef>
+            <a:effectRef idx="0">
+              <a:schemeClr val="accent1"/>
+            </a:effectRef>
+            <a:fontRef idx="minor">
+              <a:schemeClr val="tx1"/>
+            </a:fontRef>
+          </p:style>
+        </p:cxnSp>
+        <p:cxnSp>
+          <p:nvCxnSpPr>
+            <p:cNvPr id="78" name="Straight Connector 77"/>
+            <p:cNvCxnSpPr/>
+            <p:nvPr/>
+          </p:nvCxnSpPr>
+          <p:spPr>
+            <a:xfrm flipV="1">
+              <a:off x="2067322" y="672138"/>
+              <a:ext cx="0" cy="1080120"/>
+            </a:xfrm>
+            <a:prstGeom prst="line">
+              <a:avLst/>
+            </a:prstGeom>
+            <a:ln>
+              <a:solidFill>
+                <a:srgbClr val="FF0000"/>
+              </a:solidFill>
+              <a:prstDash val="dash"/>
+            </a:ln>
+          </p:spPr>
+          <p:style>
+            <a:lnRef idx="1">
+              <a:schemeClr val="accent1"/>
+            </a:lnRef>
+            <a:fillRef idx="0">
+              <a:schemeClr val="accent1"/>
+            </a:fillRef>
+            <a:effectRef idx="0">
+              <a:schemeClr val="accent1"/>
+            </a:effectRef>
+            <a:fontRef idx="minor">
+              <a:schemeClr val="tx1"/>
+            </a:fontRef>
+          </p:style>
+        </p:cxnSp>
+        <p:cxnSp>
+          <p:nvCxnSpPr>
+            <p:cNvPr id="79" name="Straight Connector 78"/>
+            <p:cNvCxnSpPr/>
+            <p:nvPr/>
+          </p:nvCxnSpPr>
+          <p:spPr>
+            <a:xfrm>
+              <a:off x="1988840" y="994682"/>
+              <a:ext cx="1042402" cy="0"/>
+            </a:xfrm>
+            <a:prstGeom prst="line">
+              <a:avLst/>
+            </a:prstGeom>
+            <a:ln>
+              <a:solidFill>
+                <a:srgbClr val="FF0000"/>
+              </a:solidFill>
+              <a:prstDash val="dash"/>
+            </a:ln>
+          </p:spPr>
+          <p:style>
+            <a:lnRef idx="1">
+              <a:schemeClr val="accent1"/>
+            </a:lnRef>
+            <a:fillRef idx="0">
+              <a:schemeClr val="accent1"/>
+            </a:fillRef>
+            <a:effectRef idx="0">
+              <a:schemeClr val="accent1"/>
+            </a:effectRef>
+            <a:fontRef idx="minor">
+              <a:schemeClr val="tx1"/>
+            </a:fontRef>
+          </p:style>
+        </p:cxnSp>
+        <p:cxnSp>
+          <p:nvCxnSpPr>
+            <p:cNvPr id="80" name="Straight Connector 79"/>
+            <p:cNvCxnSpPr/>
+            <p:nvPr/>
+          </p:nvCxnSpPr>
+          <p:spPr>
+            <a:xfrm>
+              <a:off x="1973600" y="1202864"/>
+              <a:ext cx="1042402" cy="0"/>
+            </a:xfrm>
+            <a:prstGeom prst="line">
+              <a:avLst/>
+            </a:prstGeom>
+            <a:ln>
+              <a:solidFill>
+                <a:srgbClr val="FF0000"/>
+              </a:solidFill>
+              <a:prstDash val="dash"/>
+            </a:ln>
+          </p:spPr>
+          <p:style>
+            <a:lnRef idx="1">
+              <a:schemeClr val="accent1"/>
+            </a:lnRef>
+            <a:fillRef idx="0">
+              <a:schemeClr val="accent1"/>
+            </a:fillRef>
+            <a:effectRef idx="0">
+              <a:schemeClr val="accent1"/>
+            </a:effectRef>
+            <a:fontRef idx="minor">
+              <a:schemeClr val="tx1"/>
+            </a:fontRef>
+          </p:style>
+        </p:cxnSp>
+        <p:cxnSp>
+          <p:nvCxnSpPr>
+            <p:cNvPr id="81" name="Straight Connector 80"/>
+            <p:cNvCxnSpPr/>
+            <p:nvPr/>
+          </p:nvCxnSpPr>
+          <p:spPr>
+            <a:xfrm>
+              <a:off x="1977410" y="1422476"/>
+              <a:ext cx="1042402" cy="0"/>
+            </a:xfrm>
+            <a:prstGeom prst="line">
+              <a:avLst/>
+            </a:prstGeom>
+            <a:ln>
+              <a:solidFill>
+                <a:srgbClr val="FF0000"/>
+              </a:solidFill>
+              <a:prstDash val="dash"/>
+            </a:ln>
+          </p:spPr>
+          <p:style>
+            <a:lnRef idx="1">
+              <a:schemeClr val="accent1"/>
+            </a:lnRef>
+            <a:fillRef idx="0">
+              <a:schemeClr val="accent1"/>
+            </a:fillRef>
+            <a:effectRef idx="0">
+              <a:schemeClr val="accent1"/>
+            </a:effectRef>
+            <a:fontRef idx="minor">
+              <a:schemeClr val="tx1"/>
+            </a:fontRef>
+          </p:style>
+        </p:cxnSp>
+        <p:cxnSp>
+          <p:nvCxnSpPr>
+            <p:cNvPr id="82" name="Straight Connector 81"/>
+            <p:cNvCxnSpPr/>
+            <p:nvPr/>
+          </p:nvCxnSpPr>
+          <p:spPr>
+            <a:xfrm>
+              <a:off x="1965980" y="1634912"/>
+              <a:ext cx="1042402" cy="0"/>
+            </a:xfrm>
+            <a:prstGeom prst="line">
+              <a:avLst/>
+            </a:prstGeom>
+            <a:ln>
+              <a:solidFill>
+                <a:srgbClr val="FF0000"/>
+              </a:solidFill>
+              <a:prstDash val="dash"/>
+            </a:ln>
+          </p:spPr>
+          <p:style>
+            <a:lnRef idx="1">
+              <a:schemeClr val="accent1"/>
+            </a:lnRef>
+            <a:fillRef idx="0">
+              <a:schemeClr val="accent1"/>
+            </a:fillRef>
+            <a:effectRef idx="0">
+              <a:schemeClr val="accent1"/>
+            </a:effectRef>
+            <a:fontRef idx="minor">
+              <a:schemeClr val="tx1"/>
+            </a:fontRef>
+          </p:style>
+        </p:cxnSp>
+      </p:grpSp>
+      <p:cxnSp>
+        <p:nvCxnSpPr>
+          <p:cNvPr id="114" name="Straight Connector 113"/>
+          <p:cNvCxnSpPr/>
+          <p:nvPr/>
+        </p:nvCxnSpPr>
+        <p:spPr>
+          <a:xfrm>
+            <a:off x="1973600" y="5102344"/>
+            <a:ext cx="1042402" cy="0"/>
+          </a:xfrm>
+          <a:prstGeom prst="line">
+            <a:avLst/>
+          </a:prstGeom>
+          <a:ln>
+            <a:solidFill>
+              <a:srgbClr val="FF0000"/>
+            </a:solidFill>
+            <a:prstDash val="dash"/>
+          </a:ln>
+        </p:spPr>
+        <p:style>
+          <a:lnRef idx="1">
+            <a:schemeClr val="accent1"/>
+          </a:lnRef>
+          <a:fillRef idx="0">
+            <a:schemeClr val="accent1"/>
+          </a:fillRef>
+          <a:effectRef idx="0">
+            <a:schemeClr val="accent1"/>
+          </a:effectRef>
+          <a:fontRef idx="minor">
+            <a:schemeClr val="tx1"/>
+          </a:fontRef>
+        </p:style>
+      </p:cxnSp>
+      <p:cxnSp>
+        <p:nvCxnSpPr>
+          <p:cNvPr id="115" name="Straight Connector 114"/>
+          <p:cNvCxnSpPr/>
+          <p:nvPr/>
+        </p:nvCxnSpPr>
+        <p:spPr>
+          <a:xfrm>
+            <a:off x="1977410" y="6545932"/>
+            <a:ext cx="1042402" cy="0"/>
+          </a:xfrm>
+          <a:prstGeom prst="line">
+            <a:avLst/>
+          </a:prstGeom>
+          <a:ln>
+            <a:solidFill>
+              <a:srgbClr val="FF0000"/>
+            </a:solidFill>
+            <a:prstDash val="dash"/>
+          </a:ln>
+        </p:spPr>
+        <p:style>
+          <a:lnRef idx="1">
+            <a:schemeClr val="accent1"/>
+          </a:lnRef>
+          <a:fillRef idx="0">
+            <a:schemeClr val="accent1"/>
+          </a:fillRef>
+          <a:effectRef idx="0">
+            <a:schemeClr val="accent1"/>
+          </a:effectRef>
+          <a:fontRef idx="minor">
+            <a:schemeClr val="tx1"/>
+          </a:fontRef>
+        </p:style>
+      </p:cxnSp>
+      <p:grpSp>
+        <p:nvGrpSpPr>
+          <p:cNvPr id="35" name="Group 34"/>
+          <p:cNvGrpSpPr/>
+          <p:nvPr/>
+        </p:nvGrpSpPr>
+        <p:grpSpPr>
+          <a:xfrm>
+            <a:off x="116632" y="7524328"/>
+            <a:ext cx="1920397" cy="1512168"/>
+            <a:chOff x="3740851" y="7596336"/>
+            <a:chExt cx="1920397" cy="1512168"/>
+          </a:xfrm>
+        </p:grpSpPr>
+        <p:pic>
+          <p:nvPicPr>
+            <p:cNvPr id="1035" name="Picture 11"/>
+            <p:cNvPicPr>
+              <a:picLocks noChangeAspect="1" noChangeArrowheads="1"/>
+            </p:cNvPicPr>
+            <p:nvPr/>
+          </p:nvPicPr>
+          <p:blipFill>
+            <a:blip r:embed="rId11" cstate="print">
+              <a:extLst>
+                <a:ext uri="{28A0092B-C50C-407E-A947-70E740481C1C}">
+                  <a14:useLocalDpi xmlns:a14="http://schemas.microsoft.com/office/drawing/2010/main" val="0"/>
+                </a:ext>
+              </a:extLst>
+            </a:blip>
+            <a:srcRect/>
+            <a:stretch>
+              <a:fillRect/>
+            </a:stretch>
+          </p:blipFill>
+          <p:spPr bwMode="auto">
+            <a:xfrm>
+              <a:off x="3740851" y="7668504"/>
+              <a:ext cx="1920397" cy="1440000"/>
+            </a:xfrm>
+            <a:prstGeom prst="rect">
+              <a:avLst/>
+            </a:prstGeom>
+            <a:noFill/>
+            <a:ln>
+              <a:noFill/>
+            </a:ln>
+            <a:effectLst/>
+            <a:extLst>
+              <a:ext uri="{909E8E84-426E-40DD-AFC4-6F175D3DCCD1}">
+                <a14:hiddenFill xmlns:a14="http://schemas.microsoft.com/office/drawing/2010/main">
+                  <a:solidFill>
+                    <a:schemeClr val="accent1"/>
+                  </a:solidFill>
+                </a14:hiddenFill>
+              </a:ext>
+              <a:ext uri="{91240B29-F687-4F45-9708-019B960494DF}">
+                <a14:hiddenLine xmlns:a14="http://schemas.microsoft.com/office/drawing/2010/main" w="9525">
+                  <a:solidFill>
+                    <a:schemeClr val="tx1"/>
+                  </a:solidFill>
+                  <a:miter lim="800000"/>
+                  <a:headEnd/>
+                  <a:tailEnd/>
+                </a14:hiddenLine>
+              </a:ext>
+              <a:ext uri="{AF507438-7753-43E0-B8FC-AC1667EBCBE1}">
+                <a14:hiddenEffects xmlns:a14="http://schemas.microsoft.com/office/drawing/2010/main">
+                  <a:effectLst>
+                    <a:outerShdw dist="35921" dir="2700000" algn="ctr" rotWithShape="0">
+                      <a:schemeClr val="bg2"/>
+                    </a:outerShdw>
+                  </a:effectLst>
+                </a14:hiddenEffects>
+              </a:ext>
+            </a:extLst>
+          </p:spPr>
+        </p:pic>
+        <p:sp>
+          <p:nvSpPr>
+            <p:cNvPr id="23" name="Rectangle 22"/>
+            <p:cNvSpPr/>
+            <p:nvPr/>
+          </p:nvSpPr>
+          <p:spPr>
+            <a:xfrm>
+              <a:off x="4149080" y="7596336"/>
+              <a:ext cx="1008112" cy="288032"/>
+            </a:xfrm>
+            <a:prstGeom prst="rect">
+              <a:avLst/>
+            </a:prstGeom>
+            <a:solidFill>
+              <a:schemeClr val="bg1"/>
+            </a:solidFill>
+            <a:ln>
+              <a:noFill/>
+            </a:ln>
+          </p:spPr>
+          <p:style>
+            <a:lnRef idx="2">
+              <a:schemeClr val="accent1">
+                <a:shade val="50000"/>
+              </a:schemeClr>
+            </a:lnRef>
+            <a:fillRef idx="1">
+              <a:schemeClr val="accent1"/>
+            </a:fillRef>
+            <a:effectRef idx="0">
+              <a:schemeClr val="accent1"/>
+            </a:effectRef>
+            <a:fontRef idx="minor">
+              <a:schemeClr val="lt1"/>
+            </a:fontRef>
+          </p:style>
+          <p:txBody>
+            <a:bodyPr rtlCol="0" anchor="ctr"/>
+            <a:lstStyle/>
+            <a:p>
+              <a:pPr algn="ctr"/>
+              <a:r>
+                <a:rPr lang="en-GB" sz="1400" dirty="0" err="1" smtClean="0">
+                  <a:solidFill>
+                    <a:schemeClr val="tx1"/>
+                  </a:solidFill>
+                </a:rPr>
+                <a:t>Ei</a:t>
+              </a:r>
+              <a:r>
+                <a:rPr lang="en-GB" sz="1400" dirty="0" smtClean="0">
+                  <a:solidFill>
+                    <a:schemeClr val="tx1"/>
+                  </a:solidFill>
+                </a:rPr>
+                <a:t>=300+20</a:t>
+              </a:r>
+              <a:endParaRPr lang="en-GB" sz="1400" dirty="0">
+                <a:solidFill>
+                  <a:schemeClr val="tx1"/>
+                </a:solidFill>
+              </a:endParaRPr>
+            </a:p>
+          </p:txBody>
+        </p:sp>
+        <p:grpSp>
+          <p:nvGrpSpPr>
+            <p:cNvPr id="83" name="Group 82"/>
+            <p:cNvGrpSpPr/>
+            <p:nvPr/>
+          </p:nvGrpSpPr>
+          <p:grpSpPr>
+            <a:xfrm>
+              <a:off x="4077072" y="7869128"/>
+              <a:ext cx="1065262" cy="1080120"/>
+              <a:chOff x="1965980" y="672138"/>
+              <a:chExt cx="1065262" cy="1080120"/>
+            </a:xfrm>
+          </p:grpSpPr>
+          <p:cxnSp>
+            <p:nvCxnSpPr>
+              <p:cNvPr id="84" name="Straight Connector 83"/>
+              <p:cNvCxnSpPr/>
+              <p:nvPr/>
+            </p:nvCxnSpPr>
+            <p:spPr>
+              <a:xfrm flipV="1">
+                <a:off x="2716540" y="672138"/>
+                <a:ext cx="0" cy="1080120"/>
+              </a:xfrm>
+              <a:prstGeom prst="line">
+                <a:avLst/>
+              </a:prstGeom>
+              <a:ln>
+                <a:solidFill>
+                  <a:srgbClr val="FF0000"/>
+                </a:solidFill>
+                <a:prstDash val="dash"/>
+              </a:ln>
+            </p:spPr>
+            <p:style>
+              <a:lnRef idx="1">
+                <a:schemeClr val="accent1"/>
+              </a:lnRef>
+              <a:fillRef idx="0">
+                <a:schemeClr val="accent1"/>
+              </a:fillRef>
+              <a:effectRef idx="0">
+                <a:schemeClr val="accent1"/>
+              </a:effectRef>
+              <a:fontRef idx="minor">
+                <a:schemeClr val="tx1"/>
+              </a:fontRef>
+            </p:style>
+          </p:cxnSp>
+          <p:cxnSp>
+            <p:nvCxnSpPr>
+              <p:cNvPr id="85" name="Straight Connector 84"/>
+              <p:cNvCxnSpPr/>
+              <p:nvPr/>
+            </p:nvCxnSpPr>
+            <p:spPr>
+              <a:xfrm flipV="1">
+                <a:off x="2505472" y="672138"/>
+                <a:ext cx="0" cy="1080120"/>
+              </a:xfrm>
+              <a:prstGeom prst="line">
+                <a:avLst/>
+              </a:prstGeom>
+              <a:ln>
+                <a:solidFill>
+                  <a:srgbClr val="FF0000"/>
+                </a:solidFill>
+                <a:prstDash val="dash"/>
+              </a:ln>
+            </p:spPr>
+            <p:style>
+              <a:lnRef idx="1">
+                <a:schemeClr val="accent1"/>
+              </a:lnRef>
+              <a:fillRef idx="0">
+                <a:schemeClr val="accent1"/>
+              </a:fillRef>
+              <a:effectRef idx="0">
+                <a:schemeClr val="accent1"/>
+              </a:effectRef>
+              <a:fontRef idx="minor">
+                <a:schemeClr val="tx1"/>
+              </a:fontRef>
+            </p:style>
+          </p:cxnSp>
+          <p:cxnSp>
+            <p:nvCxnSpPr>
+              <p:cNvPr id="86" name="Straight Connector 85"/>
+              <p:cNvCxnSpPr/>
+              <p:nvPr/>
+            </p:nvCxnSpPr>
+            <p:spPr>
+              <a:xfrm flipV="1">
+                <a:off x="2292112" y="672138"/>
+                <a:ext cx="0" cy="1080120"/>
+              </a:xfrm>
+              <a:prstGeom prst="line">
+                <a:avLst/>
+              </a:prstGeom>
+              <a:ln>
+                <a:solidFill>
+                  <a:srgbClr val="FF0000"/>
+                </a:solidFill>
+                <a:prstDash val="dash"/>
+              </a:ln>
+            </p:spPr>
+            <p:style>
+              <a:lnRef idx="1">
+                <a:schemeClr val="accent1"/>
+              </a:lnRef>
+              <a:fillRef idx="0">
+                <a:schemeClr val="accent1"/>
+              </a:fillRef>
+              <a:effectRef idx="0">
+                <a:schemeClr val="accent1"/>
+              </a:effectRef>
+              <a:fontRef idx="minor">
+                <a:schemeClr val="tx1"/>
+              </a:fontRef>
+            </p:style>
+          </p:cxnSp>
+          <p:cxnSp>
+            <p:nvCxnSpPr>
+              <p:cNvPr id="87" name="Straight Connector 86"/>
+              <p:cNvCxnSpPr/>
+              <p:nvPr/>
+            </p:nvCxnSpPr>
+            <p:spPr>
+              <a:xfrm flipV="1">
+                <a:off x="2067322" y="672138"/>
+                <a:ext cx="0" cy="1080120"/>
+              </a:xfrm>
+              <a:prstGeom prst="line">
+                <a:avLst/>
+              </a:prstGeom>
+              <a:ln>
+                <a:solidFill>
+                  <a:srgbClr val="FF0000"/>
+                </a:solidFill>
+                <a:prstDash val="dash"/>
+              </a:ln>
+            </p:spPr>
+            <p:style>
+              <a:lnRef idx="1">
+                <a:schemeClr val="accent1"/>
+              </a:lnRef>
+              <a:fillRef idx="0">
+                <a:schemeClr val="accent1"/>
+              </a:fillRef>
+              <a:effectRef idx="0">
+                <a:schemeClr val="accent1"/>
+              </a:effectRef>
+              <a:fontRef idx="minor">
+                <a:schemeClr val="tx1"/>
+              </a:fontRef>
+            </p:style>
+          </p:cxnSp>
+          <p:cxnSp>
+            <p:nvCxnSpPr>
+              <p:cNvPr id="88" name="Straight Connector 87"/>
+              <p:cNvCxnSpPr/>
+              <p:nvPr/>
+            </p:nvCxnSpPr>
+            <p:spPr>
+              <a:xfrm>
+                <a:off x="1988840" y="994682"/>
+                <a:ext cx="1042402" cy="0"/>
+              </a:xfrm>
+              <a:prstGeom prst="line">
+                <a:avLst/>
+              </a:prstGeom>
+              <a:ln>
+                <a:solidFill>
+                  <a:srgbClr val="FF0000"/>
+                </a:solidFill>
+                <a:prstDash val="dash"/>
+              </a:ln>
+            </p:spPr>
+            <p:style>
+              <a:lnRef idx="1">
+                <a:schemeClr val="accent1"/>
+              </a:lnRef>
+              <a:fillRef idx="0">
+                <a:schemeClr val="accent1"/>
+              </a:fillRef>
+              <a:effectRef idx="0">
+                <a:schemeClr val="accent1"/>
+              </a:effectRef>
+              <a:fontRef idx="minor">
+                <a:schemeClr val="tx1"/>
+              </a:fontRef>
+            </p:style>
+          </p:cxnSp>
+          <p:cxnSp>
+            <p:nvCxnSpPr>
+              <p:cNvPr id="89" name="Straight Connector 88"/>
+              <p:cNvCxnSpPr/>
+              <p:nvPr/>
+            </p:nvCxnSpPr>
+            <p:spPr>
+              <a:xfrm>
+                <a:off x="1973600" y="1202864"/>
+                <a:ext cx="1042402" cy="0"/>
+              </a:xfrm>
+              <a:prstGeom prst="line">
+                <a:avLst/>
+              </a:prstGeom>
+              <a:ln>
+                <a:solidFill>
+                  <a:srgbClr val="FF0000"/>
+                </a:solidFill>
+                <a:prstDash val="dash"/>
+              </a:ln>
+            </p:spPr>
+            <p:style>
+              <a:lnRef idx="1">
+                <a:schemeClr val="accent1"/>
+              </a:lnRef>
+              <a:fillRef idx="0">
+                <a:schemeClr val="accent1"/>
+              </a:fillRef>
+              <a:effectRef idx="0">
+                <a:schemeClr val="accent1"/>
+              </a:effectRef>
+              <a:fontRef idx="minor">
+                <a:schemeClr val="tx1"/>
+              </a:fontRef>
+            </p:style>
+          </p:cxnSp>
+          <p:cxnSp>
+            <p:nvCxnSpPr>
+              <p:cNvPr id="90" name="Straight Connector 89"/>
+              <p:cNvCxnSpPr/>
+              <p:nvPr/>
+            </p:nvCxnSpPr>
+            <p:spPr>
+              <a:xfrm>
+                <a:off x="1977410" y="1422476"/>
+                <a:ext cx="1042402" cy="0"/>
+              </a:xfrm>
+              <a:prstGeom prst="line">
+                <a:avLst/>
+              </a:prstGeom>
+              <a:ln>
+                <a:solidFill>
+                  <a:srgbClr val="FF0000"/>
+                </a:solidFill>
+                <a:prstDash val="dash"/>
+              </a:ln>
+            </p:spPr>
+            <p:style>
+              <a:lnRef idx="1">
+                <a:schemeClr val="accent1"/>
+              </a:lnRef>
+              <a:fillRef idx="0">
+                <a:schemeClr val="accent1"/>
+              </a:fillRef>
+              <a:effectRef idx="0">
+                <a:schemeClr val="accent1"/>
+              </a:effectRef>
+              <a:fontRef idx="minor">
+                <a:schemeClr val="tx1"/>
+              </a:fontRef>
+            </p:style>
+          </p:cxnSp>
+          <p:cxnSp>
+            <p:nvCxnSpPr>
+              <p:cNvPr id="91" name="Straight Connector 90"/>
+              <p:cNvCxnSpPr/>
+              <p:nvPr/>
+            </p:nvCxnSpPr>
+            <p:spPr>
+              <a:xfrm>
+                <a:off x="1965980" y="1634912"/>
+                <a:ext cx="1042402" cy="0"/>
+              </a:xfrm>
+              <a:prstGeom prst="line">
+                <a:avLst/>
+              </a:prstGeom>
+              <a:ln>
+                <a:solidFill>
+                  <a:srgbClr val="FF0000"/>
+                </a:solidFill>
+                <a:prstDash val="dash"/>
+              </a:ln>
+            </p:spPr>
+            <p:style>
+              <a:lnRef idx="1">
+                <a:schemeClr val="accent1"/>
+              </a:lnRef>
+              <a:fillRef idx="0">
+                <a:schemeClr val="accent1"/>
+              </a:fillRef>
+              <a:effectRef idx="0">
+                <a:schemeClr val="accent1"/>
+              </a:effectRef>
+              <a:fontRef idx="minor">
+                <a:schemeClr val="tx1"/>
+              </a:fontRef>
+            </p:style>
+          </p:cxnSp>
+        </p:grpSp>
+        <p:cxnSp>
+          <p:nvCxnSpPr>
+            <p:cNvPr id="116" name="Straight Connector 115"/>
+            <p:cNvCxnSpPr/>
+            <p:nvPr/>
+          </p:nvCxnSpPr>
+          <p:spPr>
+            <a:xfrm>
+              <a:off x="4080882" y="7981900"/>
+              <a:ext cx="1042402" cy="0"/>
+            </a:xfrm>
+            <a:prstGeom prst="line">
+              <a:avLst/>
+            </a:prstGeom>
+            <a:ln>
+              <a:solidFill>
+                <a:srgbClr val="FF0000"/>
+              </a:solidFill>
+              <a:prstDash val="dash"/>
+            </a:ln>
+          </p:spPr>
+          <p:style>
+            <a:lnRef idx="1">
+              <a:schemeClr val="accent1"/>
+            </a:lnRef>
+            <a:fillRef idx="0">
+              <a:schemeClr val="accent1"/>
+            </a:fillRef>
+            <a:effectRef idx="0">
+              <a:schemeClr val="accent1"/>
+            </a:effectRef>
+            <a:fontRef idx="minor">
+              <a:schemeClr val="tx1"/>
+            </a:fontRef>
+          </p:style>
+        </p:cxnSp>
+      </p:grpSp>
+      <p:grpSp>
+        <p:nvGrpSpPr>
+          <p:cNvPr id="34" name="Group 33"/>
+          <p:cNvGrpSpPr/>
+          <p:nvPr/>
+        </p:nvGrpSpPr>
+        <p:grpSpPr>
+          <a:xfrm>
+            <a:off x="1652619" y="7524488"/>
+            <a:ext cx="1920397" cy="1584016"/>
+            <a:chOff x="2084667" y="7524328"/>
+            <a:chExt cx="1920397" cy="1584016"/>
+          </a:xfrm>
+        </p:grpSpPr>
+        <p:pic>
+          <p:nvPicPr>
+            <p:cNvPr id="1036" name="Picture 12"/>
+            <p:cNvPicPr>
+              <a:picLocks noChangeAspect="1" noChangeArrowheads="1"/>
+            </p:cNvPicPr>
+            <p:nvPr/>
+          </p:nvPicPr>
+          <p:blipFill>
+            <a:blip r:embed="rId12" cstate="print">
+              <a:extLst>
+                <a:ext uri="{28A0092B-C50C-407E-A947-70E740481C1C}">
+                  <a14:useLocalDpi xmlns:a14="http://schemas.microsoft.com/office/drawing/2010/main" val="0"/>
+                </a:ext>
+              </a:extLst>
+            </a:blip>
+            <a:srcRect/>
+            <a:stretch>
+              <a:fillRect/>
+            </a:stretch>
+          </p:blipFill>
+          <p:spPr bwMode="auto">
+            <a:xfrm>
+              <a:off x="2084667" y="7668344"/>
+              <a:ext cx="1920397" cy="1440000"/>
+            </a:xfrm>
+            <a:prstGeom prst="rect">
+              <a:avLst/>
+            </a:prstGeom>
+            <a:noFill/>
+            <a:ln>
+              <a:noFill/>
+            </a:ln>
+            <a:effectLst/>
+            <a:extLst>
+              <a:ext uri="{909E8E84-426E-40DD-AFC4-6F175D3DCCD1}">
+                <a14:hiddenFill xmlns:a14="http://schemas.microsoft.com/office/drawing/2010/main">
+                  <a:solidFill>
+                    <a:schemeClr val="accent1"/>
+                  </a:solidFill>
+                </a14:hiddenFill>
+              </a:ext>
+              <a:ext uri="{91240B29-F687-4F45-9708-019B960494DF}">
+                <a14:hiddenLine xmlns:a14="http://schemas.microsoft.com/office/drawing/2010/main" w="9525">
+                  <a:solidFill>
+                    <a:schemeClr val="tx1"/>
+                  </a:solidFill>
+                  <a:miter lim="800000"/>
+                  <a:headEnd/>
+                  <a:tailEnd/>
+                </a14:hiddenLine>
+              </a:ext>
+              <a:ext uri="{AF507438-7753-43E0-B8FC-AC1667EBCBE1}">
+                <a14:hiddenEffects xmlns:a14="http://schemas.microsoft.com/office/drawing/2010/main">
+                  <a:effectLst>
+                    <a:outerShdw dist="35921" dir="2700000" algn="ctr" rotWithShape="0">
+                      <a:schemeClr val="bg2"/>
+                    </a:outerShdw>
+                  </a:effectLst>
+                </a14:hiddenEffects>
+              </a:ext>
+            </a:extLst>
+          </p:spPr>
+        </p:pic>
+        <p:sp>
+          <p:nvSpPr>
+            <p:cNvPr id="25" name="Rectangle 24"/>
+            <p:cNvSpPr/>
+            <p:nvPr/>
+          </p:nvSpPr>
+          <p:spPr>
+            <a:xfrm>
+              <a:off x="2420888" y="7524328"/>
+              <a:ext cx="1008112" cy="288032"/>
+            </a:xfrm>
+            <a:prstGeom prst="rect">
+              <a:avLst/>
+            </a:prstGeom>
+            <a:solidFill>
+              <a:schemeClr val="bg1"/>
+            </a:solidFill>
+            <a:ln>
+              <a:noFill/>
+            </a:ln>
+          </p:spPr>
+          <p:style>
+            <a:lnRef idx="2">
+              <a:schemeClr val="accent1">
+                <a:shade val="50000"/>
+              </a:schemeClr>
+            </a:lnRef>
+            <a:fillRef idx="1">
+              <a:schemeClr val="accent1"/>
+            </a:fillRef>
+            <a:effectRef idx="0">
+              <a:schemeClr val="accent1"/>
+            </a:effectRef>
+            <a:fontRef idx="minor">
+              <a:schemeClr val="lt1"/>
+            </a:fontRef>
+          </p:style>
+          <p:txBody>
+            <a:bodyPr rtlCol="0" anchor="ctr"/>
+            <a:lstStyle/>
+            <a:p>
+              <a:pPr algn="ctr"/>
+              <a:r>
+                <a:rPr lang="en-GB" sz="1400" dirty="0" err="1" smtClean="0">
+                  <a:solidFill>
+                    <a:schemeClr val="tx1"/>
+                  </a:solidFill>
+                </a:rPr>
+                <a:t>Ei</a:t>
+              </a:r>
+              <a:r>
+                <a:rPr lang="en-GB" sz="1400" dirty="0" smtClean="0">
+                  <a:solidFill>
+                    <a:schemeClr val="tx1"/>
+                  </a:solidFill>
+                </a:rPr>
+                <a:t>=320+20</a:t>
+              </a:r>
+              <a:endParaRPr lang="en-GB" sz="1400" dirty="0">
+                <a:solidFill>
+                  <a:schemeClr val="tx1"/>
+                </a:solidFill>
+              </a:endParaRPr>
+            </a:p>
+          </p:txBody>
+        </p:sp>
+        <p:grpSp>
+          <p:nvGrpSpPr>
+            <p:cNvPr id="26" name="Group 25"/>
+            <p:cNvGrpSpPr/>
+            <p:nvPr/>
+          </p:nvGrpSpPr>
+          <p:grpSpPr>
+            <a:xfrm>
+              <a:off x="2417078" y="7869128"/>
+              <a:ext cx="1065262" cy="1080120"/>
+              <a:chOff x="328846" y="7869128"/>
+              <a:chExt cx="1065262" cy="1080120"/>
+            </a:xfrm>
+          </p:grpSpPr>
+          <p:grpSp>
+            <p:nvGrpSpPr>
+              <p:cNvPr id="92" name="Group 91"/>
+              <p:cNvGrpSpPr/>
+              <p:nvPr/>
+            </p:nvGrpSpPr>
+            <p:grpSpPr>
+              <a:xfrm>
+                <a:off x="328846" y="7869128"/>
+                <a:ext cx="1065262" cy="1080120"/>
+                <a:chOff x="1965980" y="672138"/>
+                <a:chExt cx="1065262" cy="1080120"/>
+              </a:xfrm>
+            </p:grpSpPr>
+            <p:cxnSp>
+              <p:nvCxnSpPr>
+                <p:cNvPr id="93" name="Straight Connector 92"/>
+                <p:cNvCxnSpPr/>
+                <p:nvPr/>
+              </p:nvCxnSpPr>
+              <p:spPr>
+                <a:xfrm flipV="1">
+                  <a:off x="2716540" y="672138"/>
+                  <a:ext cx="0" cy="1080120"/>
+                </a:xfrm>
+                <a:prstGeom prst="line">
+                  <a:avLst/>
+                </a:prstGeom>
+                <a:ln>
+                  <a:solidFill>
+                    <a:srgbClr val="FF0000"/>
+                  </a:solidFill>
+                  <a:prstDash val="dash"/>
+                </a:ln>
+              </p:spPr>
+              <p:style>
+                <a:lnRef idx="1">
+                  <a:schemeClr val="accent1"/>
+                </a:lnRef>
+                <a:fillRef idx="0">
+                  <a:schemeClr val="accent1"/>
+                </a:fillRef>
+                <a:effectRef idx="0">
+                  <a:schemeClr val="accent1"/>
+                </a:effectRef>
+                <a:fontRef idx="minor">
+                  <a:schemeClr val="tx1"/>
+                </a:fontRef>
+              </p:style>
+            </p:cxnSp>
+            <p:cxnSp>
+              <p:nvCxnSpPr>
+                <p:cNvPr id="94" name="Straight Connector 93"/>
+                <p:cNvCxnSpPr/>
+                <p:nvPr/>
+              </p:nvCxnSpPr>
+              <p:spPr>
+                <a:xfrm flipV="1">
+                  <a:off x="2505472" y="672138"/>
+                  <a:ext cx="0" cy="1080120"/>
+                </a:xfrm>
+                <a:prstGeom prst="line">
+                  <a:avLst/>
+                </a:prstGeom>
+                <a:ln>
+                  <a:solidFill>
+                    <a:srgbClr val="FF0000"/>
+                  </a:solidFill>
+                  <a:prstDash val="dash"/>
+                </a:ln>
+              </p:spPr>
+              <p:style>
+                <a:lnRef idx="1">
+                  <a:schemeClr val="accent1"/>
+                </a:lnRef>
+                <a:fillRef idx="0">
+                  <a:schemeClr val="accent1"/>
+                </a:fillRef>
+                <a:effectRef idx="0">
+                  <a:schemeClr val="accent1"/>
+                </a:effectRef>
+                <a:fontRef idx="minor">
+                  <a:schemeClr val="tx1"/>
+                </a:fontRef>
+              </p:style>
+            </p:cxnSp>
+            <p:cxnSp>
+              <p:nvCxnSpPr>
+                <p:cNvPr id="95" name="Straight Connector 94"/>
+                <p:cNvCxnSpPr/>
+                <p:nvPr/>
+              </p:nvCxnSpPr>
+              <p:spPr>
+                <a:xfrm flipV="1">
+                  <a:off x="2292112" y="672138"/>
+                  <a:ext cx="0" cy="1080120"/>
+                </a:xfrm>
+                <a:prstGeom prst="line">
+                  <a:avLst/>
+                </a:prstGeom>
+                <a:ln>
+                  <a:solidFill>
+                    <a:srgbClr val="FF0000"/>
+                  </a:solidFill>
+                  <a:prstDash val="dash"/>
+                </a:ln>
+              </p:spPr>
+              <p:style>
+                <a:lnRef idx="1">
+                  <a:schemeClr val="accent1"/>
+                </a:lnRef>
+                <a:fillRef idx="0">
+                  <a:schemeClr val="accent1"/>
+                </a:fillRef>
+                <a:effectRef idx="0">
+                  <a:schemeClr val="accent1"/>
+                </a:effectRef>
+                <a:fontRef idx="minor">
+                  <a:schemeClr val="tx1"/>
+                </a:fontRef>
+              </p:style>
+            </p:cxnSp>
+            <p:cxnSp>
+              <p:nvCxnSpPr>
+                <p:cNvPr id="96" name="Straight Connector 95"/>
+                <p:cNvCxnSpPr/>
+                <p:nvPr/>
+              </p:nvCxnSpPr>
+              <p:spPr>
+                <a:xfrm flipV="1">
+                  <a:off x="2067322" y="672138"/>
+                  <a:ext cx="0" cy="1080120"/>
+                </a:xfrm>
+                <a:prstGeom prst="line">
+                  <a:avLst/>
+                </a:prstGeom>
+                <a:ln>
+                  <a:solidFill>
+                    <a:srgbClr val="FF0000"/>
+                  </a:solidFill>
+                  <a:prstDash val="dash"/>
+                </a:ln>
+              </p:spPr>
+              <p:style>
+                <a:lnRef idx="1">
+                  <a:schemeClr val="accent1"/>
+                </a:lnRef>
+                <a:fillRef idx="0">
+                  <a:schemeClr val="accent1"/>
+                </a:fillRef>
+                <a:effectRef idx="0">
+                  <a:schemeClr val="accent1"/>
+                </a:effectRef>
+                <a:fontRef idx="minor">
+                  <a:schemeClr val="tx1"/>
+                </a:fontRef>
+              </p:style>
+            </p:cxnSp>
+            <p:cxnSp>
+              <p:nvCxnSpPr>
+                <p:cNvPr id="97" name="Straight Connector 96"/>
+                <p:cNvCxnSpPr/>
+                <p:nvPr/>
+              </p:nvCxnSpPr>
+              <p:spPr>
+                <a:xfrm>
+                  <a:off x="1988840" y="994682"/>
+                  <a:ext cx="1042402" cy="0"/>
+                </a:xfrm>
+                <a:prstGeom prst="line">
+                  <a:avLst/>
+                </a:prstGeom>
+                <a:ln>
+                  <a:solidFill>
+                    <a:srgbClr val="FF0000"/>
+                  </a:solidFill>
+                  <a:prstDash val="dash"/>
+                </a:ln>
+              </p:spPr>
+              <p:style>
+                <a:lnRef idx="1">
+                  <a:schemeClr val="accent1"/>
+                </a:lnRef>
+                <a:fillRef idx="0">
+                  <a:schemeClr val="accent1"/>
+                </a:fillRef>
+                <a:effectRef idx="0">
+                  <a:schemeClr val="accent1"/>
+                </a:effectRef>
+                <a:fontRef idx="minor">
+                  <a:schemeClr val="tx1"/>
+                </a:fontRef>
+              </p:style>
+            </p:cxnSp>
+            <p:cxnSp>
+              <p:nvCxnSpPr>
+                <p:cNvPr id="98" name="Straight Connector 97"/>
+                <p:cNvCxnSpPr/>
+                <p:nvPr/>
+              </p:nvCxnSpPr>
+              <p:spPr>
+                <a:xfrm>
+                  <a:off x="1973600" y="1202864"/>
+                  <a:ext cx="1042402" cy="0"/>
+                </a:xfrm>
+                <a:prstGeom prst="line">
+                  <a:avLst/>
+                </a:prstGeom>
+                <a:ln>
+                  <a:solidFill>
+                    <a:srgbClr val="FF0000"/>
+                  </a:solidFill>
+                  <a:prstDash val="dash"/>
+                </a:ln>
+              </p:spPr>
+              <p:style>
+                <a:lnRef idx="1">
+                  <a:schemeClr val="accent1"/>
+                </a:lnRef>
+                <a:fillRef idx="0">
+                  <a:schemeClr val="accent1"/>
+                </a:fillRef>
+                <a:effectRef idx="0">
+                  <a:schemeClr val="accent1"/>
+                </a:effectRef>
+                <a:fontRef idx="minor">
+                  <a:schemeClr val="tx1"/>
+                </a:fontRef>
+              </p:style>
+            </p:cxnSp>
+            <p:cxnSp>
+              <p:nvCxnSpPr>
+                <p:cNvPr id="99" name="Straight Connector 98"/>
+                <p:cNvCxnSpPr/>
+                <p:nvPr/>
+              </p:nvCxnSpPr>
+              <p:spPr>
+                <a:xfrm>
+                  <a:off x="1977410" y="1422476"/>
+                  <a:ext cx="1042402" cy="0"/>
+                </a:xfrm>
+                <a:prstGeom prst="line">
+                  <a:avLst/>
+                </a:prstGeom>
+                <a:ln>
+                  <a:solidFill>
+                    <a:srgbClr val="FF0000"/>
+                  </a:solidFill>
+                  <a:prstDash val="dash"/>
+                </a:ln>
+              </p:spPr>
+              <p:style>
+                <a:lnRef idx="1">
+                  <a:schemeClr val="accent1"/>
+                </a:lnRef>
+                <a:fillRef idx="0">
+                  <a:schemeClr val="accent1"/>
+                </a:fillRef>
+                <a:effectRef idx="0">
+                  <a:schemeClr val="accent1"/>
+                </a:effectRef>
+                <a:fontRef idx="minor">
+                  <a:schemeClr val="tx1"/>
+                </a:fontRef>
+              </p:style>
+            </p:cxnSp>
+            <p:cxnSp>
+              <p:nvCxnSpPr>
+                <p:cNvPr id="100" name="Straight Connector 99"/>
+                <p:cNvCxnSpPr/>
+                <p:nvPr/>
+              </p:nvCxnSpPr>
+              <p:spPr>
+                <a:xfrm>
+                  <a:off x="1965980" y="1634912"/>
+                  <a:ext cx="1042402" cy="0"/>
+                </a:xfrm>
+                <a:prstGeom prst="line">
+                  <a:avLst/>
+                </a:prstGeom>
+                <a:ln>
+                  <a:solidFill>
+                    <a:srgbClr val="FF0000"/>
+                  </a:solidFill>
+                  <a:prstDash val="dash"/>
+                </a:ln>
+              </p:spPr>
+              <p:style>
+                <a:lnRef idx="1">
+                  <a:schemeClr val="accent1"/>
+                </a:lnRef>
+                <a:fillRef idx="0">
+                  <a:schemeClr val="accent1"/>
+                </a:fillRef>
+                <a:effectRef idx="0">
+                  <a:schemeClr val="accent1"/>
+                </a:effectRef>
+                <a:fontRef idx="minor">
+                  <a:schemeClr val="tx1"/>
+                </a:fontRef>
+              </p:style>
+            </p:cxnSp>
+          </p:grpSp>
+          <p:cxnSp>
+            <p:nvCxnSpPr>
+              <p:cNvPr id="117" name="Straight Connector 116"/>
+              <p:cNvCxnSpPr/>
+              <p:nvPr/>
+            </p:nvCxnSpPr>
+            <p:spPr>
+              <a:xfrm>
+                <a:off x="340276" y="7982664"/>
+                <a:ext cx="1042402" cy="0"/>
+              </a:xfrm>
+              <a:prstGeom prst="line">
+                <a:avLst/>
+              </a:prstGeom>
+              <a:ln>
+                <a:solidFill>
+                  <a:srgbClr val="FF0000"/>
+                </a:solidFill>
+                <a:prstDash val="dash"/>
+              </a:ln>
+            </p:spPr>
+            <p:style>
+              <a:lnRef idx="1">
+                <a:schemeClr val="accent1"/>
+              </a:lnRef>
+              <a:fillRef idx="0">
+                <a:schemeClr val="accent1"/>
+              </a:fillRef>
+              <a:effectRef idx="0">
+                <a:schemeClr val="accent1"/>
+              </a:effectRef>
+              <a:fontRef idx="minor">
+                <a:schemeClr val="tx1"/>
+              </a:fontRef>
+            </p:style>
+          </p:cxnSp>
+        </p:grpSp>
+      </p:grpSp>
+      <p:grpSp>
+        <p:nvGrpSpPr>
+          <p:cNvPr id="29" name="Group 28"/>
+          <p:cNvGrpSpPr/>
+          <p:nvPr/>
+        </p:nvGrpSpPr>
+        <p:grpSpPr>
+          <a:xfrm>
+            <a:off x="3212976" y="7524488"/>
+            <a:ext cx="1920397" cy="1584016"/>
+            <a:chOff x="44624" y="7524328"/>
+            <a:chExt cx="1920397" cy="1584016"/>
+          </a:xfrm>
+        </p:grpSpPr>
+        <p:pic>
+          <p:nvPicPr>
+            <p:cNvPr id="1037" name="Picture 13"/>
+            <p:cNvPicPr>
+              <a:picLocks noChangeAspect="1" noChangeArrowheads="1"/>
+            </p:cNvPicPr>
+            <p:nvPr/>
+          </p:nvPicPr>
+          <p:blipFill>
+            <a:blip r:embed="rId13" cstate="print">
+              <a:extLst>
+                <a:ext uri="{28A0092B-C50C-407E-A947-70E740481C1C}">
+                  <a14:useLocalDpi xmlns:a14="http://schemas.microsoft.com/office/drawing/2010/main" val="0"/>
+                </a:ext>
+              </a:extLst>
+            </a:blip>
+            <a:srcRect/>
+            <a:stretch>
+              <a:fillRect/>
+            </a:stretch>
+          </p:blipFill>
+          <p:spPr bwMode="auto">
+            <a:xfrm>
+              <a:off x="44624" y="7668344"/>
+              <a:ext cx="1920397" cy="1440000"/>
+            </a:xfrm>
+            <a:prstGeom prst="rect">
+              <a:avLst/>
+            </a:prstGeom>
+            <a:noFill/>
+            <a:ln>
+              <a:noFill/>
+            </a:ln>
+            <a:effectLst/>
+            <a:extLst>
+              <a:ext uri="{909E8E84-426E-40DD-AFC4-6F175D3DCCD1}">
+                <a14:hiddenFill xmlns:a14="http://schemas.microsoft.com/office/drawing/2010/main">
+                  <a:solidFill>
+                    <a:schemeClr val="accent1"/>
+                  </a:solidFill>
+                </a14:hiddenFill>
+              </a:ext>
+              <a:ext uri="{91240B29-F687-4F45-9708-019B960494DF}">
+                <a14:hiddenLine xmlns:a14="http://schemas.microsoft.com/office/drawing/2010/main" w="9525">
+                  <a:solidFill>
+                    <a:schemeClr val="tx1"/>
+                  </a:solidFill>
+                  <a:miter lim="800000"/>
+                  <a:headEnd/>
+                  <a:tailEnd/>
+                </a14:hiddenLine>
+              </a:ext>
+              <a:ext uri="{AF507438-7753-43E0-B8FC-AC1667EBCBE1}">
+                <a14:hiddenEffects xmlns:a14="http://schemas.microsoft.com/office/drawing/2010/main">
+                  <a:effectLst>
+                    <a:outerShdw dist="35921" dir="2700000" algn="ctr" rotWithShape="0">
+                      <a:schemeClr val="bg2"/>
+                    </a:outerShdw>
+                  </a:effectLst>
+                </a14:hiddenEffects>
+              </a:ext>
+            </a:extLst>
+          </p:spPr>
+        </p:pic>
+        <p:sp>
+          <p:nvSpPr>
+            <p:cNvPr id="27" name="Rectangle 26"/>
+            <p:cNvSpPr/>
+            <p:nvPr/>
+          </p:nvSpPr>
+          <p:spPr>
+            <a:xfrm>
+              <a:off x="332656" y="7524328"/>
+              <a:ext cx="1008112" cy="288032"/>
+            </a:xfrm>
+            <a:prstGeom prst="rect">
+              <a:avLst/>
+            </a:prstGeom>
+            <a:solidFill>
+              <a:schemeClr val="bg1"/>
+            </a:solidFill>
+            <a:ln>
+              <a:noFill/>
+            </a:ln>
+          </p:spPr>
+          <p:style>
+            <a:lnRef idx="2">
+              <a:schemeClr val="accent1">
+                <a:shade val="50000"/>
+              </a:schemeClr>
+            </a:lnRef>
+            <a:fillRef idx="1">
+              <a:schemeClr val="accent1"/>
+            </a:fillRef>
+            <a:effectRef idx="0">
+              <a:schemeClr val="accent1"/>
+            </a:effectRef>
+            <a:fontRef idx="minor">
+              <a:schemeClr val="lt1"/>
+            </a:fontRef>
+          </p:style>
+          <p:txBody>
+            <a:bodyPr rtlCol="0" anchor="ctr"/>
+            <a:lstStyle/>
+            <a:p>
+              <a:pPr algn="ctr"/>
+              <a:r>
+                <a:rPr lang="en-GB" sz="1400" dirty="0" err="1" smtClean="0">
+                  <a:solidFill>
+                    <a:schemeClr val="tx1"/>
+                  </a:solidFill>
+                </a:rPr>
+                <a:t>Ei</a:t>
+              </a:r>
+              <a:r>
+                <a:rPr lang="en-GB" sz="1400" dirty="0" smtClean="0">
+                  <a:solidFill>
+                    <a:schemeClr val="tx1"/>
+                  </a:solidFill>
+                </a:rPr>
+                <a:t>=340+20</a:t>
+              </a:r>
+              <a:endParaRPr lang="en-GB" sz="1400" dirty="0">
+                <a:solidFill>
+                  <a:schemeClr val="tx1"/>
+                </a:solidFill>
+              </a:endParaRPr>
+            </a:p>
+          </p:txBody>
+        </p:sp>
+        <p:grpSp>
+          <p:nvGrpSpPr>
+            <p:cNvPr id="101" name="Group 100"/>
+            <p:cNvGrpSpPr/>
+            <p:nvPr/>
+          </p:nvGrpSpPr>
+          <p:grpSpPr>
+            <a:xfrm>
+              <a:off x="377994" y="7872938"/>
+              <a:ext cx="1065262" cy="1080120"/>
+              <a:chOff x="1965980" y="672138"/>
+              <a:chExt cx="1065262" cy="1080120"/>
+            </a:xfrm>
+          </p:grpSpPr>
+          <p:cxnSp>
+            <p:nvCxnSpPr>
+              <p:cNvPr id="102" name="Straight Connector 101"/>
+              <p:cNvCxnSpPr/>
+              <p:nvPr/>
+            </p:nvCxnSpPr>
+            <p:spPr>
+              <a:xfrm flipV="1">
+                <a:off x="2716540" y="672138"/>
+                <a:ext cx="0" cy="1080120"/>
+              </a:xfrm>
+              <a:prstGeom prst="line">
+                <a:avLst/>
+              </a:prstGeom>
+              <a:ln>
+                <a:solidFill>
+                  <a:srgbClr val="FF0000"/>
+                </a:solidFill>
+                <a:prstDash val="dash"/>
+              </a:ln>
+            </p:spPr>
+            <p:style>
+              <a:lnRef idx="1">
+                <a:schemeClr val="accent1"/>
+              </a:lnRef>
+              <a:fillRef idx="0">
+                <a:schemeClr val="accent1"/>
+              </a:fillRef>
+              <a:effectRef idx="0">
+                <a:schemeClr val="accent1"/>
+              </a:effectRef>
+              <a:fontRef idx="minor">
+                <a:schemeClr val="tx1"/>
+              </a:fontRef>
+            </p:style>
+          </p:cxnSp>
+          <p:cxnSp>
+            <p:nvCxnSpPr>
+              <p:cNvPr id="103" name="Straight Connector 102"/>
+              <p:cNvCxnSpPr/>
+              <p:nvPr/>
+            </p:nvCxnSpPr>
+            <p:spPr>
+              <a:xfrm flipV="1">
+                <a:off x="2505472" y="672138"/>
+                <a:ext cx="0" cy="1080120"/>
+              </a:xfrm>
+              <a:prstGeom prst="line">
+                <a:avLst/>
+              </a:prstGeom>
+              <a:ln>
+                <a:solidFill>
+                  <a:srgbClr val="FF0000"/>
+                </a:solidFill>
+                <a:prstDash val="dash"/>
+              </a:ln>
+            </p:spPr>
+            <p:style>
+              <a:lnRef idx="1">
+                <a:schemeClr val="accent1"/>
+              </a:lnRef>
+              <a:fillRef idx="0">
+                <a:schemeClr val="accent1"/>
+              </a:fillRef>
+              <a:effectRef idx="0">
+                <a:schemeClr val="accent1"/>
+              </a:effectRef>
+              <a:fontRef idx="minor">
+                <a:schemeClr val="tx1"/>
+              </a:fontRef>
+            </p:style>
+          </p:cxnSp>
+          <p:cxnSp>
+            <p:nvCxnSpPr>
+              <p:cNvPr id="104" name="Straight Connector 103"/>
+              <p:cNvCxnSpPr/>
+              <p:nvPr/>
+            </p:nvCxnSpPr>
+            <p:spPr>
+              <a:xfrm flipV="1">
+                <a:off x="2292112" y="672138"/>
+                <a:ext cx="0" cy="1080120"/>
+              </a:xfrm>
+              <a:prstGeom prst="line">
+                <a:avLst/>
+              </a:prstGeom>
+              <a:ln>
+                <a:solidFill>
+                  <a:srgbClr val="FF0000"/>
+                </a:solidFill>
+                <a:prstDash val="dash"/>
+              </a:ln>
+            </p:spPr>
+            <p:style>
+              <a:lnRef idx="1">
+                <a:schemeClr val="accent1"/>
+              </a:lnRef>
+              <a:fillRef idx="0">
+                <a:schemeClr val="accent1"/>
+              </a:fillRef>
+              <a:effectRef idx="0">
+                <a:schemeClr val="accent1"/>
+              </a:effectRef>
+              <a:fontRef idx="minor">
+                <a:schemeClr val="tx1"/>
+              </a:fontRef>
+            </p:style>
+          </p:cxnSp>
+          <p:cxnSp>
+            <p:nvCxnSpPr>
+              <p:cNvPr id="105" name="Straight Connector 104"/>
+              <p:cNvCxnSpPr/>
+              <p:nvPr/>
+            </p:nvCxnSpPr>
+            <p:spPr>
+              <a:xfrm flipV="1">
+                <a:off x="2067322" y="672138"/>
+                <a:ext cx="0" cy="1080120"/>
+              </a:xfrm>
+              <a:prstGeom prst="line">
+                <a:avLst/>
+              </a:prstGeom>
+              <a:ln>
+                <a:solidFill>
+                  <a:srgbClr val="FF0000"/>
+                </a:solidFill>
+                <a:prstDash val="dash"/>
+              </a:ln>
+            </p:spPr>
+            <p:style>
+              <a:lnRef idx="1">
+                <a:schemeClr val="accent1"/>
+              </a:lnRef>
+              <a:fillRef idx="0">
+                <a:schemeClr val="accent1"/>
+              </a:fillRef>
+              <a:effectRef idx="0">
+                <a:schemeClr val="accent1"/>
+              </a:effectRef>
+              <a:fontRef idx="minor">
+                <a:schemeClr val="tx1"/>
+              </a:fontRef>
+            </p:style>
+          </p:cxnSp>
+          <p:cxnSp>
+            <p:nvCxnSpPr>
+              <p:cNvPr id="106" name="Straight Connector 105"/>
+              <p:cNvCxnSpPr/>
+              <p:nvPr/>
+            </p:nvCxnSpPr>
+            <p:spPr>
+              <a:xfrm>
+                <a:off x="1988840" y="994682"/>
+                <a:ext cx="1042402" cy="0"/>
+              </a:xfrm>
+              <a:prstGeom prst="line">
+                <a:avLst/>
+              </a:prstGeom>
+              <a:ln>
+                <a:solidFill>
+                  <a:srgbClr val="FF0000"/>
+                </a:solidFill>
+                <a:prstDash val="dash"/>
+              </a:ln>
+            </p:spPr>
+            <p:style>
+              <a:lnRef idx="1">
+                <a:schemeClr val="accent1"/>
+              </a:lnRef>
+              <a:fillRef idx="0">
+                <a:schemeClr val="accent1"/>
+              </a:fillRef>
+              <a:effectRef idx="0">
+                <a:schemeClr val="accent1"/>
+              </a:effectRef>
+              <a:fontRef idx="minor">
+                <a:schemeClr val="tx1"/>
+              </a:fontRef>
+            </p:style>
+          </p:cxnSp>
+          <p:cxnSp>
+            <p:nvCxnSpPr>
+              <p:cNvPr id="107" name="Straight Connector 106"/>
+              <p:cNvCxnSpPr/>
+              <p:nvPr/>
+            </p:nvCxnSpPr>
+            <p:spPr>
+              <a:xfrm>
+                <a:off x="1973600" y="1202864"/>
+                <a:ext cx="1042402" cy="0"/>
+              </a:xfrm>
+              <a:prstGeom prst="line">
+                <a:avLst/>
+              </a:prstGeom>
+              <a:ln>
+                <a:solidFill>
+                  <a:srgbClr val="FF0000"/>
+                </a:solidFill>
+                <a:prstDash val="dash"/>
+              </a:ln>
+            </p:spPr>
+            <p:style>
+              <a:lnRef idx="1">
+                <a:schemeClr val="accent1"/>
+              </a:lnRef>
+              <a:fillRef idx="0">
+                <a:schemeClr val="accent1"/>
+              </a:fillRef>
+              <a:effectRef idx="0">
+                <a:schemeClr val="accent1"/>
+              </a:effectRef>
+              <a:fontRef idx="minor">
+                <a:schemeClr val="tx1"/>
+              </a:fontRef>
+            </p:style>
+          </p:cxnSp>
+          <p:cxnSp>
+            <p:nvCxnSpPr>
+              <p:cNvPr id="108" name="Straight Connector 107"/>
+              <p:cNvCxnSpPr/>
+              <p:nvPr/>
+            </p:nvCxnSpPr>
+            <p:spPr>
+              <a:xfrm>
+                <a:off x="1977410" y="1422476"/>
+                <a:ext cx="1042402" cy="0"/>
+              </a:xfrm>
+              <a:prstGeom prst="line">
+                <a:avLst/>
+              </a:prstGeom>
+              <a:ln>
+                <a:solidFill>
+                  <a:srgbClr val="FF0000"/>
+                </a:solidFill>
+                <a:prstDash val="dash"/>
+              </a:ln>
+            </p:spPr>
+            <p:style>
+              <a:lnRef idx="1">
+                <a:schemeClr val="accent1"/>
+              </a:lnRef>
+              <a:fillRef idx="0">
+                <a:schemeClr val="accent1"/>
+              </a:fillRef>
+              <a:effectRef idx="0">
+                <a:schemeClr val="accent1"/>
+              </a:effectRef>
+              <a:fontRef idx="minor">
+                <a:schemeClr val="tx1"/>
+              </a:fontRef>
+            </p:style>
+          </p:cxnSp>
+          <p:cxnSp>
+            <p:nvCxnSpPr>
+              <p:cNvPr id="109" name="Straight Connector 108"/>
+              <p:cNvCxnSpPr/>
+              <p:nvPr/>
+            </p:nvCxnSpPr>
+            <p:spPr>
+              <a:xfrm>
+                <a:off x="1965980" y="1634912"/>
+                <a:ext cx="1042402" cy="0"/>
+              </a:xfrm>
+              <a:prstGeom prst="line">
+                <a:avLst/>
+              </a:prstGeom>
+              <a:ln>
+                <a:solidFill>
+                  <a:srgbClr val="FF0000"/>
+                </a:solidFill>
+                <a:prstDash val="dash"/>
+              </a:ln>
+            </p:spPr>
+            <p:style>
+              <a:lnRef idx="1">
+                <a:schemeClr val="accent1"/>
+              </a:lnRef>
+              <a:fillRef idx="0">
+                <a:schemeClr val="accent1"/>
+              </a:fillRef>
+              <a:effectRef idx="0">
+                <a:schemeClr val="accent1"/>
+              </a:effectRef>
+              <a:fontRef idx="minor">
+                <a:schemeClr val="tx1"/>
+              </a:fontRef>
+            </p:style>
+          </p:cxnSp>
+        </p:grpSp>
+        <p:cxnSp>
+          <p:nvCxnSpPr>
+            <p:cNvPr id="118" name="Straight Connector 117"/>
+            <p:cNvCxnSpPr/>
+            <p:nvPr/>
+          </p:nvCxnSpPr>
+          <p:spPr>
+            <a:xfrm>
+              <a:off x="404664" y="7983428"/>
+              <a:ext cx="1042402" cy="0"/>
+            </a:xfrm>
+            <a:prstGeom prst="line">
+              <a:avLst/>
+            </a:prstGeom>
+            <a:ln>
+              <a:solidFill>
+                <a:srgbClr val="FF0000"/>
+              </a:solidFill>
+              <a:prstDash val="dash"/>
+            </a:ln>
+          </p:spPr>
+          <p:style>
+            <a:lnRef idx="1">
+              <a:schemeClr val="accent1"/>
+            </a:lnRef>
+            <a:fillRef idx="0">
+              <a:schemeClr val="accent1"/>
+            </a:fillRef>
+            <a:effectRef idx="0">
+              <a:schemeClr val="accent1"/>
+            </a:effectRef>
+            <a:fontRef idx="minor">
+              <a:schemeClr val="tx1"/>
+            </a:fontRef>
+          </p:style>
+        </p:cxnSp>
+      </p:grpSp>
+      <p:grpSp>
+        <p:nvGrpSpPr>
+          <p:cNvPr id="120" name="Group 119"/>
+          <p:cNvGrpSpPr/>
+          <p:nvPr/>
+        </p:nvGrpSpPr>
+        <p:grpSpPr>
+          <a:xfrm>
+            <a:off x="336466" y="4988808"/>
+            <a:ext cx="1065262" cy="1080120"/>
+            <a:chOff x="328846" y="7869128"/>
+            <a:chExt cx="1065262" cy="1080120"/>
+          </a:xfrm>
+        </p:grpSpPr>
+        <p:grpSp>
+          <p:nvGrpSpPr>
+            <p:cNvPr id="121" name="Group 120"/>
+            <p:cNvGrpSpPr/>
+            <p:nvPr/>
+          </p:nvGrpSpPr>
+          <p:grpSpPr>
+            <a:xfrm>
+              <a:off x="328846" y="7869128"/>
+              <a:ext cx="1065262" cy="1080120"/>
+              <a:chOff x="1965980" y="672138"/>
+              <a:chExt cx="1065262" cy="1080120"/>
+            </a:xfrm>
+          </p:grpSpPr>
+          <p:cxnSp>
+            <p:nvCxnSpPr>
+              <p:cNvPr id="123" name="Straight Connector 122"/>
+              <p:cNvCxnSpPr/>
+              <p:nvPr/>
+            </p:nvCxnSpPr>
+            <p:spPr>
+              <a:xfrm flipV="1">
+                <a:off x="2716540" y="672138"/>
+                <a:ext cx="0" cy="1080120"/>
+              </a:xfrm>
+              <a:prstGeom prst="line">
+                <a:avLst/>
+              </a:prstGeom>
+              <a:ln>
+                <a:solidFill>
+                  <a:srgbClr val="FF0000"/>
+                </a:solidFill>
+                <a:prstDash val="dash"/>
+              </a:ln>
+            </p:spPr>
+            <p:style>
+              <a:lnRef idx="1">
+                <a:schemeClr val="accent1"/>
+              </a:lnRef>
+              <a:fillRef idx="0">
+                <a:schemeClr val="accent1"/>
+              </a:fillRef>
+              <a:effectRef idx="0">
+                <a:schemeClr val="accent1"/>
+              </a:effectRef>
+              <a:fontRef idx="minor">
+                <a:schemeClr val="tx1"/>
+              </a:fontRef>
+            </p:style>
+          </p:cxnSp>
+          <p:cxnSp>
+            <p:nvCxnSpPr>
+              <p:cNvPr id="124" name="Straight Connector 123"/>
+              <p:cNvCxnSpPr/>
+              <p:nvPr/>
+            </p:nvCxnSpPr>
+            <p:spPr>
+              <a:xfrm flipV="1">
+                <a:off x="2505472" y="672138"/>
+                <a:ext cx="0" cy="1080120"/>
+              </a:xfrm>
+              <a:prstGeom prst="line">
+                <a:avLst/>
+              </a:prstGeom>
+              <a:ln>
+                <a:solidFill>
+                  <a:srgbClr val="FF0000"/>
+                </a:solidFill>
+                <a:prstDash val="dash"/>
+              </a:ln>
+            </p:spPr>
+            <p:style>
+              <a:lnRef idx="1">
+                <a:schemeClr val="accent1"/>
+              </a:lnRef>
+              <a:fillRef idx="0">
+                <a:schemeClr val="accent1"/>
+              </a:fillRef>
+              <a:effectRef idx="0">
+                <a:schemeClr val="accent1"/>
+              </a:effectRef>
+              <a:fontRef idx="minor">
+                <a:schemeClr val="tx1"/>
+              </a:fontRef>
+            </p:style>
+          </p:cxnSp>
+          <p:cxnSp>
+            <p:nvCxnSpPr>
+              <p:cNvPr id="125" name="Straight Connector 124"/>
+              <p:cNvCxnSpPr/>
+              <p:nvPr/>
+            </p:nvCxnSpPr>
+            <p:spPr>
+              <a:xfrm flipV="1">
+                <a:off x="2292112" y="672138"/>
+                <a:ext cx="0" cy="1080120"/>
+              </a:xfrm>
+              <a:prstGeom prst="line">
+                <a:avLst/>
+              </a:prstGeom>
+              <a:ln>
+                <a:solidFill>
+                  <a:srgbClr val="FF0000"/>
+                </a:solidFill>
+                <a:prstDash val="dash"/>
+              </a:ln>
+            </p:spPr>
+            <p:style>
+              <a:lnRef idx="1">
+                <a:schemeClr val="accent1"/>
+              </a:lnRef>
+              <a:fillRef idx="0">
+                <a:schemeClr val="accent1"/>
+              </a:fillRef>
+              <a:effectRef idx="0">
+                <a:schemeClr val="accent1"/>
+              </a:effectRef>
+              <a:fontRef idx="minor">
+                <a:schemeClr val="tx1"/>
+              </a:fontRef>
+            </p:style>
+          </p:cxnSp>
+          <p:cxnSp>
+            <p:nvCxnSpPr>
+              <p:cNvPr id="126" name="Straight Connector 125"/>
+              <p:cNvCxnSpPr/>
+              <p:nvPr/>
+            </p:nvCxnSpPr>
+            <p:spPr>
+              <a:xfrm flipV="1">
+                <a:off x="2067322" y="672138"/>
+                <a:ext cx="0" cy="1080120"/>
+              </a:xfrm>
+              <a:prstGeom prst="line">
+                <a:avLst/>
+              </a:prstGeom>
+              <a:ln>
+                <a:solidFill>
+                  <a:srgbClr val="FF0000"/>
+                </a:solidFill>
+                <a:prstDash val="dash"/>
+              </a:ln>
+            </p:spPr>
+            <p:style>
+              <a:lnRef idx="1">
+                <a:schemeClr val="accent1"/>
+              </a:lnRef>
+              <a:fillRef idx="0">
+                <a:schemeClr val="accent1"/>
+              </a:fillRef>
+              <a:effectRef idx="0">
+                <a:schemeClr val="accent1"/>
+              </a:effectRef>
+              <a:fontRef idx="minor">
+                <a:schemeClr val="tx1"/>
+              </a:fontRef>
+            </p:style>
+          </p:cxnSp>
+          <p:cxnSp>
+            <p:nvCxnSpPr>
+              <p:cNvPr id="127" name="Straight Connector 126"/>
+              <p:cNvCxnSpPr/>
+              <p:nvPr/>
+            </p:nvCxnSpPr>
+            <p:spPr>
+              <a:xfrm>
+                <a:off x="1988840" y="994682"/>
+                <a:ext cx="1042402" cy="0"/>
+              </a:xfrm>
+              <a:prstGeom prst="line">
+                <a:avLst/>
+              </a:prstGeom>
+              <a:ln>
+                <a:solidFill>
+                  <a:srgbClr val="FF0000"/>
+                </a:solidFill>
+                <a:prstDash val="dash"/>
+              </a:ln>
+            </p:spPr>
+            <p:style>
+              <a:lnRef idx="1">
+                <a:schemeClr val="accent1"/>
+              </a:lnRef>
+              <a:fillRef idx="0">
+                <a:schemeClr val="accent1"/>
+              </a:fillRef>
+              <a:effectRef idx="0">
+                <a:schemeClr val="accent1"/>
+              </a:effectRef>
+              <a:fontRef idx="minor">
+                <a:schemeClr val="tx1"/>
+              </a:fontRef>
+            </p:style>
+          </p:cxnSp>
+          <p:cxnSp>
+            <p:nvCxnSpPr>
+              <p:cNvPr id="128" name="Straight Connector 127"/>
+              <p:cNvCxnSpPr/>
+              <p:nvPr/>
+            </p:nvCxnSpPr>
+            <p:spPr>
+              <a:xfrm>
+                <a:off x="1973600" y="1202864"/>
+                <a:ext cx="1042402" cy="0"/>
+              </a:xfrm>
+              <a:prstGeom prst="line">
+                <a:avLst/>
+              </a:prstGeom>
+              <a:ln>
+                <a:solidFill>
+                  <a:srgbClr val="FF0000"/>
+                </a:solidFill>
+                <a:prstDash val="dash"/>
+              </a:ln>
+            </p:spPr>
+            <p:style>
+              <a:lnRef idx="1">
+                <a:schemeClr val="accent1"/>
+              </a:lnRef>
+              <a:fillRef idx="0">
+                <a:schemeClr val="accent1"/>
+              </a:fillRef>
+              <a:effectRef idx="0">
+                <a:schemeClr val="accent1"/>
+              </a:effectRef>
+              <a:fontRef idx="minor">
+                <a:schemeClr val="tx1"/>
+              </a:fontRef>
+            </p:style>
+          </p:cxnSp>
+          <p:cxnSp>
+            <p:nvCxnSpPr>
+              <p:cNvPr id="129" name="Straight Connector 128"/>
+              <p:cNvCxnSpPr/>
+              <p:nvPr/>
+            </p:nvCxnSpPr>
+            <p:spPr>
+              <a:xfrm>
+                <a:off x="1977410" y="1422476"/>
+                <a:ext cx="1042402" cy="0"/>
+              </a:xfrm>
+              <a:prstGeom prst="line">
+                <a:avLst/>
+              </a:prstGeom>
+              <a:ln>
+                <a:solidFill>
+                  <a:srgbClr val="FF0000"/>
+                </a:solidFill>
+                <a:prstDash val="dash"/>
+              </a:ln>
+            </p:spPr>
+            <p:style>
+              <a:lnRef idx="1">
+                <a:schemeClr val="accent1"/>
+              </a:lnRef>
+              <a:fillRef idx="0">
+                <a:schemeClr val="accent1"/>
+              </a:fillRef>
+              <a:effectRef idx="0">
+                <a:schemeClr val="accent1"/>
+              </a:effectRef>
+              <a:fontRef idx="minor">
+                <a:schemeClr val="tx1"/>
+              </a:fontRef>
+            </p:style>
+          </p:cxnSp>
+          <p:cxnSp>
+            <p:nvCxnSpPr>
+              <p:cNvPr id="130" name="Straight Connector 129"/>
+              <p:cNvCxnSpPr/>
+              <p:nvPr/>
+            </p:nvCxnSpPr>
+            <p:spPr>
+              <a:xfrm>
+                <a:off x="1965980" y="1634912"/>
+                <a:ext cx="1042402" cy="0"/>
+              </a:xfrm>
+              <a:prstGeom prst="line">
+                <a:avLst/>
+              </a:prstGeom>
+              <a:ln>
+                <a:solidFill>
+                  <a:srgbClr val="FF0000"/>
+                </a:solidFill>
+                <a:prstDash val="dash"/>
+              </a:ln>
+            </p:spPr>
+            <p:style>
+              <a:lnRef idx="1">
+                <a:schemeClr val="accent1"/>
+              </a:lnRef>
+              <a:fillRef idx="0">
+                <a:schemeClr val="accent1"/>
+              </a:fillRef>
+              <a:effectRef idx="0">
+                <a:schemeClr val="accent1"/>
+              </a:effectRef>
+              <a:fontRef idx="minor">
+                <a:schemeClr val="tx1"/>
+              </a:fontRef>
+            </p:style>
+          </p:cxnSp>
+        </p:grpSp>
+        <p:cxnSp>
+          <p:nvCxnSpPr>
+            <p:cNvPr id="122" name="Straight Connector 121"/>
+            <p:cNvCxnSpPr/>
+            <p:nvPr/>
+          </p:nvCxnSpPr>
+          <p:spPr>
+            <a:xfrm>
+              <a:off x="340276" y="7982664"/>
+              <a:ext cx="1042402" cy="0"/>
+            </a:xfrm>
+            <a:prstGeom prst="line">
+              <a:avLst/>
+            </a:prstGeom>
+            <a:ln>
+              <a:solidFill>
+                <a:srgbClr val="FF0000"/>
+              </a:solidFill>
+              <a:prstDash val="dash"/>
+            </a:ln>
+          </p:spPr>
+          <p:style>
+            <a:lnRef idx="1">
+              <a:schemeClr val="accent1"/>
+            </a:lnRef>
+            <a:fillRef idx="0">
+              <a:schemeClr val="accent1"/>
+            </a:fillRef>
+            <a:effectRef idx="0">
+              <a:schemeClr val="accent1"/>
+            </a:effectRef>
+            <a:fontRef idx="minor">
+              <a:schemeClr val="tx1"/>
+            </a:fontRef>
+          </p:style>
+        </p:cxnSp>
+      </p:grpSp>
+      <p:grpSp>
+        <p:nvGrpSpPr>
+          <p:cNvPr id="131" name="Group 130"/>
+          <p:cNvGrpSpPr/>
+          <p:nvPr/>
+        </p:nvGrpSpPr>
+        <p:grpSpPr>
+          <a:xfrm>
+            <a:off x="344086" y="2108488"/>
+            <a:ext cx="1065262" cy="1080120"/>
+            <a:chOff x="328846" y="7869128"/>
+            <a:chExt cx="1065262" cy="1080120"/>
+          </a:xfrm>
+        </p:grpSpPr>
+        <p:grpSp>
+          <p:nvGrpSpPr>
+            <p:cNvPr id="132" name="Group 131"/>
+            <p:cNvGrpSpPr/>
+            <p:nvPr/>
+          </p:nvGrpSpPr>
+          <p:grpSpPr>
+            <a:xfrm>
+              <a:off x="328846" y="7869128"/>
+              <a:ext cx="1065262" cy="1080120"/>
+              <a:chOff x="1965980" y="672138"/>
+              <a:chExt cx="1065262" cy="1080120"/>
+            </a:xfrm>
+          </p:grpSpPr>
+          <p:cxnSp>
+            <p:nvCxnSpPr>
+              <p:cNvPr id="134" name="Straight Connector 133"/>
+              <p:cNvCxnSpPr/>
+              <p:nvPr/>
+            </p:nvCxnSpPr>
+            <p:spPr>
+              <a:xfrm flipV="1">
+                <a:off x="2716540" y="672138"/>
+                <a:ext cx="0" cy="1080120"/>
+              </a:xfrm>
+              <a:prstGeom prst="line">
+                <a:avLst/>
+              </a:prstGeom>
+              <a:ln>
+                <a:solidFill>
+                  <a:srgbClr val="FF0000"/>
+                </a:solidFill>
+                <a:prstDash val="dash"/>
+              </a:ln>
+            </p:spPr>
+            <p:style>
+              <a:lnRef idx="1">
+                <a:schemeClr val="accent1"/>
+              </a:lnRef>
+              <a:fillRef idx="0">
+                <a:schemeClr val="accent1"/>
+              </a:fillRef>
+              <a:effectRef idx="0">
+                <a:schemeClr val="accent1"/>
+              </a:effectRef>
+              <a:fontRef idx="minor">
+                <a:schemeClr val="tx1"/>
+              </a:fontRef>
+            </p:style>
+          </p:cxnSp>
+          <p:cxnSp>
+            <p:nvCxnSpPr>
+              <p:cNvPr id="135" name="Straight Connector 134"/>
+              <p:cNvCxnSpPr/>
+              <p:nvPr/>
+            </p:nvCxnSpPr>
+            <p:spPr>
+              <a:xfrm flipV="1">
+                <a:off x="2505472" y="672138"/>
+                <a:ext cx="0" cy="1080120"/>
+              </a:xfrm>
+              <a:prstGeom prst="line">
+                <a:avLst/>
+              </a:prstGeom>
+              <a:ln>
+                <a:solidFill>
+                  <a:srgbClr val="FF0000"/>
+                </a:solidFill>
+                <a:prstDash val="dash"/>
+              </a:ln>
+            </p:spPr>
+            <p:style>
+              <a:lnRef idx="1">
+                <a:schemeClr val="accent1"/>
+              </a:lnRef>
+              <a:fillRef idx="0">
+                <a:schemeClr val="accent1"/>
+              </a:fillRef>
+              <a:effectRef idx="0">
+                <a:schemeClr val="accent1"/>
+              </a:effectRef>
+              <a:fontRef idx="minor">
+                <a:schemeClr val="tx1"/>
+              </a:fontRef>
+            </p:style>
+          </p:cxnSp>
+          <p:cxnSp>
+            <p:nvCxnSpPr>
+              <p:cNvPr id="136" name="Straight Connector 135"/>
+              <p:cNvCxnSpPr/>
+              <p:nvPr/>
+            </p:nvCxnSpPr>
+            <p:spPr>
+              <a:xfrm flipV="1">
+                <a:off x="2292112" y="672138"/>
+                <a:ext cx="0" cy="1080120"/>
+              </a:xfrm>
+              <a:prstGeom prst="line">
+                <a:avLst/>
+              </a:prstGeom>
+              <a:ln>
+                <a:solidFill>
+                  <a:srgbClr val="FF0000"/>
+                </a:solidFill>
+                <a:prstDash val="dash"/>
+              </a:ln>
+            </p:spPr>
+            <p:style>
+              <a:lnRef idx="1">
+                <a:schemeClr val="accent1"/>
+              </a:lnRef>
+              <a:fillRef idx="0">
+                <a:schemeClr val="accent1"/>
+              </a:fillRef>
+              <a:effectRef idx="0">
+                <a:schemeClr val="accent1"/>
+              </a:effectRef>
+              <a:fontRef idx="minor">
+                <a:schemeClr val="tx1"/>
+              </a:fontRef>
+            </p:style>
+          </p:cxnSp>
+          <p:cxnSp>
+            <p:nvCxnSpPr>
+              <p:cNvPr id="137" name="Straight Connector 136"/>
+              <p:cNvCxnSpPr/>
+              <p:nvPr/>
+            </p:nvCxnSpPr>
+            <p:spPr>
+              <a:xfrm flipV="1">
+                <a:off x="2067322" y="672138"/>
+                <a:ext cx="0" cy="1080120"/>
+              </a:xfrm>
+              <a:prstGeom prst="line">
+                <a:avLst/>
+              </a:prstGeom>
+              <a:ln>
+                <a:solidFill>
+                  <a:srgbClr val="FF0000"/>
+                </a:solidFill>
+                <a:prstDash val="dash"/>
+              </a:ln>
+            </p:spPr>
+            <p:style>
+              <a:lnRef idx="1">
+                <a:schemeClr val="accent1"/>
+              </a:lnRef>
+              <a:fillRef idx="0">
+                <a:schemeClr val="accent1"/>
+              </a:fillRef>
+              <a:effectRef idx="0">
+                <a:schemeClr val="accent1"/>
+              </a:effectRef>
+              <a:fontRef idx="minor">
+                <a:schemeClr val="tx1"/>
+              </a:fontRef>
+            </p:style>
+          </p:cxnSp>
+          <p:cxnSp>
+            <p:nvCxnSpPr>
+              <p:cNvPr id="138" name="Straight Connector 137"/>
+              <p:cNvCxnSpPr/>
+              <p:nvPr/>
+            </p:nvCxnSpPr>
+            <p:spPr>
+              <a:xfrm>
+                <a:off x="1988840" y="994682"/>
+                <a:ext cx="1042402" cy="0"/>
+              </a:xfrm>
+              <a:prstGeom prst="line">
+                <a:avLst/>
+              </a:prstGeom>
+              <a:ln>
+                <a:solidFill>
+                  <a:srgbClr val="FF0000"/>
+                </a:solidFill>
+                <a:prstDash val="dash"/>
+              </a:ln>
+            </p:spPr>
+            <p:style>
+              <a:lnRef idx="1">
+                <a:schemeClr val="accent1"/>
+              </a:lnRef>
+              <a:fillRef idx="0">
+                <a:schemeClr val="accent1"/>
+              </a:fillRef>
+              <a:effectRef idx="0">
+                <a:schemeClr val="accent1"/>
+              </a:effectRef>
+              <a:fontRef idx="minor">
+                <a:schemeClr val="tx1"/>
+              </a:fontRef>
+            </p:style>
+          </p:cxnSp>
+          <p:cxnSp>
+            <p:nvCxnSpPr>
+              <p:cNvPr id="139" name="Straight Connector 138"/>
+              <p:cNvCxnSpPr/>
+              <p:nvPr/>
+            </p:nvCxnSpPr>
+            <p:spPr>
+              <a:xfrm>
+                <a:off x="1973600" y="1202864"/>
+                <a:ext cx="1042402" cy="0"/>
+              </a:xfrm>
+              <a:prstGeom prst="line">
+                <a:avLst/>
+              </a:prstGeom>
+              <a:ln>
+                <a:solidFill>
+                  <a:srgbClr val="FF0000"/>
+                </a:solidFill>
+                <a:prstDash val="dash"/>
+              </a:ln>
+            </p:spPr>
+            <p:style>
+              <a:lnRef idx="1">
+                <a:schemeClr val="accent1"/>
+              </a:lnRef>
+              <a:fillRef idx="0">
+                <a:schemeClr val="accent1"/>
+              </a:fillRef>
+              <a:effectRef idx="0">
+                <a:schemeClr val="accent1"/>
+              </a:effectRef>
+              <a:fontRef idx="minor">
+                <a:schemeClr val="tx1"/>
+              </a:fontRef>
+            </p:style>
+          </p:cxnSp>
+          <p:cxnSp>
+            <p:nvCxnSpPr>
+              <p:cNvPr id="140" name="Straight Connector 139"/>
+              <p:cNvCxnSpPr/>
+              <p:nvPr/>
+            </p:nvCxnSpPr>
+            <p:spPr>
+              <a:xfrm>
+                <a:off x="1977410" y="1422476"/>
+                <a:ext cx="1042402" cy="0"/>
+              </a:xfrm>
+              <a:prstGeom prst="line">
+                <a:avLst/>
+              </a:prstGeom>
+              <a:ln>
+                <a:solidFill>
+                  <a:srgbClr val="FF0000"/>
+                </a:solidFill>
+                <a:prstDash val="dash"/>
+              </a:ln>
+            </p:spPr>
+            <p:style>
+              <a:lnRef idx="1">
+                <a:schemeClr val="accent1"/>
+              </a:lnRef>
+              <a:fillRef idx="0">
+                <a:schemeClr val="accent1"/>
+              </a:fillRef>
+              <a:effectRef idx="0">
+                <a:schemeClr val="accent1"/>
+              </a:effectRef>
+              <a:fontRef idx="minor">
+                <a:schemeClr val="tx1"/>
+              </a:fontRef>
+            </p:style>
+          </p:cxnSp>
+          <p:cxnSp>
+            <p:nvCxnSpPr>
+              <p:cNvPr id="141" name="Straight Connector 140"/>
+              <p:cNvCxnSpPr/>
+              <p:nvPr/>
+            </p:nvCxnSpPr>
+            <p:spPr>
+              <a:xfrm>
+                <a:off x="1965980" y="1634912"/>
+                <a:ext cx="1042402" cy="0"/>
+              </a:xfrm>
+              <a:prstGeom prst="line">
+                <a:avLst/>
+              </a:prstGeom>
+              <a:ln>
+                <a:solidFill>
+                  <a:srgbClr val="FF0000"/>
+                </a:solidFill>
+                <a:prstDash val="dash"/>
+              </a:ln>
+            </p:spPr>
+            <p:style>
+              <a:lnRef idx="1">
+                <a:schemeClr val="accent1"/>
+              </a:lnRef>
+              <a:fillRef idx="0">
+                <a:schemeClr val="accent1"/>
+              </a:fillRef>
+              <a:effectRef idx="0">
+                <a:schemeClr val="accent1"/>
+              </a:effectRef>
+              <a:fontRef idx="minor">
+                <a:schemeClr val="tx1"/>
+              </a:fontRef>
+            </p:style>
+          </p:cxnSp>
+        </p:grpSp>
+        <p:cxnSp>
+          <p:nvCxnSpPr>
+            <p:cNvPr id="133" name="Straight Connector 132"/>
+            <p:cNvCxnSpPr/>
+            <p:nvPr/>
+          </p:nvCxnSpPr>
+          <p:spPr>
+            <a:xfrm>
+              <a:off x="340276" y="7982664"/>
+              <a:ext cx="1042402" cy="0"/>
+            </a:xfrm>
+            <a:prstGeom prst="line">
+              <a:avLst/>
+            </a:prstGeom>
+            <a:ln>
+              <a:solidFill>
+                <a:srgbClr val="FF0000"/>
+              </a:solidFill>
+              <a:prstDash val="dash"/>
+            </a:ln>
+          </p:spPr>
+          <p:style>
+            <a:lnRef idx="1">
+              <a:schemeClr val="accent1"/>
+            </a:lnRef>
+            <a:fillRef idx="0">
+              <a:schemeClr val="accent1"/>
+            </a:fillRef>
+            <a:effectRef idx="0">
+              <a:schemeClr val="accent1"/>
+            </a:effectRef>
+            <a:fontRef idx="minor">
+              <a:schemeClr val="tx1"/>
+            </a:fontRef>
+          </p:style>
+        </p:cxnSp>
+      </p:grpSp>
+      <p:grpSp>
+        <p:nvGrpSpPr>
+          <p:cNvPr id="144" name="Group 143"/>
+          <p:cNvGrpSpPr/>
+          <p:nvPr/>
+        </p:nvGrpSpPr>
+        <p:grpSpPr>
+          <a:xfrm>
+            <a:off x="344086" y="3548648"/>
+            <a:ext cx="1065262" cy="1080120"/>
+            <a:chOff x="328846" y="7869128"/>
+            <a:chExt cx="1065262" cy="1080120"/>
+          </a:xfrm>
+        </p:grpSpPr>
+        <p:grpSp>
+          <p:nvGrpSpPr>
+            <p:cNvPr id="145" name="Group 144"/>
+            <p:cNvGrpSpPr/>
+            <p:nvPr/>
+          </p:nvGrpSpPr>
+          <p:grpSpPr>
+            <a:xfrm>
+              <a:off x="328846" y="7869128"/>
+              <a:ext cx="1065262" cy="1080120"/>
+              <a:chOff x="1965980" y="672138"/>
+              <a:chExt cx="1065262" cy="1080120"/>
+            </a:xfrm>
+          </p:grpSpPr>
+          <p:cxnSp>
+            <p:nvCxnSpPr>
+              <p:cNvPr id="147" name="Straight Connector 146"/>
+              <p:cNvCxnSpPr/>
+              <p:nvPr/>
+            </p:nvCxnSpPr>
+            <p:spPr>
+              <a:xfrm flipV="1">
+                <a:off x="2716540" y="672138"/>
+                <a:ext cx="0" cy="1080120"/>
+              </a:xfrm>
+              <a:prstGeom prst="line">
+                <a:avLst/>
+              </a:prstGeom>
+              <a:ln>
+                <a:solidFill>
+                  <a:srgbClr val="FF0000"/>
+                </a:solidFill>
+                <a:prstDash val="dash"/>
+              </a:ln>
+            </p:spPr>
+            <p:style>
+              <a:lnRef idx="1">
+                <a:schemeClr val="accent1"/>
+              </a:lnRef>
+              <a:fillRef idx="0">
+                <a:schemeClr val="accent1"/>
+              </a:fillRef>
+              <a:effectRef idx="0">
+                <a:schemeClr val="accent1"/>
+              </a:effectRef>
+              <a:fontRef idx="minor">
+                <a:schemeClr val="tx1"/>
+              </a:fontRef>
+            </p:style>
+          </p:cxnSp>
+          <p:cxnSp>
+            <p:nvCxnSpPr>
+              <p:cNvPr id="148" name="Straight Connector 147"/>
+              <p:cNvCxnSpPr/>
+              <p:nvPr/>
+            </p:nvCxnSpPr>
+            <p:spPr>
+              <a:xfrm flipV="1">
+                <a:off x="2505472" y="672138"/>
+                <a:ext cx="0" cy="1080120"/>
+              </a:xfrm>
+              <a:prstGeom prst="line">
+                <a:avLst/>
+              </a:prstGeom>
+              <a:ln>
+                <a:solidFill>
+                  <a:srgbClr val="FF0000"/>
+                </a:solidFill>
+                <a:prstDash val="dash"/>
+              </a:ln>
+            </p:spPr>
+            <p:style>
+              <a:lnRef idx="1">
+                <a:schemeClr val="accent1"/>
+              </a:lnRef>
+              <a:fillRef idx="0">
+                <a:schemeClr val="accent1"/>
+              </a:fillRef>
+              <a:effectRef idx="0">
+                <a:schemeClr val="accent1"/>
+              </a:effectRef>
+              <a:fontRef idx="minor">
+                <a:schemeClr val="tx1"/>
+              </a:fontRef>
+            </p:style>
+          </p:cxnSp>
+          <p:cxnSp>
+            <p:nvCxnSpPr>
+              <p:cNvPr id="149" name="Straight Connector 148"/>
+              <p:cNvCxnSpPr/>
+              <p:nvPr/>
+            </p:nvCxnSpPr>
+            <p:spPr>
+              <a:xfrm flipV="1">
+                <a:off x="2292112" y="672138"/>
+                <a:ext cx="0" cy="1080120"/>
+              </a:xfrm>
+              <a:prstGeom prst="line">
+                <a:avLst/>
+              </a:prstGeom>
+              <a:ln>
+                <a:solidFill>
+                  <a:srgbClr val="FF0000"/>
+                </a:solidFill>
+                <a:prstDash val="dash"/>
+              </a:ln>
+            </p:spPr>
+            <p:style>
+              <a:lnRef idx="1">
+                <a:schemeClr val="accent1"/>
+              </a:lnRef>
+              <a:fillRef idx="0">
+                <a:schemeClr val="accent1"/>
+              </a:fillRef>
+              <a:effectRef idx="0">
+                <a:schemeClr val="accent1"/>
+              </a:effectRef>
+              <a:fontRef idx="minor">
+                <a:schemeClr val="tx1"/>
+              </a:fontRef>
+            </p:style>
+          </p:cxnSp>
+          <p:cxnSp>
+            <p:nvCxnSpPr>
+              <p:cNvPr id="150" name="Straight Connector 149"/>
+              <p:cNvCxnSpPr/>
+              <p:nvPr/>
+            </p:nvCxnSpPr>
+            <p:spPr>
+              <a:xfrm flipV="1">
+                <a:off x="2067322" y="672138"/>
+                <a:ext cx="0" cy="1080120"/>
+              </a:xfrm>
+              <a:prstGeom prst="line">
+                <a:avLst/>
+              </a:prstGeom>
+              <a:ln>
+                <a:solidFill>
+                  <a:srgbClr val="FF0000"/>
+                </a:solidFill>
+                <a:prstDash val="dash"/>
+              </a:ln>
+            </p:spPr>
+            <p:style>
+              <a:lnRef idx="1">
+                <a:schemeClr val="accent1"/>
+              </a:lnRef>
+              <a:fillRef idx="0">
+                <a:schemeClr val="accent1"/>
+              </a:fillRef>
+              <a:effectRef idx="0">
+                <a:schemeClr val="accent1"/>
+              </a:effectRef>
+              <a:fontRef idx="minor">
+                <a:schemeClr val="tx1"/>
+              </a:fontRef>
+            </p:style>
+          </p:cxnSp>
+          <p:cxnSp>
+            <p:nvCxnSpPr>
+              <p:cNvPr id="151" name="Straight Connector 150"/>
+              <p:cNvCxnSpPr/>
+              <p:nvPr/>
+            </p:nvCxnSpPr>
+            <p:spPr>
+              <a:xfrm>
+                <a:off x="1988840" y="994682"/>
+                <a:ext cx="1042402" cy="0"/>
+              </a:xfrm>
+              <a:prstGeom prst="line">
+                <a:avLst/>
+              </a:prstGeom>
+              <a:ln>
+                <a:solidFill>
+                  <a:srgbClr val="FF0000"/>
+                </a:solidFill>
+                <a:prstDash val="dash"/>
+              </a:ln>
+            </p:spPr>
+            <p:style>
+              <a:lnRef idx="1">
+                <a:schemeClr val="accent1"/>
+              </a:lnRef>
+              <a:fillRef idx="0">
+                <a:schemeClr val="accent1"/>
+              </a:fillRef>
+              <a:effectRef idx="0">
+                <a:schemeClr val="accent1"/>
+              </a:effectRef>
+              <a:fontRef idx="minor">
+                <a:schemeClr val="tx1"/>
+              </a:fontRef>
+            </p:style>
+          </p:cxnSp>
+          <p:cxnSp>
+            <p:nvCxnSpPr>
+              <p:cNvPr id="152" name="Straight Connector 151"/>
+              <p:cNvCxnSpPr/>
+              <p:nvPr/>
+            </p:nvCxnSpPr>
+            <p:spPr>
+              <a:xfrm>
+                <a:off x="1973600" y="1202864"/>
+                <a:ext cx="1042402" cy="0"/>
+              </a:xfrm>
+              <a:prstGeom prst="line">
+                <a:avLst/>
+              </a:prstGeom>
+              <a:ln>
+                <a:solidFill>
+                  <a:srgbClr val="FF0000"/>
+                </a:solidFill>
+                <a:prstDash val="dash"/>
+              </a:ln>
+            </p:spPr>
+            <p:style>
+              <a:lnRef idx="1">
+                <a:schemeClr val="accent1"/>
+              </a:lnRef>
+              <a:fillRef idx="0">
+                <a:schemeClr val="accent1"/>
+              </a:fillRef>
+              <a:effectRef idx="0">
+                <a:schemeClr val="accent1"/>
+              </a:effectRef>
+              <a:fontRef idx="minor">
+                <a:schemeClr val="tx1"/>
+              </a:fontRef>
+            </p:style>
+          </p:cxnSp>
+          <p:cxnSp>
+            <p:nvCxnSpPr>
+              <p:cNvPr id="153" name="Straight Connector 152"/>
+              <p:cNvCxnSpPr/>
+              <p:nvPr/>
+            </p:nvCxnSpPr>
+            <p:spPr>
+              <a:xfrm>
+                <a:off x="1977410" y="1422476"/>
+                <a:ext cx="1042402" cy="0"/>
+              </a:xfrm>
+              <a:prstGeom prst="line">
+                <a:avLst/>
+              </a:prstGeom>
+              <a:ln>
+                <a:solidFill>
+                  <a:srgbClr val="FF0000"/>
+                </a:solidFill>
+                <a:prstDash val="dash"/>
+              </a:ln>
+            </p:spPr>
+            <p:style>
+              <a:lnRef idx="1">
+                <a:schemeClr val="accent1"/>
+              </a:lnRef>
+              <a:fillRef idx="0">
+                <a:schemeClr val="accent1"/>
+              </a:fillRef>
+              <a:effectRef idx="0">
+                <a:schemeClr val="accent1"/>
+              </a:effectRef>
+              <a:fontRef idx="minor">
+                <a:schemeClr val="tx1"/>
+              </a:fontRef>
+            </p:style>
+          </p:cxnSp>
+          <p:cxnSp>
+            <p:nvCxnSpPr>
+              <p:cNvPr id="154" name="Straight Connector 153"/>
+              <p:cNvCxnSpPr/>
+              <p:nvPr/>
+            </p:nvCxnSpPr>
+            <p:spPr>
+              <a:xfrm>
+                <a:off x="1965980" y="1634912"/>
+                <a:ext cx="1042402" cy="0"/>
+              </a:xfrm>
+              <a:prstGeom prst="line">
+                <a:avLst/>
+              </a:prstGeom>
+              <a:ln>
+                <a:solidFill>
+                  <a:srgbClr val="FF0000"/>
+                </a:solidFill>
+                <a:prstDash val="dash"/>
+              </a:ln>
+            </p:spPr>
+            <p:style>
+              <a:lnRef idx="1">
+                <a:schemeClr val="accent1"/>
+              </a:lnRef>
+              <a:fillRef idx="0">
+                <a:schemeClr val="accent1"/>
+              </a:fillRef>
+              <a:effectRef idx="0">
+                <a:schemeClr val="accent1"/>
+              </a:effectRef>
+              <a:fontRef idx="minor">
+                <a:schemeClr val="tx1"/>
+              </a:fontRef>
+            </p:style>
+          </p:cxnSp>
+        </p:grpSp>
+        <p:cxnSp>
+          <p:nvCxnSpPr>
+            <p:cNvPr id="146" name="Straight Connector 145"/>
+            <p:cNvCxnSpPr/>
+            <p:nvPr/>
+          </p:nvCxnSpPr>
+          <p:spPr>
+            <a:xfrm>
+              <a:off x="340276" y="7982664"/>
+              <a:ext cx="1042402" cy="0"/>
+            </a:xfrm>
+            <a:prstGeom prst="line">
+              <a:avLst/>
+            </a:prstGeom>
+            <a:ln>
+              <a:solidFill>
+                <a:srgbClr val="FF0000"/>
+              </a:solidFill>
+              <a:prstDash val="dash"/>
+            </a:ln>
+          </p:spPr>
+          <p:style>
+            <a:lnRef idx="1">
+              <a:schemeClr val="accent1"/>
+            </a:lnRef>
+            <a:fillRef idx="0">
+              <a:schemeClr val="accent1"/>
+            </a:fillRef>
+            <a:effectRef idx="0">
+              <a:schemeClr val="accent1"/>
+            </a:effectRef>
+            <a:fontRef idx="minor">
+              <a:schemeClr val="tx1"/>
+            </a:fontRef>
+          </p:style>
+        </p:cxnSp>
+      </p:grpSp>
+      <p:grpSp>
+        <p:nvGrpSpPr>
+          <p:cNvPr id="166" name="Group 165"/>
+          <p:cNvGrpSpPr/>
+          <p:nvPr/>
+        </p:nvGrpSpPr>
+        <p:grpSpPr>
+          <a:xfrm>
+            <a:off x="332656" y="672138"/>
+            <a:ext cx="1065262" cy="1080120"/>
+            <a:chOff x="328846" y="7869128"/>
+            <a:chExt cx="1065262" cy="1080120"/>
+          </a:xfrm>
+        </p:grpSpPr>
+        <p:grpSp>
+          <p:nvGrpSpPr>
+            <p:cNvPr id="167" name="Group 166"/>
+            <p:cNvGrpSpPr/>
+            <p:nvPr/>
+          </p:nvGrpSpPr>
+          <p:grpSpPr>
+            <a:xfrm>
+              <a:off x="328846" y="7869128"/>
+              <a:ext cx="1065262" cy="1080120"/>
+              <a:chOff x="1965980" y="672138"/>
+              <a:chExt cx="1065262" cy="1080120"/>
+            </a:xfrm>
+          </p:grpSpPr>
+          <p:cxnSp>
+            <p:nvCxnSpPr>
+              <p:cNvPr id="169" name="Straight Connector 168"/>
+              <p:cNvCxnSpPr/>
+              <p:nvPr/>
+            </p:nvCxnSpPr>
+            <p:spPr>
+              <a:xfrm flipV="1">
+                <a:off x="2716540" y="672138"/>
+                <a:ext cx="0" cy="1080120"/>
+              </a:xfrm>
+              <a:prstGeom prst="line">
+                <a:avLst/>
+              </a:prstGeom>
+              <a:ln>
+                <a:solidFill>
+                  <a:srgbClr val="FF0000"/>
+                </a:solidFill>
+                <a:prstDash val="dash"/>
+              </a:ln>
+            </p:spPr>
+            <p:style>
+              <a:lnRef idx="1">
+                <a:schemeClr val="accent1"/>
+              </a:lnRef>
+              <a:fillRef idx="0">
+                <a:schemeClr val="accent1"/>
+              </a:fillRef>
+              <a:effectRef idx="0">
+                <a:schemeClr val="accent1"/>
+              </a:effectRef>
+              <a:fontRef idx="minor">
+                <a:schemeClr val="tx1"/>
+              </a:fontRef>
+            </p:style>
+          </p:cxnSp>
+          <p:cxnSp>
+            <p:nvCxnSpPr>
+              <p:cNvPr id="170" name="Straight Connector 169"/>
+              <p:cNvCxnSpPr/>
+              <p:nvPr/>
+            </p:nvCxnSpPr>
+            <p:spPr>
+              <a:xfrm flipV="1">
+                <a:off x="2505472" y="672138"/>
+                <a:ext cx="0" cy="1080120"/>
+              </a:xfrm>
+              <a:prstGeom prst="line">
+                <a:avLst/>
+              </a:prstGeom>
+              <a:ln>
+                <a:solidFill>
+                  <a:srgbClr val="FF0000"/>
+                </a:solidFill>
+                <a:prstDash val="dash"/>
+              </a:ln>
+            </p:spPr>
+            <p:style>
+              <a:lnRef idx="1">
+                <a:schemeClr val="accent1"/>
+              </a:lnRef>
+              <a:fillRef idx="0">
+                <a:schemeClr val="accent1"/>
+              </a:fillRef>
+              <a:effectRef idx="0">
+                <a:schemeClr val="accent1"/>
+              </a:effectRef>
+              <a:fontRef idx="minor">
+                <a:schemeClr val="tx1"/>
+              </a:fontRef>
+            </p:style>
+          </p:cxnSp>
+          <p:cxnSp>
+            <p:nvCxnSpPr>
+              <p:cNvPr id="171" name="Straight Connector 170"/>
+              <p:cNvCxnSpPr/>
+              <p:nvPr/>
+            </p:nvCxnSpPr>
+            <p:spPr>
+              <a:xfrm flipV="1">
+                <a:off x="2292112" y="672138"/>
+                <a:ext cx="0" cy="1080120"/>
+              </a:xfrm>
+              <a:prstGeom prst="line">
+                <a:avLst/>
+              </a:prstGeom>
+              <a:ln>
+                <a:solidFill>
+                  <a:srgbClr val="FF0000"/>
+                </a:solidFill>
+                <a:prstDash val="dash"/>
+              </a:ln>
+            </p:spPr>
+            <p:style>
+              <a:lnRef idx="1">
+                <a:schemeClr val="accent1"/>
+              </a:lnRef>
+              <a:fillRef idx="0">
+                <a:schemeClr val="accent1"/>
+              </a:fillRef>
+              <a:effectRef idx="0">
+                <a:schemeClr val="accent1"/>
+              </a:effectRef>
+              <a:fontRef idx="minor">
+                <a:schemeClr val="tx1"/>
+              </a:fontRef>
+            </p:style>
+          </p:cxnSp>
+          <p:cxnSp>
+            <p:nvCxnSpPr>
+              <p:cNvPr id="172" name="Straight Connector 171"/>
+              <p:cNvCxnSpPr/>
+              <p:nvPr/>
+            </p:nvCxnSpPr>
+            <p:spPr>
+              <a:xfrm flipV="1">
+                <a:off x="2067322" y="672138"/>
+                <a:ext cx="0" cy="1080120"/>
+              </a:xfrm>
+              <a:prstGeom prst="line">
+                <a:avLst/>
+              </a:prstGeom>
+              <a:ln>
+                <a:solidFill>
+                  <a:srgbClr val="FF0000"/>
+                </a:solidFill>
+                <a:prstDash val="dash"/>
+              </a:ln>
+            </p:spPr>
+            <p:style>
+              <a:lnRef idx="1">
+                <a:schemeClr val="accent1"/>
+              </a:lnRef>
+              <a:fillRef idx="0">
+                <a:schemeClr val="accent1"/>
+              </a:fillRef>
+              <a:effectRef idx="0">
+                <a:schemeClr val="accent1"/>
+              </a:effectRef>
+              <a:fontRef idx="minor">
+                <a:schemeClr val="tx1"/>
+              </a:fontRef>
+            </p:style>
+          </p:cxnSp>
+          <p:cxnSp>
+            <p:nvCxnSpPr>
+              <p:cNvPr id="173" name="Straight Connector 172"/>
+              <p:cNvCxnSpPr/>
+              <p:nvPr/>
+            </p:nvCxnSpPr>
+            <p:spPr>
+              <a:xfrm>
+                <a:off x="1988840" y="994682"/>
+                <a:ext cx="1042402" cy="0"/>
+              </a:xfrm>
+              <a:prstGeom prst="line">
+                <a:avLst/>
+              </a:prstGeom>
+              <a:ln>
+                <a:solidFill>
+                  <a:srgbClr val="FF0000"/>
+                </a:solidFill>
+                <a:prstDash val="dash"/>
+              </a:ln>
+            </p:spPr>
+            <p:style>
+              <a:lnRef idx="1">
+                <a:schemeClr val="accent1"/>
+              </a:lnRef>
+              <a:fillRef idx="0">
+                <a:schemeClr val="accent1"/>
+              </a:fillRef>
+              <a:effectRef idx="0">
+                <a:schemeClr val="accent1"/>
+              </a:effectRef>
+              <a:fontRef idx="minor">
+                <a:schemeClr val="tx1"/>
+              </a:fontRef>
+            </p:style>
+          </p:cxnSp>
+          <p:cxnSp>
+            <p:nvCxnSpPr>
+              <p:cNvPr id="174" name="Straight Connector 173"/>
+              <p:cNvCxnSpPr/>
+              <p:nvPr/>
+            </p:nvCxnSpPr>
+            <p:spPr>
+              <a:xfrm>
+                <a:off x="1973600" y="1202864"/>
+                <a:ext cx="1042402" cy="0"/>
+              </a:xfrm>
+              <a:prstGeom prst="line">
+                <a:avLst/>
+              </a:prstGeom>
+              <a:ln>
+                <a:solidFill>
+                  <a:srgbClr val="FF0000"/>
+                </a:solidFill>
+                <a:prstDash val="dash"/>
+              </a:ln>
+            </p:spPr>
+            <p:style>
+              <a:lnRef idx="1">
+                <a:schemeClr val="accent1"/>
+              </a:lnRef>
+              <a:fillRef idx="0">
+                <a:schemeClr val="accent1"/>
+              </a:fillRef>
+              <a:effectRef idx="0">
+                <a:schemeClr val="accent1"/>
+              </a:effectRef>
+              <a:fontRef idx="minor">
+                <a:schemeClr val="tx1"/>
+              </a:fontRef>
+            </p:style>
+          </p:cxnSp>
+          <p:cxnSp>
+            <p:nvCxnSpPr>
+              <p:cNvPr id="175" name="Straight Connector 174"/>
+              <p:cNvCxnSpPr/>
+              <p:nvPr/>
+            </p:nvCxnSpPr>
+            <p:spPr>
+              <a:xfrm>
+                <a:off x="1977410" y="1422476"/>
+                <a:ext cx="1042402" cy="0"/>
+              </a:xfrm>
+              <a:prstGeom prst="line">
+                <a:avLst/>
+              </a:prstGeom>
+              <a:ln>
+                <a:solidFill>
+                  <a:srgbClr val="FF0000"/>
+                </a:solidFill>
+                <a:prstDash val="dash"/>
+              </a:ln>
+            </p:spPr>
+            <p:style>
+              <a:lnRef idx="1">
+                <a:schemeClr val="accent1"/>
+              </a:lnRef>
+              <a:fillRef idx="0">
+                <a:schemeClr val="accent1"/>
+              </a:fillRef>
+              <a:effectRef idx="0">
+                <a:schemeClr val="accent1"/>
+              </a:effectRef>
+              <a:fontRef idx="minor">
+                <a:schemeClr val="tx1"/>
+              </a:fontRef>
+            </p:style>
+          </p:cxnSp>
+          <p:cxnSp>
+            <p:nvCxnSpPr>
+              <p:cNvPr id="176" name="Straight Connector 175"/>
+              <p:cNvCxnSpPr/>
+              <p:nvPr/>
+            </p:nvCxnSpPr>
+            <p:spPr>
+              <a:xfrm>
+                <a:off x="1965980" y="1634912"/>
+                <a:ext cx="1042402" cy="0"/>
+              </a:xfrm>
+              <a:prstGeom prst="line">
+                <a:avLst/>
+              </a:prstGeom>
+              <a:ln>
+                <a:solidFill>
+                  <a:srgbClr val="FF0000"/>
+                </a:solidFill>
+                <a:prstDash val="dash"/>
+              </a:ln>
+            </p:spPr>
+            <p:style>
+              <a:lnRef idx="1">
+                <a:schemeClr val="accent1"/>
+              </a:lnRef>
+              <a:fillRef idx="0">
+                <a:schemeClr val="accent1"/>
+              </a:fillRef>
+              <a:effectRef idx="0">
+                <a:schemeClr val="accent1"/>
+              </a:effectRef>
+              <a:fontRef idx="minor">
+                <a:schemeClr val="tx1"/>
+              </a:fontRef>
+            </p:style>
+          </p:cxnSp>
+        </p:grpSp>
+        <p:cxnSp>
+          <p:nvCxnSpPr>
+            <p:cNvPr id="168" name="Straight Connector 167"/>
+            <p:cNvCxnSpPr/>
+            <p:nvPr/>
+          </p:nvCxnSpPr>
+          <p:spPr>
+            <a:xfrm>
+              <a:off x="340276" y="7982664"/>
+              <a:ext cx="1042402" cy="0"/>
+            </a:xfrm>
+            <a:prstGeom prst="line">
+              <a:avLst/>
+            </a:prstGeom>
+            <a:ln>
+              <a:solidFill>
+                <a:srgbClr val="FF0000"/>
+              </a:solidFill>
+              <a:prstDash val="dash"/>
+            </a:ln>
+          </p:spPr>
+          <p:style>
+            <a:lnRef idx="1">
+              <a:schemeClr val="accent1"/>
+            </a:lnRef>
+            <a:fillRef idx="0">
+              <a:schemeClr val="accent1"/>
+            </a:fillRef>
+            <a:effectRef idx="0">
+              <a:schemeClr val="accent1"/>
+            </a:effectRef>
+            <a:fontRef idx="minor">
+              <a:schemeClr val="tx1"/>
+            </a:fontRef>
+          </p:style>
+        </p:cxnSp>
+      </p:grpSp>
+      <p:pic>
+        <p:nvPicPr>
+          <p:cNvPr id="1038" name="Picture 14"/>
+          <p:cNvPicPr>
+            <a:picLocks noChangeAspect="1" noChangeArrowheads="1"/>
+          </p:cNvPicPr>
+          <p:nvPr/>
+        </p:nvPicPr>
+        <p:blipFill>
+          <a:blip r:embed="rId14" cstate="print">
+            <a:extLst>
+              <a:ext uri="{28A0092B-C50C-407E-A947-70E740481C1C}">
+                <a14:useLocalDpi xmlns:a14="http://schemas.microsoft.com/office/drawing/2010/main" val="0"/>
+              </a:ext>
+            </a:extLst>
+          </a:blip>
+          <a:srcRect/>
+          <a:stretch>
+            <a:fillRect/>
+          </a:stretch>
+        </p:blipFill>
+        <p:spPr bwMode="auto">
+          <a:xfrm>
+            <a:off x="3296894" y="1928930"/>
+            <a:ext cx="1920397" cy="1440000"/>
+          </a:xfrm>
+          <a:prstGeom prst="rect">
+            <a:avLst/>
+          </a:prstGeom>
+          <a:noFill/>
+          <a:ln>
+            <a:noFill/>
+          </a:ln>
+          <a:effectLst/>
+          <a:extLst>
+            <a:ext uri="{909E8E84-426E-40DD-AFC4-6F175D3DCCD1}">
+              <a14:hiddenFill xmlns:a14="http://schemas.microsoft.com/office/drawing/2010/main">
+                <a:solidFill>
+                  <a:schemeClr val="accent1"/>
+                </a:solidFill>
+              </a14:hiddenFill>
+            </a:ext>
+            <a:ext uri="{91240B29-F687-4F45-9708-019B960494DF}">
+              <a14:hiddenLine xmlns:a14="http://schemas.microsoft.com/office/drawing/2010/main" w="9525">
+                <a:solidFill>
+                  <a:schemeClr val="tx1"/>
+                </a:solidFill>
+                <a:miter lim="800000"/>
+                <a:headEnd/>
+                <a:tailEnd/>
+              </a14:hiddenLine>
+            </a:ext>
+            <a:ext uri="{AF507438-7753-43E0-B8FC-AC1667EBCBE1}">
+              <a14:hiddenEffects xmlns:a14="http://schemas.microsoft.com/office/drawing/2010/main">
+                <a:effectLst>
+                  <a:outerShdw dist="35921" dir="2700000" algn="ctr" rotWithShape="0">
+                    <a:schemeClr val="bg2"/>
+                  </a:outerShdw>
+                </a:effectLst>
+              </a14:hiddenEffects>
+            </a:ext>
+          </a:extLst>
+        </p:spPr>
+      </p:pic>
+      <p:sp>
+        <p:nvSpPr>
+          <p:cNvPr id="182" name="Rectangle 181"/>
+          <p:cNvSpPr/>
+          <p:nvPr/>
+        </p:nvSpPr>
+        <p:spPr>
+          <a:xfrm>
+            <a:off x="3717032" y="1745164"/>
+            <a:ext cx="1008112" cy="288032"/>
+          </a:xfrm>
+          <a:prstGeom prst="rect">
+            <a:avLst/>
+          </a:prstGeom>
+          <a:solidFill>
+            <a:schemeClr val="bg1"/>
+          </a:solidFill>
+          <a:ln>
+            <a:noFill/>
+          </a:ln>
+        </p:spPr>
+        <p:style>
+          <a:lnRef idx="2">
+            <a:schemeClr val="accent1">
+              <a:shade val="50000"/>
+            </a:schemeClr>
+          </a:lnRef>
+          <a:fillRef idx="1">
+            <a:schemeClr val="accent1"/>
+          </a:fillRef>
+          <a:effectRef idx="0">
+            <a:schemeClr val="accent1"/>
+          </a:effectRef>
+          <a:fontRef idx="minor">
+            <a:schemeClr val="lt1"/>
+          </a:fontRef>
+        </p:style>
+        <p:txBody>
+          <a:bodyPr rtlCol="0" anchor="ctr"/>
+          <a:lstStyle/>
+          <a:p>
+            <a:pPr algn="ctr"/>
+            <a:r>
+              <a:rPr lang="en-GB" sz="1400" dirty="0" err="1" smtClean="0">
+                <a:solidFill>
+                  <a:schemeClr val="tx1"/>
+                </a:solidFill>
+              </a:rPr>
+              <a:t>Ei</a:t>
+            </a:r>
+            <a:r>
+              <a:rPr lang="en-GB" sz="1400" dirty="0" smtClean="0">
+                <a:solidFill>
+                  <a:schemeClr val="tx1"/>
+                </a:solidFill>
+              </a:rPr>
+              <a:t>=220+20</a:t>
+            </a:r>
+            <a:endParaRPr lang="en-GB" sz="1400" dirty="0">
+              <a:solidFill>
+                <a:schemeClr val="tx1"/>
+              </a:solidFill>
+            </a:endParaRPr>
+          </a:p>
+        </p:txBody>
+      </p:sp>
+      <p:pic>
+        <p:nvPicPr>
+          <p:cNvPr id="1039" name="Picture 15"/>
+          <p:cNvPicPr>
+            <a:picLocks noChangeAspect="1" noChangeArrowheads="1"/>
+          </p:cNvPicPr>
+          <p:nvPr/>
+        </p:nvPicPr>
+        <p:blipFill>
+          <a:blip r:embed="rId15" cstate="print">
+            <a:extLst>
+              <a:ext uri="{28A0092B-C50C-407E-A947-70E740481C1C}">
+                <a14:useLocalDpi xmlns:a14="http://schemas.microsoft.com/office/drawing/2010/main" val="0"/>
+              </a:ext>
+            </a:extLst>
+          </a:blip>
+          <a:srcRect/>
+          <a:stretch>
+            <a:fillRect/>
+          </a:stretch>
+        </p:blipFill>
+        <p:spPr bwMode="auto">
+          <a:xfrm>
+            <a:off x="3296894" y="3347864"/>
+            <a:ext cx="1920397" cy="1440000"/>
+          </a:xfrm>
+          <a:prstGeom prst="rect">
+            <a:avLst/>
+          </a:prstGeom>
+          <a:noFill/>
+          <a:ln>
+            <a:noFill/>
+          </a:ln>
+          <a:effectLst/>
+          <a:extLst>
+            <a:ext uri="{909E8E84-426E-40DD-AFC4-6F175D3DCCD1}">
+              <a14:hiddenFill xmlns:a14="http://schemas.microsoft.com/office/drawing/2010/main">
+                <a:solidFill>
+                  <a:schemeClr val="accent1"/>
+                </a:solidFill>
+              </a14:hiddenFill>
+            </a:ext>
+            <a:ext uri="{91240B29-F687-4F45-9708-019B960494DF}">
+              <a14:hiddenLine xmlns:a14="http://schemas.microsoft.com/office/drawing/2010/main" w="9525">
+                <a:solidFill>
+                  <a:schemeClr val="tx1"/>
+                </a:solidFill>
+                <a:miter lim="800000"/>
+                <a:headEnd/>
+                <a:tailEnd/>
+              </a14:hiddenLine>
+            </a:ext>
+            <a:ext uri="{AF507438-7753-43E0-B8FC-AC1667EBCBE1}">
+              <a14:hiddenEffects xmlns:a14="http://schemas.microsoft.com/office/drawing/2010/main">
+                <a:effectLst>
+                  <a:outerShdw dist="35921" dir="2700000" algn="ctr" rotWithShape="0">
+                    <a:schemeClr val="bg2"/>
+                  </a:outerShdw>
+                </a:effectLst>
+              </a14:hiddenEffects>
+            </a:ext>
+          </a:extLst>
+        </p:spPr>
+      </p:pic>
+      <p:sp>
+        <p:nvSpPr>
+          <p:cNvPr id="184" name="Rectangle 183"/>
+          <p:cNvSpPr/>
+          <p:nvPr/>
+        </p:nvSpPr>
+        <p:spPr>
+          <a:xfrm>
+            <a:off x="3645024" y="3347864"/>
+            <a:ext cx="1008112" cy="288032"/>
+          </a:xfrm>
+          <a:prstGeom prst="rect">
+            <a:avLst/>
+          </a:prstGeom>
+          <a:solidFill>
+            <a:schemeClr val="bg1"/>
+          </a:solidFill>
+          <a:ln>
+            <a:noFill/>
+          </a:ln>
+        </p:spPr>
+        <p:style>
+          <a:lnRef idx="2">
+            <a:schemeClr val="accent1">
+              <a:shade val="50000"/>
+            </a:schemeClr>
+          </a:lnRef>
+          <a:fillRef idx="1">
+            <a:schemeClr val="accent1"/>
+          </a:fillRef>
+          <a:effectRef idx="0">
+            <a:schemeClr val="accent1"/>
+          </a:effectRef>
+          <a:fontRef idx="minor">
+            <a:schemeClr val="lt1"/>
+          </a:fontRef>
+        </p:style>
+        <p:txBody>
+          <a:bodyPr rtlCol="0" anchor="ctr"/>
+          <a:lstStyle/>
+          <a:p>
+            <a:pPr algn="ctr"/>
+            <a:r>
+              <a:rPr lang="en-GB" sz="1400" dirty="0" err="1" smtClean="0">
+                <a:solidFill>
+                  <a:schemeClr val="tx1"/>
+                </a:solidFill>
+              </a:rPr>
+              <a:t>Ei</a:t>
+            </a:r>
+            <a:r>
+              <a:rPr lang="en-GB" sz="1400" dirty="0" smtClean="0">
+                <a:solidFill>
+                  <a:schemeClr val="tx1"/>
+                </a:solidFill>
+              </a:rPr>
+              <a:t>=240+20</a:t>
+            </a:r>
+            <a:endParaRPr lang="en-GB" sz="1400" dirty="0">
+              <a:solidFill>
+                <a:schemeClr val="tx1"/>
+              </a:solidFill>
+            </a:endParaRPr>
+          </a:p>
+        </p:txBody>
+      </p:sp>
+      <p:pic>
+        <p:nvPicPr>
+          <p:cNvPr id="1040" name="Picture 16"/>
+          <p:cNvPicPr>
+            <a:picLocks noChangeAspect="1" noChangeArrowheads="1"/>
+          </p:cNvPicPr>
+          <p:nvPr/>
+        </p:nvPicPr>
+        <p:blipFill>
+          <a:blip r:embed="rId16" cstate="print">
+            <a:extLst>
+              <a:ext uri="{28A0092B-C50C-407E-A947-70E740481C1C}">
+                <a14:useLocalDpi xmlns:a14="http://schemas.microsoft.com/office/drawing/2010/main" val="0"/>
+              </a:ext>
+            </a:extLst>
+          </a:blip>
+          <a:srcRect/>
+          <a:stretch>
+            <a:fillRect/>
+          </a:stretch>
+        </p:blipFill>
+        <p:spPr bwMode="auto">
+          <a:xfrm>
+            <a:off x="3296894" y="4788024"/>
+            <a:ext cx="1920397" cy="1440000"/>
+          </a:xfrm>
+          <a:prstGeom prst="rect">
+            <a:avLst/>
+          </a:prstGeom>
+          <a:noFill/>
+          <a:ln>
+            <a:noFill/>
+          </a:ln>
+          <a:effectLst/>
+          <a:extLst>
+            <a:ext uri="{909E8E84-426E-40DD-AFC4-6F175D3DCCD1}">
+              <a14:hiddenFill xmlns:a14="http://schemas.microsoft.com/office/drawing/2010/main">
+                <a:solidFill>
+                  <a:schemeClr val="accent1"/>
+                </a:solidFill>
+              </a14:hiddenFill>
+            </a:ext>
+            <a:ext uri="{91240B29-F687-4F45-9708-019B960494DF}">
+              <a14:hiddenLine xmlns:a14="http://schemas.microsoft.com/office/drawing/2010/main" w="9525">
+                <a:solidFill>
+                  <a:schemeClr val="tx1"/>
+                </a:solidFill>
+                <a:miter lim="800000"/>
+                <a:headEnd/>
+                <a:tailEnd/>
+              </a14:hiddenLine>
+            </a:ext>
+            <a:ext uri="{AF507438-7753-43E0-B8FC-AC1667EBCBE1}">
+              <a14:hiddenEffects xmlns:a14="http://schemas.microsoft.com/office/drawing/2010/main">
+                <a:effectLst>
+                  <a:outerShdw dist="35921" dir="2700000" algn="ctr" rotWithShape="0">
+                    <a:schemeClr val="bg2"/>
+                  </a:outerShdw>
+                </a:effectLst>
+              </a14:hiddenEffects>
+            </a:ext>
+          </a:extLst>
+        </p:spPr>
+      </p:pic>
+      <p:sp>
+        <p:nvSpPr>
+          <p:cNvPr id="186" name="Rectangle 185"/>
+          <p:cNvSpPr/>
+          <p:nvPr/>
+        </p:nvSpPr>
+        <p:spPr>
+          <a:xfrm>
+            <a:off x="3717032" y="4716016"/>
+            <a:ext cx="1008112" cy="288032"/>
+          </a:xfrm>
+          <a:prstGeom prst="rect">
+            <a:avLst/>
+          </a:prstGeom>
+          <a:solidFill>
+            <a:schemeClr val="bg1"/>
+          </a:solidFill>
+          <a:ln>
+            <a:noFill/>
+          </a:ln>
+        </p:spPr>
+        <p:style>
+          <a:lnRef idx="2">
+            <a:schemeClr val="accent1">
+              <a:shade val="50000"/>
+            </a:schemeClr>
+          </a:lnRef>
+          <a:fillRef idx="1">
+            <a:schemeClr val="accent1"/>
+          </a:fillRef>
+          <a:effectRef idx="0">
+            <a:schemeClr val="accent1"/>
+          </a:effectRef>
+          <a:fontRef idx="minor">
+            <a:schemeClr val="lt1"/>
+          </a:fontRef>
+        </p:style>
+        <p:txBody>
+          <a:bodyPr rtlCol="0" anchor="ctr"/>
+          <a:lstStyle/>
+          <a:p>
+            <a:pPr algn="ctr"/>
+            <a:r>
+              <a:rPr lang="en-GB" sz="1400" dirty="0" err="1" smtClean="0">
+                <a:solidFill>
+                  <a:schemeClr val="tx1"/>
+                </a:solidFill>
+              </a:rPr>
+              <a:t>Ei</a:t>
+            </a:r>
+            <a:r>
+              <a:rPr lang="en-GB" sz="1400" dirty="0" smtClean="0">
+                <a:solidFill>
+                  <a:schemeClr val="tx1"/>
+                </a:solidFill>
+              </a:rPr>
+              <a:t>=260+20</a:t>
+            </a:r>
+            <a:endParaRPr lang="en-GB" sz="1400" dirty="0">
+              <a:solidFill>
+                <a:schemeClr val="tx1"/>
+              </a:solidFill>
+            </a:endParaRPr>
+          </a:p>
+        </p:txBody>
+      </p:sp>
+      <p:pic>
+        <p:nvPicPr>
+          <p:cNvPr id="1041" name="Picture 17"/>
+          <p:cNvPicPr>
+            <a:picLocks noChangeAspect="1" noChangeArrowheads="1"/>
+          </p:cNvPicPr>
+          <p:nvPr/>
+        </p:nvPicPr>
+        <p:blipFill>
+          <a:blip r:embed="rId17" cstate="print">
+            <a:extLst>
+              <a:ext uri="{28A0092B-C50C-407E-A947-70E740481C1C}">
+                <a14:useLocalDpi xmlns:a14="http://schemas.microsoft.com/office/drawing/2010/main" val="0"/>
+              </a:ext>
+            </a:extLst>
+          </a:blip>
+          <a:srcRect/>
+          <a:stretch>
+            <a:fillRect/>
+          </a:stretch>
+        </p:blipFill>
+        <p:spPr bwMode="auto">
+          <a:xfrm>
+            <a:off x="3296894" y="6192260"/>
+            <a:ext cx="1920397" cy="1440000"/>
+          </a:xfrm>
+          <a:prstGeom prst="rect">
+            <a:avLst/>
+          </a:prstGeom>
+          <a:noFill/>
+          <a:ln>
+            <a:noFill/>
+          </a:ln>
+          <a:effectLst/>
+          <a:extLst>
+            <a:ext uri="{909E8E84-426E-40DD-AFC4-6F175D3DCCD1}">
+              <a14:hiddenFill xmlns:a14="http://schemas.microsoft.com/office/drawing/2010/main">
+                <a:solidFill>
+                  <a:schemeClr val="accent1"/>
+                </a:solidFill>
+              </a14:hiddenFill>
+            </a:ext>
+            <a:ext uri="{91240B29-F687-4F45-9708-019B960494DF}">
+              <a14:hiddenLine xmlns:a14="http://schemas.microsoft.com/office/drawing/2010/main" w="9525">
+                <a:solidFill>
+                  <a:schemeClr val="tx1"/>
+                </a:solidFill>
+                <a:miter lim="800000"/>
+                <a:headEnd/>
+                <a:tailEnd/>
+              </a14:hiddenLine>
+            </a:ext>
+            <a:ext uri="{AF507438-7753-43E0-B8FC-AC1667EBCBE1}">
+              <a14:hiddenEffects xmlns:a14="http://schemas.microsoft.com/office/drawing/2010/main">
+                <a:effectLst>
+                  <a:outerShdw dist="35921" dir="2700000" algn="ctr" rotWithShape="0">
+                    <a:schemeClr val="bg2"/>
+                  </a:outerShdw>
+                </a:effectLst>
+              </a14:hiddenEffects>
+            </a:ext>
+          </a:extLst>
+        </p:spPr>
+      </p:pic>
+      <p:sp>
+        <p:nvSpPr>
+          <p:cNvPr id="188" name="Rectangle 187"/>
+          <p:cNvSpPr/>
+          <p:nvPr/>
+        </p:nvSpPr>
+        <p:spPr>
+          <a:xfrm>
+            <a:off x="3717032" y="6156176"/>
+            <a:ext cx="1008112" cy="288032"/>
+          </a:xfrm>
+          <a:prstGeom prst="rect">
+            <a:avLst/>
+          </a:prstGeom>
+          <a:solidFill>
+            <a:schemeClr val="bg1"/>
+          </a:solidFill>
+          <a:ln>
+            <a:noFill/>
+          </a:ln>
+        </p:spPr>
+        <p:style>
+          <a:lnRef idx="2">
+            <a:schemeClr val="accent1">
+              <a:shade val="50000"/>
+            </a:schemeClr>
+          </a:lnRef>
+          <a:fillRef idx="1">
+            <a:schemeClr val="accent1"/>
+          </a:fillRef>
+          <a:effectRef idx="0">
+            <a:schemeClr val="accent1"/>
+          </a:effectRef>
+          <a:fontRef idx="minor">
+            <a:schemeClr val="lt1"/>
+          </a:fontRef>
+        </p:style>
+        <p:txBody>
+          <a:bodyPr rtlCol="0" anchor="ctr"/>
+          <a:lstStyle/>
+          <a:p>
+            <a:pPr algn="ctr"/>
+            <a:r>
+              <a:rPr lang="en-GB" sz="1400" dirty="0" err="1" smtClean="0">
+                <a:solidFill>
+                  <a:schemeClr val="tx1"/>
+                </a:solidFill>
+              </a:rPr>
+              <a:t>Ei</a:t>
+            </a:r>
+            <a:r>
+              <a:rPr lang="en-GB" sz="1400" dirty="0" smtClean="0">
+                <a:solidFill>
+                  <a:schemeClr val="tx1"/>
+                </a:solidFill>
+              </a:rPr>
+              <a:t>=280+20</a:t>
+            </a:r>
+            <a:endParaRPr lang="en-GB" sz="1400" dirty="0">
+              <a:solidFill>
+                <a:schemeClr val="tx1"/>
+              </a:solidFill>
+            </a:endParaRPr>
+          </a:p>
+        </p:txBody>
+      </p:sp>
+      <p:cxnSp>
+        <p:nvCxnSpPr>
+          <p:cNvPr id="37" name="Straight Connector 36"/>
+          <p:cNvCxnSpPr/>
+          <p:nvPr/>
+        </p:nvCxnSpPr>
+        <p:spPr>
+          <a:xfrm>
+            <a:off x="4354781" y="1547664"/>
+            <a:ext cx="0" cy="5961424"/>
+          </a:xfrm>
+          <a:prstGeom prst="line">
+            <a:avLst/>
+          </a:prstGeom>
+          <a:ln>
+            <a:solidFill>
+              <a:srgbClr val="FF0000"/>
+            </a:solidFill>
+          </a:ln>
+        </p:spPr>
+        <p:style>
+          <a:lnRef idx="1">
+            <a:schemeClr val="accent1"/>
+          </a:lnRef>
+          <a:fillRef idx="0">
+            <a:schemeClr val="accent1"/>
+          </a:fillRef>
+          <a:effectRef idx="0">
+            <a:schemeClr val="accent1"/>
+          </a:effectRef>
+          <a:fontRef idx="minor">
+            <a:schemeClr val="tx1"/>
+          </a:fontRef>
+        </p:style>
+      </p:cxnSp>
+      <p:pic>
+        <p:nvPicPr>
+          <p:cNvPr id="1042" name="Picture 18"/>
+          <p:cNvPicPr>
+            <a:picLocks noChangeAspect="1" noChangeArrowheads="1"/>
+          </p:cNvPicPr>
+          <p:nvPr/>
+        </p:nvPicPr>
+        <p:blipFill>
+          <a:blip r:embed="rId18" cstate="print">
+            <a:extLst>
+              <a:ext uri="{28A0092B-C50C-407E-A947-70E740481C1C}">
+                <a14:useLocalDpi xmlns:a14="http://schemas.microsoft.com/office/drawing/2010/main" val="0"/>
+              </a:ext>
+            </a:extLst>
+          </a:blip>
+          <a:srcRect/>
+          <a:stretch>
+            <a:fillRect/>
+          </a:stretch>
+        </p:blipFill>
+        <p:spPr bwMode="auto">
+          <a:xfrm>
+            <a:off x="4941168" y="6192260"/>
+            <a:ext cx="1920397" cy="1440000"/>
+          </a:xfrm>
+          <a:prstGeom prst="rect">
+            <a:avLst/>
+          </a:prstGeom>
+          <a:noFill/>
+          <a:ln>
+            <a:noFill/>
+          </a:ln>
+          <a:effectLst/>
+          <a:extLst>
+            <a:ext uri="{909E8E84-426E-40DD-AFC4-6F175D3DCCD1}">
+              <a14:hiddenFill xmlns:a14="http://schemas.microsoft.com/office/drawing/2010/main">
+                <a:solidFill>
+                  <a:schemeClr val="accent1"/>
+                </a:solidFill>
+              </a14:hiddenFill>
+            </a:ext>
+            <a:ext uri="{91240B29-F687-4F45-9708-019B960494DF}">
+              <a14:hiddenLine xmlns:a14="http://schemas.microsoft.com/office/drawing/2010/main" w="9525">
+                <a:solidFill>
+                  <a:schemeClr val="tx1"/>
+                </a:solidFill>
+                <a:miter lim="800000"/>
+                <a:headEnd/>
+                <a:tailEnd/>
+              </a14:hiddenLine>
+            </a:ext>
+            <a:ext uri="{AF507438-7753-43E0-B8FC-AC1667EBCBE1}">
+              <a14:hiddenEffects xmlns:a14="http://schemas.microsoft.com/office/drawing/2010/main">
+                <a:effectLst>
+                  <a:outerShdw dist="35921" dir="2700000" algn="ctr" rotWithShape="0">
+                    <a:schemeClr val="bg2"/>
+                  </a:outerShdw>
+                </a:effectLst>
+              </a14:hiddenEffects>
+            </a:ext>
+          </a:extLst>
+        </p:spPr>
+      </p:pic>
+      <p:sp>
+        <p:nvSpPr>
+          <p:cNvPr id="193" name="Rectangle 192"/>
+          <p:cNvSpPr/>
+          <p:nvPr/>
+        </p:nvSpPr>
+        <p:spPr>
+          <a:xfrm>
+            <a:off x="5301208" y="5940152"/>
+            <a:ext cx="1008112" cy="288032"/>
+          </a:xfrm>
+          <a:prstGeom prst="rect">
+            <a:avLst/>
+          </a:prstGeom>
+          <a:solidFill>
+            <a:schemeClr val="bg1"/>
+          </a:solidFill>
+          <a:ln>
+            <a:noFill/>
+          </a:ln>
+        </p:spPr>
+        <p:style>
+          <a:lnRef idx="2">
+            <a:schemeClr val="accent1">
+              <a:shade val="50000"/>
+            </a:schemeClr>
+          </a:lnRef>
+          <a:fillRef idx="1">
+            <a:schemeClr val="accent1"/>
+          </a:fillRef>
+          <a:effectRef idx="0">
+            <a:schemeClr val="accent1"/>
+          </a:effectRef>
+          <a:fontRef idx="minor">
+            <a:schemeClr val="lt1"/>
+          </a:fontRef>
+        </p:style>
+        <p:txBody>
+          <a:bodyPr rtlCol="0" anchor="ctr"/>
+          <a:lstStyle/>
+          <a:p>
+            <a:pPr algn="ctr"/>
+            <a:r>
+              <a:rPr lang="en-GB" sz="1400" dirty="0" err="1" smtClean="0">
+                <a:solidFill>
+                  <a:schemeClr val="tx1"/>
+                </a:solidFill>
+              </a:rPr>
+              <a:t>Ei</a:t>
+            </a:r>
+            <a:r>
+              <a:rPr lang="en-GB" sz="1400" dirty="0" smtClean="0">
+                <a:solidFill>
+                  <a:schemeClr val="tx1"/>
+                </a:solidFill>
+              </a:rPr>
+              <a:t>=360+20</a:t>
+            </a:r>
+            <a:endParaRPr lang="en-GB" sz="1400" dirty="0">
+              <a:solidFill>
+                <a:schemeClr val="tx1"/>
+              </a:solidFill>
+            </a:endParaRPr>
+          </a:p>
+        </p:txBody>
+      </p:sp>
+      <p:cxnSp>
+        <p:nvCxnSpPr>
+          <p:cNvPr id="194" name="Straight Connector 193"/>
+          <p:cNvCxnSpPr/>
+          <p:nvPr/>
+        </p:nvCxnSpPr>
+        <p:spPr>
+          <a:xfrm>
+            <a:off x="6021288" y="6372200"/>
+            <a:ext cx="0" cy="1095360"/>
+          </a:xfrm>
+          <a:prstGeom prst="line">
+            <a:avLst/>
+          </a:prstGeom>
+          <a:ln>
+            <a:solidFill>
+              <a:srgbClr val="FF0000"/>
+            </a:solidFill>
+            <a:prstDash val="dash"/>
+          </a:ln>
+        </p:spPr>
+        <p:style>
+          <a:lnRef idx="1">
+            <a:schemeClr val="accent1"/>
+          </a:lnRef>
+          <a:fillRef idx="0">
+            <a:schemeClr val="accent1"/>
+          </a:fillRef>
+          <a:effectRef idx="0">
+            <a:schemeClr val="accent1"/>
+          </a:effectRef>
+          <a:fontRef idx="minor">
+            <a:schemeClr val="tx1"/>
+          </a:fontRef>
+        </p:style>
+      </p:cxnSp>
+      <p:cxnSp>
+        <p:nvCxnSpPr>
+          <p:cNvPr id="196" name="Straight Connector 195"/>
+          <p:cNvCxnSpPr/>
+          <p:nvPr/>
+        </p:nvCxnSpPr>
+        <p:spPr>
+          <a:xfrm>
+            <a:off x="3789040" y="6751512"/>
+            <a:ext cx="2384648" cy="0"/>
+          </a:xfrm>
+          <a:prstGeom prst="line">
+            <a:avLst/>
+          </a:prstGeom>
+          <a:ln>
+            <a:solidFill>
+              <a:srgbClr val="FF0000"/>
+            </a:solidFill>
+            <a:prstDash val="dash"/>
+          </a:ln>
+        </p:spPr>
+        <p:style>
+          <a:lnRef idx="1">
+            <a:schemeClr val="accent1"/>
+          </a:lnRef>
+          <a:fillRef idx="0">
+            <a:schemeClr val="accent1"/>
+          </a:fillRef>
+          <a:effectRef idx="0">
+            <a:schemeClr val="accent1"/>
+          </a:effectRef>
+          <a:fontRef idx="minor">
+            <a:schemeClr val="tx1"/>
+          </a:fontRef>
+        </p:style>
+      </p:cxnSp>
+      <p:cxnSp>
+        <p:nvCxnSpPr>
+          <p:cNvPr id="200" name="Straight Connector 199"/>
+          <p:cNvCxnSpPr/>
+          <p:nvPr/>
+        </p:nvCxnSpPr>
+        <p:spPr>
+          <a:xfrm>
+            <a:off x="3765416" y="7232486"/>
+            <a:ext cx="2384648" cy="0"/>
+          </a:xfrm>
+          <a:prstGeom prst="line">
+            <a:avLst/>
+          </a:prstGeom>
+          <a:ln>
+            <a:solidFill>
+              <a:srgbClr val="FF0000"/>
+            </a:solidFill>
+            <a:prstDash val="dash"/>
+          </a:ln>
+        </p:spPr>
+        <p:style>
+          <a:lnRef idx="1">
+            <a:schemeClr val="accent1"/>
+          </a:lnRef>
+          <a:fillRef idx="0">
+            <a:schemeClr val="accent1"/>
+          </a:fillRef>
+          <a:effectRef idx="0">
+            <a:schemeClr val="accent1"/>
+          </a:effectRef>
+          <a:fontRef idx="minor">
+            <a:schemeClr val="tx1"/>
+          </a:fontRef>
+        </p:style>
+      </p:cxnSp>
+    </p:spTree>
+    <p:extLst>
+      <p:ext uri="{BB962C8B-B14F-4D97-AF65-F5344CB8AC3E}">
+        <p14:creationId xmlns:p14="http://schemas.microsoft.com/office/powerpoint/2010/main" val="1433544730"/>
       </p:ext>
     </p:extLst>
   </p:cSld>

--- a/Jan2015/Summary2015.pptx
+++ b/Jan2015/Summary2015.pptx
@@ -291,7 +291,7 @@
           <a:p>
             <a:fld id="{103F0B6B-0F34-4B60-AA46-B717113E1AE3}" type="datetimeFigureOut">
               <a:rPr lang="en-GB" smtClean="0"/>
-              <a:t>02/01/2015</a:t>
+              <a:t>06/01/2015</a:t>
             </a:fld>
             <a:endParaRPr lang="en-GB"/>
           </a:p>
@@ -461,7 +461,7 @@
           <a:p>
             <a:fld id="{103F0B6B-0F34-4B60-AA46-B717113E1AE3}" type="datetimeFigureOut">
               <a:rPr lang="en-GB" smtClean="0"/>
-              <a:t>02/01/2015</a:t>
+              <a:t>06/01/2015</a:t>
             </a:fld>
             <a:endParaRPr lang="en-GB"/>
           </a:p>
@@ -641,7 +641,7 @@
           <a:p>
             <a:fld id="{103F0B6B-0F34-4B60-AA46-B717113E1AE3}" type="datetimeFigureOut">
               <a:rPr lang="en-GB" smtClean="0"/>
-              <a:t>02/01/2015</a:t>
+              <a:t>06/01/2015</a:t>
             </a:fld>
             <a:endParaRPr lang="en-GB"/>
           </a:p>
@@ -811,7 +811,7 @@
           <a:p>
             <a:fld id="{103F0B6B-0F34-4B60-AA46-B717113E1AE3}" type="datetimeFigureOut">
               <a:rPr lang="en-GB" smtClean="0"/>
-              <a:t>02/01/2015</a:t>
+              <a:t>06/01/2015</a:t>
             </a:fld>
             <a:endParaRPr lang="en-GB"/>
           </a:p>
@@ -1057,7 +1057,7 @@
           <a:p>
             <a:fld id="{103F0B6B-0F34-4B60-AA46-B717113E1AE3}" type="datetimeFigureOut">
               <a:rPr lang="en-GB" smtClean="0"/>
-              <a:t>02/01/2015</a:t>
+              <a:t>06/01/2015</a:t>
             </a:fld>
             <a:endParaRPr lang="en-GB"/>
           </a:p>
@@ -1345,7 +1345,7 @@
           <a:p>
             <a:fld id="{103F0B6B-0F34-4B60-AA46-B717113E1AE3}" type="datetimeFigureOut">
               <a:rPr lang="en-GB" smtClean="0"/>
-              <a:t>02/01/2015</a:t>
+              <a:t>06/01/2015</a:t>
             </a:fld>
             <a:endParaRPr lang="en-GB"/>
           </a:p>
@@ -1767,7 +1767,7 @@
           <a:p>
             <a:fld id="{103F0B6B-0F34-4B60-AA46-B717113E1AE3}" type="datetimeFigureOut">
               <a:rPr lang="en-GB" smtClean="0"/>
-              <a:t>02/01/2015</a:t>
+              <a:t>06/01/2015</a:t>
             </a:fld>
             <a:endParaRPr lang="en-GB"/>
           </a:p>
@@ -1885,7 +1885,7 @@
           <a:p>
             <a:fld id="{103F0B6B-0F34-4B60-AA46-B717113E1AE3}" type="datetimeFigureOut">
               <a:rPr lang="en-GB" smtClean="0"/>
-              <a:t>02/01/2015</a:t>
+              <a:t>06/01/2015</a:t>
             </a:fld>
             <a:endParaRPr lang="en-GB"/>
           </a:p>
@@ -1980,7 +1980,7 @@
           <a:p>
             <a:fld id="{103F0B6B-0F34-4B60-AA46-B717113E1AE3}" type="datetimeFigureOut">
               <a:rPr lang="en-GB" smtClean="0"/>
-              <a:t>02/01/2015</a:t>
+              <a:t>06/01/2015</a:t>
             </a:fld>
             <a:endParaRPr lang="en-GB"/>
           </a:p>
@@ -2257,7 +2257,7 @@
           <a:p>
             <a:fld id="{103F0B6B-0F34-4B60-AA46-B717113E1AE3}" type="datetimeFigureOut">
               <a:rPr lang="en-GB" smtClean="0"/>
-              <a:t>02/01/2015</a:t>
+              <a:t>06/01/2015</a:t>
             </a:fld>
             <a:endParaRPr lang="en-GB"/>
           </a:p>
@@ -2510,7 +2510,7 @@
           <a:p>
             <a:fld id="{103F0B6B-0F34-4B60-AA46-B717113E1AE3}" type="datetimeFigureOut">
               <a:rPr lang="en-GB" smtClean="0"/>
-              <a:t>02/01/2015</a:t>
+              <a:t>06/01/2015</a:t>
             </a:fld>
             <a:endParaRPr lang="en-GB"/>
           </a:p>
@@ -2723,7 +2723,7 @@
           <a:p>
             <a:fld id="{103F0B6B-0F34-4B60-AA46-B717113E1AE3}" type="datetimeFigureOut">
               <a:rPr lang="en-GB" smtClean="0"/>
-              <a:t>02/01/2015</a:t>
+              <a:t>06/01/2015</a:t>
             </a:fld>
             <a:endParaRPr lang="en-GB"/>
           </a:p>
@@ -6975,7 +6975,7 @@
       </p:grpSpPr>
       <p:pic>
         <p:nvPicPr>
-          <p:cNvPr id="1026" name="Picture 2"/>
+          <p:cNvPr id="1039" name="Picture 15"/>
           <p:cNvPicPr>
             <a:picLocks noChangeAspect="1" noChangeArrowheads="1"/>
           </p:cNvPicPr>
@@ -6996,7 +6996,7 @@
         </p:blipFill>
         <p:spPr bwMode="auto">
           <a:xfrm>
-            <a:off x="-724" y="467544"/>
+            <a:off x="3296894" y="3347864"/>
             <a:ext cx="1920397" cy="1440000"/>
           </a:xfrm>
           <a:prstGeom prst="rect">
@@ -7039,7 +7039,7 @@
       </p:pic>
       <p:pic>
         <p:nvPicPr>
-          <p:cNvPr id="1027" name="Picture 3"/>
+          <p:cNvPr id="1045" name="Picture 21"/>
           <p:cNvPicPr>
             <a:picLocks noChangeAspect="1" noChangeArrowheads="1"/>
           </p:cNvPicPr>
@@ -7060,8 +7060,8 @@
         </p:blipFill>
         <p:spPr bwMode="auto">
           <a:xfrm>
-            <a:off x="3670" y="1907864"/>
-            <a:ext cx="1924374" cy="1440000"/>
+            <a:off x="4941168" y="3420032"/>
+            <a:ext cx="1920397" cy="1440000"/>
           </a:xfrm>
           <a:prstGeom prst="rect">
             <a:avLst/>
@@ -7103,7 +7103,7 @@
       </p:pic>
       <p:pic>
         <p:nvPicPr>
-          <p:cNvPr id="1028" name="Picture 4"/>
+          <p:cNvPr id="1026" name="Picture 2"/>
           <p:cNvPicPr>
             <a:picLocks noChangeAspect="1" noChangeArrowheads="1"/>
           </p:cNvPicPr>
@@ -7124,7 +7124,7 @@
         </p:blipFill>
         <p:spPr bwMode="auto">
           <a:xfrm>
-            <a:off x="5659" y="4788184"/>
+            <a:off x="25285" y="467864"/>
             <a:ext cx="1920397" cy="1440000"/>
           </a:xfrm>
           <a:prstGeom prst="rect">
@@ -7167,7 +7167,7 @@
       </p:pic>
       <p:pic>
         <p:nvPicPr>
-          <p:cNvPr id="1029" name="Picture 5"/>
+          <p:cNvPr id="1027" name="Picture 3"/>
           <p:cNvPicPr>
             <a:picLocks noChangeAspect="1" noChangeArrowheads="1"/>
           </p:cNvPicPr>
@@ -7188,8 +7188,8 @@
         </p:blipFill>
         <p:spPr bwMode="auto">
           <a:xfrm>
-            <a:off x="5659" y="3348024"/>
-            <a:ext cx="1920397" cy="1440000"/>
+            <a:off x="3670" y="1907864"/>
+            <a:ext cx="1924374" cy="1440000"/>
           </a:xfrm>
           <a:prstGeom prst="rect">
             <a:avLst/>
@@ -7231,7 +7231,7 @@
       </p:pic>
       <p:pic>
         <p:nvPicPr>
-          <p:cNvPr id="1030" name="Picture 6"/>
+          <p:cNvPr id="1028" name="Picture 4"/>
           <p:cNvPicPr>
             <a:picLocks noChangeAspect="1" noChangeArrowheads="1"/>
           </p:cNvPicPr>
@@ -7252,7 +7252,7 @@
         </p:blipFill>
         <p:spPr bwMode="auto">
           <a:xfrm>
-            <a:off x="1628800" y="467544"/>
+            <a:off x="5659" y="4788184"/>
             <a:ext cx="1920397" cy="1440000"/>
           </a:xfrm>
           <a:prstGeom prst="rect">
@@ -7295,7 +7295,7 @@
       </p:pic>
       <p:pic>
         <p:nvPicPr>
-          <p:cNvPr id="1031" name="Picture 7"/>
+          <p:cNvPr id="1029" name="Picture 5"/>
           <p:cNvPicPr>
             <a:picLocks noChangeAspect="1" noChangeArrowheads="1"/>
           </p:cNvPicPr>
@@ -7316,7 +7316,7 @@
         </p:blipFill>
         <p:spPr bwMode="auto">
           <a:xfrm>
-            <a:off x="1628800" y="1907864"/>
+            <a:off x="5659" y="3348024"/>
             <a:ext cx="1920397" cy="1440000"/>
           </a:xfrm>
           <a:prstGeom prst="rect">
@@ -7359,7 +7359,7 @@
       </p:pic>
       <p:pic>
         <p:nvPicPr>
-          <p:cNvPr id="1032" name="Picture 8"/>
+          <p:cNvPr id="1030" name="Picture 6"/>
           <p:cNvPicPr>
             <a:picLocks noChangeAspect="1" noChangeArrowheads="1"/>
           </p:cNvPicPr>
@@ -7380,7 +7380,7 @@
         </p:blipFill>
         <p:spPr bwMode="auto">
           <a:xfrm>
-            <a:off x="1628800" y="3325788"/>
+            <a:off x="1628800" y="467544"/>
             <a:ext cx="1920397" cy="1440000"/>
           </a:xfrm>
           <a:prstGeom prst="rect">
@@ -7423,7 +7423,7 @@
       </p:pic>
       <p:pic>
         <p:nvPicPr>
-          <p:cNvPr id="1033" name="Picture 9"/>
+          <p:cNvPr id="1031" name="Picture 7"/>
           <p:cNvPicPr>
             <a:picLocks noChangeAspect="1" noChangeArrowheads="1"/>
           </p:cNvPicPr>
@@ -7444,7 +7444,7 @@
         </p:blipFill>
         <p:spPr bwMode="auto">
           <a:xfrm>
-            <a:off x="1628800" y="4788184"/>
+            <a:off x="1628800" y="1907864"/>
             <a:ext cx="1920397" cy="1440000"/>
           </a:xfrm>
           <a:prstGeom prst="rect">
@@ -7487,7 +7487,7 @@
       </p:pic>
       <p:pic>
         <p:nvPicPr>
-          <p:cNvPr id="1034" name="Picture 10"/>
+          <p:cNvPr id="1032" name="Picture 8"/>
           <p:cNvPicPr>
             <a:picLocks noChangeAspect="1" noChangeArrowheads="1"/>
           </p:cNvPicPr>
@@ -7508,7 +7508,7 @@
         </p:blipFill>
         <p:spPr bwMode="auto">
           <a:xfrm>
-            <a:off x="1628800" y="6228344"/>
+            <a:off x="1628800" y="3325788"/>
             <a:ext cx="1920397" cy="1440000"/>
           </a:xfrm>
           <a:prstGeom prst="rect">
@@ -7549,6 +7549,134 @@
           </a:extLst>
         </p:spPr>
       </p:pic>
+      <p:pic>
+        <p:nvPicPr>
+          <p:cNvPr id="1033" name="Picture 9"/>
+          <p:cNvPicPr>
+            <a:picLocks noChangeAspect="1" noChangeArrowheads="1"/>
+          </p:cNvPicPr>
+          <p:nvPr/>
+        </p:nvPicPr>
+        <p:blipFill>
+          <a:blip r:embed="rId11" cstate="print">
+            <a:extLst>
+              <a:ext uri="{28A0092B-C50C-407E-A947-70E740481C1C}">
+                <a14:useLocalDpi xmlns:a14="http://schemas.microsoft.com/office/drawing/2010/main" val="0"/>
+              </a:ext>
+            </a:extLst>
+          </a:blip>
+          <a:srcRect/>
+          <a:stretch>
+            <a:fillRect/>
+          </a:stretch>
+        </p:blipFill>
+        <p:spPr bwMode="auto">
+          <a:xfrm>
+            <a:off x="1628800" y="4788184"/>
+            <a:ext cx="1920397" cy="1440000"/>
+          </a:xfrm>
+          <a:prstGeom prst="rect">
+            <a:avLst/>
+          </a:prstGeom>
+          <a:noFill/>
+          <a:ln>
+            <a:noFill/>
+          </a:ln>
+          <a:effectLst/>
+          <a:extLst>
+            <a:ext uri="{909E8E84-426E-40DD-AFC4-6F175D3DCCD1}">
+              <a14:hiddenFill xmlns:a14="http://schemas.microsoft.com/office/drawing/2010/main">
+                <a:solidFill>
+                  <a:schemeClr val="accent1"/>
+                </a:solidFill>
+              </a14:hiddenFill>
+            </a:ext>
+            <a:ext uri="{91240B29-F687-4F45-9708-019B960494DF}">
+              <a14:hiddenLine xmlns:a14="http://schemas.microsoft.com/office/drawing/2010/main" w="9525">
+                <a:solidFill>
+                  <a:schemeClr val="tx1"/>
+                </a:solidFill>
+                <a:miter lim="800000"/>
+                <a:headEnd/>
+                <a:tailEnd/>
+              </a14:hiddenLine>
+            </a:ext>
+            <a:ext uri="{AF507438-7753-43E0-B8FC-AC1667EBCBE1}">
+              <a14:hiddenEffects xmlns:a14="http://schemas.microsoft.com/office/drawing/2010/main">
+                <a:effectLst>
+                  <a:outerShdw dist="35921" dir="2700000" algn="ctr" rotWithShape="0">
+                    <a:schemeClr val="bg2"/>
+                  </a:outerShdw>
+                </a:effectLst>
+              </a14:hiddenEffects>
+            </a:ext>
+          </a:extLst>
+        </p:spPr>
+      </p:pic>
+      <p:pic>
+        <p:nvPicPr>
+          <p:cNvPr id="1034" name="Picture 10"/>
+          <p:cNvPicPr>
+            <a:picLocks noChangeAspect="1" noChangeArrowheads="1"/>
+          </p:cNvPicPr>
+          <p:nvPr/>
+        </p:nvPicPr>
+        <p:blipFill>
+          <a:blip r:embed="rId12" cstate="print">
+            <a:extLst>
+              <a:ext uri="{28A0092B-C50C-407E-A947-70E740481C1C}">
+                <a14:useLocalDpi xmlns:a14="http://schemas.microsoft.com/office/drawing/2010/main" val="0"/>
+              </a:ext>
+            </a:extLst>
+          </a:blip>
+          <a:srcRect/>
+          <a:stretch>
+            <a:fillRect/>
+          </a:stretch>
+        </p:blipFill>
+        <p:spPr bwMode="auto">
+          <a:xfrm>
+            <a:off x="1628800" y="6228344"/>
+            <a:ext cx="1920397" cy="1440000"/>
+          </a:xfrm>
+          <a:prstGeom prst="rect">
+            <a:avLst/>
+          </a:prstGeom>
+          <a:noFill/>
+          <a:ln>
+            <a:noFill/>
+          </a:ln>
+          <a:effectLst/>
+          <a:extLst>
+            <a:ext uri="{909E8E84-426E-40DD-AFC4-6F175D3DCCD1}">
+              <a14:hiddenFill xmlns:a14="http://schemas.microsoft.com/office/drawing/2010/main">
+                <a:solidFill>
+                  <a:schemeClr val="accent1"/>
+                </a:solidFill>
+              </a14:hiddenFill>
+            </a:ext>
+            <a:ext uri="{91240B29-F687-4F45-9708-019B960494DF}">
+              <a14:hiddenLine xmlns:a14="http://schemas.microsoft.com/office/drawing/2010/main" w="9525">
+                <a:solidFill>
+                  <a:schemeClr val="tx1"/>
+                </a:solidFill>
+                <a:miter lim="800000"/>
+                <a:headEnd/>
+                <a:tailEnd/>
+              </a14:hiddenLine>
+            </a:ext>
+            <a:ext uri="{AF507438-7753-43E0-B8FC-AC1667EBCBE1}">
+              <a14:hiddenEffects xmlns:a14="http://schemas.microsoft.com/office/drawing/2010/main">
+                <a:effectLst>
+                  <a:outerShdw dist="35921" dir="2700000" algn="ctr" rotWithShape="0">
+                    <a:schemeClr val="bg2"/>
+                  </a:outerShdw>
+                </a:effectLst>
+              </a14:hiddenEffects>
+            </a:ext>
+          </a:extLst>
+        </p:spPr>
+      </p:pic>
       <p:sp>
         <p:nvSpPr>
           <p:cNvPr id="2" name="Title 1"/>
@@ -7561,7 +7689,7 @@
         </p:nvSpPr>
         <p:spPr>
           <a:xfrm>
-            <a:off x="188640" y="-108520"/>
+            <a:off x="869097" y="-199524"/>
             <a:ext cx="6172200" cy="667068"/>
           </a:xfrm>
         </p:spPr>
@@ -7635,7 +7763,7 @@
                   <a:schemeClr val="tx1"/>
                 </a:solidFill>
               </a:rPr>
-              <a:t>Ei</a:t>
+              <a:t>dE</a:t>
             </a:r>
             <a:r>
               <a:rPr lang="en-GB" sz="1400" dirty="0" smtClean="0">
@@ -7661,7 +7789,7 @@
         </p:nvSpPr>
         <p:spPr>
           <a:xfrm>
-            <a:off x="1988840" y="467544"/>
+            <a:off x="1977410" y="394450"/>
             <a:ext cx="1008112" cy="288032"/>
           </a:xfrm>
           <a:prstGeom prst="rect">
@@ -7701,7 +7829,7 @@
                   <a:schemeClr val="tx1"/>
                 </a:solidFill>
               </a:rPr>
-              <a:t>Ei</a:t>
+              <a:t>dE</a:t>
             </a:r>
             <a:r>
               <a:rPr lang="en-GB" sz="1400" dirty="0" smtClean="0">
@@ -7767,7 +7895,7 @@
                   <a:schemeClr val="tx1"/>
                 </a:solidFill>
               </a:rPr>
-              <a:t>Ei</a:t>
+              <a:t>dE</a:t>
             </a:r>
             <a:r>
               <a:rPr lang="en-GB" sz="1400" dirty="0" smtClean="0">
@@ -7833,7 +7961,7 @@
                   <a:schemeClr val="tx1"/>
                 </a:solidFill>
               </a:rPr>
-              <a:t>Ei</a:t>
+              <a:t>dE</a:t>
             </a:r>
             <a:r>
               <a:rPr lang="en-GB" sz="1400" dirty="0" smtClean="0">
@@ -7899,7 +8027,7 @@
                   <a:schemeClr val="tx1"/>
                 </a:solidFill>
               </a:rPr>
-              <a:t>Ei</a:t>
+              <a:t>dE</a:t>
             </a:r>
             <a:r>
               <a:rPr lang="en-GB" sz="1400" dirty="0" smtClean="0">
@@ -7965,7 +8093,7 @@
                   <a:schemeClr val="tx1"/>
                 </a:solidFill>
               </a:rPr>
-              <a:t>Ei</a:t>
+              <a:t>dE</a:t>
             </a:r>
             <a:r>
               <a:rPr lang="en-GB" sz="1400" dirty="0" smtClean="0">
@@ -8031,7 +8159,7 @@
                   <a:schemeClr val="tx1"/>
                 </a:solidFill>
               </a:rPr>
-              <a:t>Ei</a:t>
+              <a:t>dE</a:t>
             </a:r>
             <a:r>
               <a:rPr lang="en-GB" sz="1400" dirty="0" smtClean="0">
@@ -8097,7 +8225,7 @@
                   <a:schemeClr val="tx1"/>
                 </a:solidFill>
               </a:rPr>
-              <a:t>Ei</a:t>
+              <a:t>dE</a:t>
             </a:r>
             <a:r>
               <a:rPr lang="en-GB" sz="1400" dirty="0" smtClean="0">
@@ -8163,7 +8291,7 @@
                   <a:schemeClr val="tx1"/>
                 </a:solidFill>
               </a:rPr>
-              <a:t>Ei</a:t>
+              <a:t>dE</a:t>
             </a:r>
             <a:r>
               <a:rPr lang="en-GB" sz="1400" dirty="0" smtClean="0">
@@ -9884,7 +10012,7 @@
             <p:nvPr/>
           </p:nvPicPr>
           <p:blipFill>
-            <a:blip r:embed="rId11" cstate="print">
+            <a:blip r:embed="rId13" cstate="print">
               <a:extLst>
                 <a:ext uri="{28A0092B-C50C-407E-A947-70E740481C1C}">
                   <a14:useLocalDpi xmlns:a14="http://schemas.microsoft.com/office/drawing/2010/main" val="0"/>
@@ -9987,7 +10115,7 @@
                     <a:schemeClr val="tx1"/>
                   </a:solidFill>
                 </a:rPr>
-                <a:t>Ei</a:t>
+                <a:t>dE</a:t>
               </a:r>
               <a:r>
                 <a:rPr lang="en-GB" sz="1400" dirty="0" smtClean="0">
@@ -10368,7 +10496,7 @@
             <p:nvPr/>
           </p:nvPicPr>
           <p:blipFill>
-            <a:blip r:embed="rId12" cstate="print">
+            <a:blip r:embed="rId14" cstate="print">
               <a:extLst>
                 <a:ext uri="{28A0092B-C50C-407E-A947-70E740481C1C}">
                   <a14:useLocalDpi xmlns:a14="http://schemas.microsoft.com/office/drawing/2010/main" val="0"/>
@@ -10471,7 +10599,7 @@
                     <a:schemeClr val="tx1"/>
                   </a:solidFill>
                 </a:rPr>
-                <a:t>Ei</a:t>
+                <a:t>dE</a:t>
               </a:r>
               <a:r>
                 <a:rPr lang="en-GB" sz="1400" dirty="0" smtClean="0">
@@ -10867,7 +10995,7 @@
             <p:nvPr/>
           </p:nvPicPr>
           <p:blipFill>
-            <a:blip r:embed="rId13" cstate="print">
+            <a:blip r:embed="rId15" cstate="print">
               <a:extLst>
                 <a:ext uri="{28A0092B-C50C-407E-A947-70E740481C1C}">
                   <a14:useLocalDpi xmlns:a14="http://schemas.microsoft.com/office/drawing/2010/main" val="0"/>
@@ -10970,7 +11098,7 @@
                     <a:schemeClr val="tx1"/>
                   </a:solidFill>
                 </a:rPr>
-                <a:t>Ei</a:t>
+                <a:t>dE</a:t>
               </a:r>
               <a:r>
                 <a:rPr lang="en-GB" sz="1400" dirty="0" smtClean="0">
@@ -12753,7 +12881,7 @@
           <p:nvPr/>
         </p:nvPicPr>
         <p:blipFill>
-          <a:blip r:embed="rId14" cstate="print">
+          <a:blip r:embed="rId16" cstate="print">
             <a:extLst>
               <a:ext uri="{28A0092B-C50C-407E-A947-70E740481C1C}">
                 <a14:useLocalDpi xmlns:a14="http://schemas.microsoft.com/office/drawing/2010/main" val="0"/>
@@ -12816,7 +12944,7 @@
         </p:nvSpPr>
         <p:spPr>
           <a:xfrm>
-            <a:off x="3717032" y="1745164"/>
+            <a:off x="3717032" y="1619672"/>
             <a:ext cx="1008112" cy="288032"/>
           </a:xfrm>
           <a:prstGeom prst="rect">
@@ -12856,7 +12984,7 @@
                   <a:schemeClr val="tx1"/>
                 </a:solidFill>
               </a:rPr>
-              <a:t>Ei</a:t>
+              <a:t>dE</a:t>
             </a:r>
             <a:r>
               <a:rPr lang="en-GB" sz="1400" dirty="0" smtClean="0">
@@ -12874,70 +13002,6 @@
           </a:p>
         </p:txBody>
       </p:sp>
-      <p:pic>
-        <p:nvPicPr>
-          <p:cNvPr id="1039" name="Picture 15"/>
-          <p:cNvPicPr>
-            <a:picLocks noChangeAspect="1" noChangeArrowheads="1"/>
-          </p:cNvPicPr>
-          <p:nvPr/>
-        </p:nvPicPr>
-        <p:blipFill>
-          <a:blip r:embed="rId15" cstate="print">
-            <a:extLst>
-              <a:ext uri="{28A0092B-C50C-407E-A947-70E740481C1C}">
-                <a14:useLocalDpi xmlns:a14="http://schemas.microsoft.com/office/drawing/2010/main" val="0"/>
-              </a:ext>
-            </a:extLst>
-          </a:blip>
-          <a:srcRect/>
-          <a:stretch>
-            <a:fillRect/>
-          </a:stretch>
-        </p:blipFill>
-        <p:spPr bwMode="auto">
-          <a:xfrm>
-            <a:off x="3296894" y="3347864"/>
-            <a:ext cx="1920397" cy="1440000"/>
-          </a:xfrm>
-          <a:prstGeom prst="rect">
-            <a:avLst/>
-          </a:prstGeom>
-          <a:noFill/>
-          <a:ln>
-            <a:noFill/>
-          </a:ln>
-          <a:effectLst/>
-          <a:extLst>
-            <a:ext uri="{909E8E84-426E-40DD-AFC4-6F175D3DCCD1}">
-              <a14:hiddenFill xmlns:a14="http://schemas.microsoft.com/office/drawing/2010/main">
-                <a:solidFill>
-                  <a:schemeClr val="accent1"/>
-                </a:solidFill>
-              </a14:hiddenFill>
-            </a:ext>
-            <a:ext uri="{91240B29-F687-4F45-9708-019B960494DF}">
-              <a14:hiddenLine xmlns:a14="http://schemas.microsoft.com/office/drawing/2010/main" w="9525">
-                <a:solidFill>
-                  <a:schemeClr val="tx1"/>
-                </a:solidFill>
-                <a:miter lim="800000"/>
-                <a:headEnd/>
-                <a:tailEnd/>
-              </a14:hiddenLine>
-            </a:ext>
-            <a:ext uri="{AF507438-7753-43E0-B8FC-AC1667EBCBE1}">
-              <a14:hiddenEffects xmlns:a14="http://schemas.microsoft.com/office/drawing/2010/main">
-                <a:effectLst>
-                  <a:outerShdw dist="35921" dir="2700000" algn="ctr" rotWithShape="0">
-                    <a:schemeClr val="bg2"/>
-                  </a:outerShdw>
-                </a:effectLst>
-              </a14:hiddenEffects>
-            </a:ext>
-          </a:extLst>
-        </p:spPr>
-      </p:pic>
       <p:sp>
         <p:nvSpPr>
           <p:cNvPr id="184" name="Rectangle 183"/>
@@ -12986,7 +13050,7 @@
                   <a:schemeClr val="tx1"/>
                 </a:solidFill>
               </a:rPr>
-              <a:t>Ei</a:t>
+              <a:t>dE</a:t>
             </a:r>
             <a:r>
               <a:rPr lang="en-GB" sz="1400" dirty="0" smtClean="0">
@@ -13007,136 +13071,6 @@
       <p:pic>
         <p:nvPicPr>
           <p:cNvPr id="1040" name="Picture 16"/>
-          <p:cNvPicPr>
-            <a:picLocks noChangeAspect="1" noChangeArrowheads="1"/>
-          </p:cNvPicPr>
-          <p:nvPr/>
-        </p:nvPicPr>
-        <p:blipFill>
-          <a:blip r:embed="rId16" cstate="print">
-            <a:extLst>
-              <a:ext uri="{28A0092B-C50C-407E-A947-70E740481C1C}">
-                <a14:useLocalDpi xmlns:a14="http://schemas.microsoft.com/office/drawing/2010/main" val="0"/>
-              </a:ext>
-            </a:extLst>
-          </a:blip>
-          <a:srcRect/>
-          <a:stretch>
-            <a:fillRect/>
-          </a:stretch>
-        </p:blipFill>
-        <p:spPr bwMode="auto">
-          <a:xfrm>
-            <a:off x="3296894" y="4788024"/>
-            <a:ext cx="1920397" cy="1440000"/>
-          </a:xfrm>
-          <a:prstGeom prst="rect">
-            <a:avLst/>
-          </a:prstGeom>
-          <a:noFill/>
-          <a:ln>
-            <a:noFill/>
-          </a:ln>
-          <a:effectLst/>
-          <a:extLst>
-            <a:ext uri="{909E8E84-426E-40DD-AFC4-6F175D3DCCD1}">
-              <a14:hiddenFill xmlns:a14="http://schemas.microsoft.com/office/drawing/2010/main">
-                <a:solidFill>
-                  <a:schemeClr val="accent1"/>
-                </a:solidFill>
-              </a14:hiddenFill>
-            </a:ext>
-            <a:ext uri="{91240B29-F687-4F45-9708-019B960494DF}">
-              <a14:hiddenLine xmlns:a14="http://schemas.microsoft.com/office/drawing/2010/main" w="9525">
-                <a:solidFill>
-                  <a:schemeClr val="tx1"/>
-                </a:solidFill>
-                <a:miter lim="800000"/>
-                <a:headEnd/>
-                <a:tailEnd/>
-              </a14:hiddenLine>
-            </a:ext>
-            <a:ext uri="{AF507438-7753-43E0-B8FC-AC1667EBCBE1}">
-              <a14:hiddenEffects xmlns:a14="http://schemas.microsoft.com/office/drawing/2010/main">
-                <a:effectLst>
-                  <a:outerShdw dist="35921" dir="2700000" algn="ctr" rotWithShape="0">
-                    <a:schemeClr val="bg2"/>
-                  </a:outerShdw>
-                </a:effectLst>
-              </a14:hiddenEffects>
-            </a:ext>
-          </a:extLst>
-        </p:spPr>
-      </p:pic>
-      <p:sp>
-        <p:nvSpPr>
-          <p:cNvPr id="186" name="Rectangle 185"/>
-          <p:cNvSpPr/>
-          <p:nvPr/>
-        </p:nvSpPr>
-        <p:spPr>
-          <a:xfrm>
-            <a:off x="3717032" y="4716016"/>
-            <a:ext cx="1008112" cy="288032"/>
-          </a:xfrm>
-          <a:prstGeom prst="rect">
-            <a:avLst/>
-          </a:prstGeom>
-          <a:solidFill>
-            <a:schemeClr val="bg1"/>
-          </a:solidFill>
-          <a:ln>
-            <a:noFill/>
-          </a:ln>
-        </p:spPr>
-        <p:style>
-          <a:lnRef idx="2">
-            <a:schemeClr val="accent1">
-              <a:shade val="50000"/>
-            </a:schemeClr>
-          </a:lnRef>
-          <a:fillRef idx="1">
-            <a:schemeClr val="accent1"/>
-          </a:fillRef>
-          <a:effectRef idx="0">
-            <a:schemeClr val="accent1"/>
-          </a:effectRef>
-          <a:fontRef idx="minor">
-            <a:schemeClr val="lt1"/>
-          </a:fontRef>
-        </p:style>
-        <p:txBody>
-          <a:bodyPr rtlCol="0" anchor="ctr"/>
-          <a:lstStyle/>
-          <a:p>
-            <a:pPr algn="ctr"/>
-            <a:r>
-              <a:rPr lang="en-GB" sz="1400" dirty="0" err="1" smtClean="0">
-                <a:solidFill>
-                  <a:schemeClr val="tx1"/>
-                </a:solidFill>
-              </a:rPr>
-              <a:t>Ei</a:t>
-            </a:r>
-            <a:r>
-              <a:rPr lang="en-GB" sz="1400" dirty="0" smtClean="0">
-                <a:solidFill>
-                  <a:schemeClr val="tx1"/>
-                </a:solidFill>
-              </a:rPr>
-              <a:t>=260+20</a:t>
-            </a:r>
-            <a:endParaRPr lang="en-GB" sz="1400" dirty="0">
-              <a:solidFill>
-                <a:schemeClr val="tx1"/>
-              </a:solidFill>
-            </a:endParaRPr>
-          </a:p>
-        </p:txBody>
-      </p:sp>
-      <p:pic>
-        <p:nvPicPr>
-          <p:cNvPr id="1041" name="Picture 17"/>
           <p:cNvPicPr>
             <a:picLocks noChangeAspect="1" noChangeArrowheads="1"/>
           </p:cNvPicPr>
@@ -13157,7 +13091,7 @@
         </p:blipFill>
         <p:spPr bwMode="auto">
           <a:xfrm>
-            <a:off x="3296894" y="6192260"/>
+            <a:off x="3296894" y="4788024"/>
             <a:ext cx="1920397" cy="1440000"/>
           </a:xfrm>
           <a:prstGeom prst="rect">
@@ -13200,13 +13134,13 @@
       </p:pic>
       <p:sp>
         <p:nvSpPr>
-          <p:cNvPr id="188" name="Rectangle 187"/>
+          <p:cNvPr id="186" name="Rectangle 185"/>
           <p:cNvSpPr/>
           <p:nvPr/>
         </p:nvSpPr>
         <p:spPr>
           <a:xfrm>
-            <a:off x="3717032" y="6156176"/>
+            <a:off x="3717032" y="4716016"/>
             <a:ext cx="1008112" cy="288032"/>
           </a:xfrm>
           <a:prstGeom prst="rect">
@@ -13246,7 +13180,7 @@
                   <a:schemeClr val="tx1"/>
                 </a:solidFill>
               </a:rPr>
-              <a:t>Ei</a:t>
+              <a:t>dE</a:t>
             </a:r>
             <a:r>
               <a:rPr lang="en-GB" sz="1400" dirty="0" smtClean="0">
@@ -13254,7 +13188,7 @@
                   <a:schemeClr val="tx1"/>
                 </a:solidFill>
               </a:rPr>
-              <a:t>=280+20</a:t>
+              <a:t>=260+20</a:t>
             </a:r>
             <a:endParaRPr lang="en-GB" sz="1400" dirty="0">
               <a:solidFill>
@@ -13264,44 +13198,9 @@
           </a:p>
         </p:txBody>
       </p:sp>
-      <p:cxnSp>
-        <p:nvCxnSpPr>
-          <p:cNvPr id="37" name="Straight Connector 36"/>
-          <p:cNvCxnSpPr/>
-          <p:nvPr/>
-        </p:nvCxnSpPr>
-        <p:spPr>
-          <a:xfrm>
-            <a:off x="4354781" y="1547664"/>
-            <a:ext cx="0" cy="5961424"/>
-          </a:xfrm>
-          <a:prstGeom prst="line">
-            <a:avLst/>
-          </a:prstGeom>
-          <a:ln>
-            <a:solidFill>
-              <a:srgbClr val="FF0000"/>
-            </a:solidFill>
-          </a:ln>
-        </p:spPr>
-        <p:style>
-          <a:lnRef idx="1">
-            <a:schemeClr val="accent1"/>
-          </a:lnRef>
-          <a:fillRef idx="0">
-            <a:schemeClr val="accent1"/>
-          </a:fillRef>
-          <a:effectRef idx="0">
-            <a:schemeClr val="accent1"/>
-          </a:effectRef>
-          <a:fontRef idx="minor">
-            <a:schemeClr val="tx1"/>
-          </a:fontRef>
-        </p:style>
-      </p:cxnSp>
       <p:pic>
         <p:nvPicPr>
-          <p:cNvPr id="1042" name="Picture 18"/>
+          <p:cNvPr id="1041" name="Picture 17"/>
           <p:cNvPicPr>
             <a:picLocks noChangeAspect="1" noChangeArrowheads="1"/>
           </p:cNvPicPr>
@@ -13322,7 +13221,7 @@
         </p:blipFill>
         <p:spPr bwMode="auto">
           <a:xfrm>
-            <a:off x="4941168" y="6192260"/>
+            <a:off x="3296894" y="6192260"/>
             <a:ext cx="1920397" cy="1440000"/>
           </a:xfrm>
           <a:prstGeom prst="rect">
@@ -13365,13 +13264,13 @@
       </p:pic>
       <p:sp>
         <p:nvSpPr>
-          <p:cNvPr id="193" name="Rectangle 192"/>
+          <p:cNvPr id="188" name="Rectangle 187"/>
           <p:cNvSpPr/>
           <p:nvPr/>
         </p:nvSpPr>
         <p:spPr>
           <a:xfrm>
-            <a:off x="5301208" y="5940152"/>
+            <a:off x="3717032" y="6156176"/>
             <a:ext cx="1008112" cy="288032"/>
           </a:xfrm>
           <a:prstGeom prst="rect">
@@ -13411,7 +13310,7 @@
                   <a:schemeClr val="tx1"/>
                 </a:solidFill>
               </a:rPr>
-              <a:t>Ei</a:t>
+              <a:t>dE</a:t>
             </a:r>
             <a:r>
               <a:rPr lang="en-GB" sz="1400" dirty="0" smtClean="0">
@@ -13419,7 +13318,7 @@
                   <a:schemeClr val="tx1"/>
                 </a:solidFill>
               </a:rPr>
-              <a:t>=360+20</a:t>
+              <a:t>=280+20</a:t>
             </a:r>
             <a:endParaRPr lang="en-GB" sz="1400" dirty="0">
               <a:solidFill>
@@ -13429,6 +13328,105 @@
           </a:p>
         </p:txBody>
       </p:sp>
+      <p:cxnSp>
+        <p:nvCxnSpPr>
+          <p:cNvPr id="37" name="Straight Connector 36"/>
+          <p:cNvCxnSpPr/>
+          <p:nvPr/>
+        </p:nvCxnSpPr>
+        <p:spPr>
+          <a:xfrm>
+            <a:off x="4354781" y="1547664"/>
+            <a:ext cx="0" cy="5961424"/>
+          </a:xfrm>
+          <a:prstGeom prst="line">
+            <a:avLst/>
+          </a:prstGeom>
+          <a:ln>
+            <a:solidFill>
+              <a:srgbClr val="FF0000"/>
+            </a:solidFill>
+          </a:ln>
+        </p:spPr>
+        <p:style>
+          <a:lnRef idx="1">
+            <a:schemeClr val="accent1"/>
+          </a:lnRef>
+          <a:fillRef idx="0">
+            <a:schemeClr val="accent1"/>
+          </a:fillRef>
+          <a:effectRef idx="0">
+            <a:schemeClr val="accent1"/>
+          </a:effectRef>
+          <a:fontRef idx="minor">
+            <a:schemeClr val="tx1"/>
+          </a:fontRef>
+        </p:style>
+      </p:cxnSp>
+      <p:pic>
+        <p:nvPicPr>
+          <p:cNvPr id="1042" name="Picture 18"/>
+          <p:cNvPicPr>
+            <a:picLocks noChangeAspect="1" noChangeArrowheads="1"/>
+          </p:cNvPicPr>
+          <p:nvPr/>
+        </p:nvPicPr>
+        <p:blipFill>
+          <a:blip r:embed="rId19" cstate="print">
+            <a:extLst>
+              <a:ext uri="{28A0092B-C50C-407E-A947-70E740481C1C}">
+                <a14:useLocalDpi xmlns:a14="http://schemas.microsoft.com/office/drawing/2010/main" val="0"/>
+              </a:ext>
+            </a:extLst>
+          </a:blip>
+          <a:srcRect/>
+          <a:stretch>
+            <a:fillRect/>
+          </a:stretch>
+        </p:blipFill>
+        <p:spPr bwMode="auto">
+          <a:xfrm>
+            <a:off x="4941168" y="6192260"/>
+            <a:ext cx="1920397" cy="1440000"/>
+          </a:xfrm>
+          <a:prstGeom prst="rect">
+            <a:avLst/>
+          </a:prstGeom>
+          <a:noFill/>
+          <a:ln>
+            <a:noFill/>
+          </a:ln>
+          <a:effectLst/>
+          <a:extLst>
+            <a:ext uri="{909E8E84-426E-40DD-AFC4-6F175D3DCCD1}">
+              <a14:hiddenFill xmlns:a14="http://schemas.microsoft.com/office/drawing/2010/main">
+                <a:solidFill>
+                  <a:schemeClr val="accent1"/>
+                </a:solidFill>
+              </a14:hiddenFill>
+            </a:ext>
+            <a:ext uri="{91240B29-F687-4F45-9708-019B960494DF}">
+              <a14:hiddenLine xmlns:a14="http://schemas.microsoft.com/office/drawing/2010/main" w="9525">
+                <a:solidFill>
+                  <a:schemeClr val="tx1"/>
+                </a:solidFill>
+                <a:miter lim="800000"/>
+                <a:headEnd/>
+                <a:tailEnd/>
+              </a14:hiddenLine>
+            </a:ext>
+            <a:ext uri="{AF507438-7753-43E0-B8FC-AC1667EBCBE1}">
+              <a14:hiddenEffects xmlns:a14="http://schemas.microsoft.com/office/drawing/2010/main">
+                <a:effectLst>
+                  <a:outerShdw dist="35921" dir="2700000" algn="ctr" rotWithShape="0">
+                    <a:schemeClr val="bg2"/>
+                  </a:outerShdw>
+                </a:effectLst>
+              </a14:hiddenEffects>
+            </a:ext>
+          </a:extLst>
+        </p:spPr>
+      </p:pic>
       <p:cxnSp>
         <p:nvCxnSpPr>
           <p:cNvPr id="194" name="Straight Connector 193"/>
@@ -13520,6 +13518,586 @@
               <a:srgbClr val="FF0000"/>
             </a:solidFill>
             <a:prstDash val="dash"/>
+          </a:ln>
+        </p:spPr>
+        <p:style>
+          <a:lnRef idx="1">
+            <a:schemeClr val="accent1"/>
+          </a:lnRef>
+          <a:fillRef idx="0">
+            <a:schemeClr val="accent1"/>
+          </a:fillRef>
+          <a:effectRef idx="0">
+            <a:schemeClr val="accent1"/>
+          </a:effectRef>
+          <a:fontRef idx="minor">
+            <a:schemeClr val="tx1"/>
+          </a:fontRef>
+        </p:style>
+      </p:cxnSp>
+      <p:pic>
+        <p:nvPicPr>
+          <p:cNvPr id="1043" name="Picture 19"/>
+          <p:cNvPicPr>
+            <a:picLocks noChangeAspect="1" noChangeArrowheads="1"/>
+          </p:cNvPicPr>
+          <p:nvPr/>
+        </p:nvPicPr>
+        <p:blipFill>
+          <a:blip r:embed="rId20" cstate="print">
+            <a:extLst>
+              <a:ext uri="{28A0092B-C50C-407E-A947-70E740481C1C}">
+                <a14:useLocalDpi xmlns:a14="http://schemas.microsoft.com/office/drawing/2010/main" val="0"/>
+              </a:ext>
+            </a:extLst>
+          </a:blip>
+          <a:srcRect/>
+          <a:stretch>
+            <a:fillRect/>
+          </a:stretch>
+        </p:blipFill>
+        <p:spPr bwMode="auto">
+          <a:xfrm>
+            <a:off x="4892979" y="467544"/>
+            <a:ext cx="1920397" cy="1440000"/>
+          </a:xfrm>
+          <a:prstGeom prst="rect">
+            <a:avLst/>
+          </a:prstGeom>
+          <a:noFill/>
+          <a:ln>
+            <a:noFill/>
+          </a:ln>
+          <a:effectLst/>
+          <a:extLst>
+            <a:ext uri="{909E8E84-426E-40DD-AFC4-6F175D3DCCD1}">
+              <a14:hiddenFill xmlns:a14="http://schemas.microsoft.com/office/drawing/2010/main">
+                <a:solidFill>
+                  <a:schemeClr val="accent1"/>
+                </a:solidFill>
+              </a14:hiddenFill>
+            </a:ext>
+            <a:ext uri="{91240B29-F687-4F45-9708-019B960494DF}">
+              <a14:hiddenLine xmlns:a14="http://schemas.microsoft.com/office/drawing/2010/main" w="9525">
+                <a:solidFill>
+                  <a:schemeClr val="tx1"/>
+                </a:solidFill>
+                <a:miter lim="800000"/>
+                <a:headEnd/>
+                <a:tailEnd/>
+              </a14:hiddenLine>
+            </a:ext>
+            <a:ext uri="{AF507438-7753-43E0-B8FC-AC1667EBCBE1}">
+              <a14:hiddenEffects xmlns:a14="http://schemas.microsoft.com/office/drawing/2010/main">
+                <a:effectLst>
+                  <a:outerShdw dist="35921" dir="2700000" algn="ctr" rotWithShape="0">
+                    <a:schemeClr val="bg2"/>
+                  </a:outerShdw>
+                </a:effectLst>
+              </a14:hiddenEffects>
+            </a:ext>
+          </a:extLst>
+        </p:spPr>
+      </p:pic>
+      <p:pic>
+        <p:nvPicPr>
+          <p:cNvPr id="1044" name="Picture 20"/>
+          <p:cNvPicPr>
+            <a:picLocks noChangeAspect="1" noChangeArrowheads="1"/>
+          </p:cNvPicPr>
+          <p:nvPr/>
+        </p:nvPicPr>
+        <p:blipFill>
+          <a:blip r:embed="rId21" cstate="print">
+            <a:extLst>
+              <a:ext uri="{28A0092B-C50C-407E-A947-70E740481C1C}">
+                <a14:useLocalDpi xmlns:a14="http://schemas.microsoft.com/office/drawing/2010/main" val="0"/>
+              </a:ext>
+            </a:extLst>
+          </a:blip>
+          <a:srcRect/>
+          <a:stretch>
+            <a:fillRect/>
+          </a:stretch>
+        </p:blipFill>
+        <p:spPr bwMode="auto">
+          <a:xfrm>
+            <a:off x="4892979" y="1907864"/>
+            <a:ext cx="1920397" cy="1440000"/>
+          </a:xfrm>
+          <a:prstGeom prst="rect">
+            <a:avLst/>
+          </a:prstGeom>
+          <a:noFill/>
+          <a:ln>
+            <a:noFill/>
+          </a:ln>
+          <a:effectLst/>
+          <a:extLst>
+            <a:ext uri="{909E8E84-426E-40DD-AFC4-6F175D3DCCD1}">
+              <a14:hiddenFill xmlns:a14="http://schemas.microsoft.com/office/drawing/2010/main">
+                <a:solidFill>
+                  <a:schemeClr val="accent1"/>
+                </a:solidFill>
+              </a14:hiddenFill>
+            </a:ext>
+            <a:ext uri="{91240B29-F687-4F45-9708-019B960494DF}">
+              <a14:hiddenLine xmlns:a14="http://schemas.microsoft.com/office/drawing/2010/main" w="9525">
+                <a:solidFill>
+                  <a:schemeClr val="tx1"/>
+                </a:solidFill>
+                <a:miter lim="800000"/>
+                <a:headEnd/>
+                <a:tailEnd/>
+              </a14:hiddenLine>
+            </a:ext>
+            <a:ext uri="{AF507438-7753-43E0-B8FC-AC1667EBCBE1}">
+              <a14:hiddenEffects xmlns:a14="http://schemas.microsoft.com/office/drawing/2010/main">
+                <a:effectLst>
+                  <a:outerShdw dist="35921" dir="2700000" algn="ctr" rotWithShape="0">
+                    <a:schemeClr val="bg2"/>
+                  </a:outerShdw>
+                </a:effectLst>
+              </a14:hiddenEffects>
+            </a:ext>
+          </a:extLst>
+        </p:spPr>
+      </p:pic>
+      <p:pic>
+        <p:nvPicPr>
+          <p:cNvPr id="1046" name="Picture 22"/>
+          <p:cNvPicPr>
+            <a:picLocks noChangeAspect="1" noChangeArrowheads="1"/>
+          </p:cNvPicPr>
+          <p:nvPr/>
+        </p:nvPicPr>
+        <p:blipFill>
+          <a:blip r:embed="rId22" cstate="print">
+            <a:extLst>
+              <a:ext uri="{28A0092B-C50C-407E-A947-70E740481C1C}">
+                <a14:useLocalDpi xmlns:a14="http://schemas.microsoft.com/office/drawing/2010/main" val="0"/>
+              </a:ext>
+            </a:extLst>
+          </a:blip>
+          <a:srcRect/>
+          <a:stretch>
+            <a:fillRect/>
+          </a:stretch>
+        </p:blipFill>
+        <p:spPr bwMode="auto">
+          <a:xfrm>
+            <a:off x="4941168" y="4650513"/>
+            <a:ext cx="1920397" cy="1440000"/>
+          </a:xfrm>
+          <a:prstGeom prst="rect">
+            <a:avLst/>
+          </a:prstGeom>
+          <a:noFill/>
+          <a:ln>
+            <a:noFill/>
+          </a:ln>
+          <a:effectLst/>
+          <a:extLst>
+            <a:ext uri="{909E8E84-426E-40DD-AFC4-6F175D3DCCD1}">
+              <a14:hiddenFill xmlns:a14="http://schemas.microsoft.com/office/drawing/2010/main">
+                <a:solidFill>
+                  <a:schemeClr val="accent1"/>
+                </a:solidFill>
+              </a14:hiddenFill>
+            </a:ext>
+            <a:ext uri="{91240B29-F687-4F45-9708-019B960494DF}">
+              <a14:hiddenLine xmlns:a14="http://schemas.microsoft.com/office/drawing/2010/main" w="9525">
+                <a:solidFill>
+                  <a:schemeClr val="tx1"/>
+                </a:solidFill>
+                <a:miter lim="800000"/>
+                <a:headEnd/>
+                <a:tailEnd/>
+              </a14:hiddenLine>
+            </a:ext>
+            <a:ext uri="{AF507438-7753-43E0-B8FC-AC1667EBCBE1}">
+              <a14:hiddenEffects xmlns:a14="http://schemas.microsoft.com/office/drawing/2010/main">
+                <a:effectLst>
+                  <a:outerShdw dist="35921" dir="2700000" algn="ctr" rotWithShape="0">
+                    <a:schemeClr val="bg2"/>
+                  </a:outerShdw>
+                </a:effectLst>
+              </a14:hiddenEffects>
+            </a:ext>
+          </a:extLst>
+        </p:spPr>
+      </p:pic>
+      <p:sp>
+        <p:nvSpPr>
+          <p:cNvPr id="193" name="Rectangle 192"/>
+          <p:cNvSpPr/>
+          <p:nvPr/>
+        </p:nvSpPr>
+        <p:spPr>
+          <a:xfrm>
+            <a:off x="5301208" y="5940152"/>
+            <a:ext cx="1008112" cy="288032"/>
+          </a:xfrm>
+          <a:prstGeom prst="rect">
+            <a:avLst/>
+          </a:prstGeom>
+          <a:solidFill>
+            <a:schemeClr val="bg1"/>
+          </a:solidFill>
+          <a:ln>
+            <a:noFill/>
+          </a:ln>
+        </p:spPr>
+        <p:style>
+          <a:lnRef idx="2">
+            <a:schemeClr val="accent1">
+              <a:shade val="50000"/>
+            </a:schemeClr>
+          </a:lnRef>
+          <a:fillRef idx="1">
+            <a:schemeClr val="accent1"/>
+          </a:fillRef>
+          <a:effectRef idx="0">
+            <a:schemeClr val="accent1"/>
+          </a:effectRef>
+          <a:fontRef idx="minor">
+            <a:schemeClr val="lt1"/>
+          </a:fontRef>
+        </p:style>
+        <p:txBody>
+          <a:bodyPr rtlCol="0" anchor="ctr"/>
+          <a:lstStyle/>
+          <a:p>
+            <a:pPr algn="ctr"/>
+            <a:r>
+              <a:rPr lang="en-GB" sz="1400" dirty="0" err="1" smtClean="0">
+                <a:solidFill>
+                  <a:schemeClr val="tx1"/>
+                </a:solidFill>
+              </a:rPr>
+              <a:t>dE</a:t>
+            </a:r>
+            <a:r>
+              <a:rPr lang="en-GB" sz="1400" dirty="0" smtClean="0">
+                <a:solidFill>
+                  <a:schemeClr val="tx1"/>
+                </a:solidFill>
+              </a:rPr>
+              <a:t>=360+20</a:t>
+            </a:r>
+            <a:endParaRPr lang="en-GB" sz="1400" dirty="0">
+              <a:solidFill>
+                <a:schemeClr val="tx1"/>
+              </a:solidFill>
+            </a:endParaRPr>
+          </a:p>
+        </p:txBody>
+      </p:sp>
+      <p:pic>
+        <p:nvPicPr>
+          <p:cNvPr id="3" name="Picture 2"/>
+          <p:cNvPicPr>
+            <a:picLocks noChangeAspect="1" noChangeArrowheads="1"/>
+          </p:cNvPicPr>
+          <p:nvPr/>
+        </p:nvPicPr>
+        <p:blipFill>
+          <a:blip r:embed="rId23" cstate="print">
+            <a:extLst>
+              <a:ext uri="{28A0092B-C50C-407E-A947-70E740481C1C}">
+                <a14:useLocalDpi xmlns:a14="http://schemas.microsoft.com/office/drawing/2010/main" val="0"/>
+              </a:ext>
+            </a:extLst>
+          </a:blip>
+          <a:srcRect/>
+          <a:stretch>
+            <a:fillRect/>
+          </a:stretch>
+        </p:blipFill>
+        <p:spPr bwMode="auto">
+          <a:xfrm>
+            <a:off x="5013176" y="7668344"/>
+            <a:ext cx="1837358" cy="1440000"/>
+          </a:xfrm>
+          <a:prstGeom prst="rect">
+            <a:avLst/>
+          </a:prstGeom>
+          <a:noFill/>
+          <a:ln>
+            <a:noFill/>
+          </a:ln>
+          <a:effectLst/>
+          <a:extLst>
+            <a:ext uri="{909E8E84-426E-40DD-AFC4-6F175D3DCCD1}">
+              <a14:hiddenFill xmlns:a14="http://schemas.microsoft.com/office/drawing/2010/main">
+                <a:solidFill>
+                  <a:schemeClr val="accent1"/>
+                </a:solidFill>
+              </a14:hiddenFill>
+            </a:ext>
+            <a:ext uri="{91240B29-F687-4F45-9708-019B960494DF}">
+              <a14:hiddenLine xmlns:a14="http://schemas.microsoft.com/office/drawing/2010/main" w="9525">
+                <a:solidFill>
+                  <a:schemeClr val="tx1"/>
+                </a:solidFill>
+                <a:miter lim="800000"/>
+                <a:headEnd/>
+                <a:tailEnd/>
+              </a14:hiddenLine>
+            </a:ext>
+            <a:ext uri="{AF507438-7753-43E0-B8FC-AC1667EBCBE1}">
+              <a14:hiddenEffects xmlns:a14="http://schemas.microsoft.com/office/drawing/2010/main">
+                <a:effectLst>
+                  <a:outerShdw dist="35921" dir="2700000" algn="ctr" rotWithShape="0">
+                    <a:schemeClr val="bg2"/>
+                  </a:outerShdw>
+                </a:effectLst>
+              </a14:hiddenEffects>
+            </a:ext>
+          </a:extLst>
+        </p:spPr>
+      </p:pic>
+      <p:sp>
+        <p:nvSpPr>
+          <p:cNvPr id="5" name="TextBox 4"/>
+          <p:cNvSpPr txBox="1"/>
+          <p:nvPr/>
+        </p:nvSpPr>
+        <p:spPr>
+          <a:xfrm>
+            <a:off x="5217291" y="7818952"/>
+            <a:ext cx="979755" cy="200055"/>
+          </a:xfrm>
+          <a:prstGeom prst="rect">
+            <a:avLst/>
+          </a:prstGeom>
+          <a:noFill/>
+        </p:spPr>
+        <p:txBody>
+          <a:bodyPr wrap="none" rtlCol="0">
+            <a:spAutoFit/>
+          </a:bodyPr>
+          <a:lstStyle/>
+          <a:p>
+            <a:r>
+              <a:rPr lang="en-GB" sz="700" dirty="0" smtClean="0">
+                <a:solidFill>
+                  <a:srgbClr val="FF0000"/>
+                </a:solidFill>
+              </a:rPr>
+              <a:t>Removed</a:t>
+            </a:r>
+            <a:r>
+              <a:rPr lang="en-GB" sz="700" dirty="0" smtClean="0"/>
+              <a:t> </a:t>
+            </a:r>
+            <a:r>
+              <a:rPr lang="en-GB" sz="700" dirty="0" smtClean="0">
+                <a:solidFill>
+                  <a:srgbClr val="FF0000"/>
+                </a:solidFill>
+              </a:rPr>
+              <a:t>background</a:t>
+            </a:r>
+            <a:endParaRPr lang="en-GB" sz="700" dirty="0">
+              <a:solidFill>
+                <a:srgbClr val="FF0000"/>
+              </a:solidFill>
+            </a:endParaRPr>
+          </a:p>
+        </p:txBody>
+      </p:sp>
+      <p:sp>
+        <p:nvSpPr>
+          <p:cNvPr id="7" name="TextBox 6"/>
+          <p:cNvSpPr txBox="1"/>
+          <p:nvPr/>
+        </p:nvSpPr>
+        <p:spPr>
+          <a:xfrm>
+            <a:off x="480022" y="145398"/>
+            <a:ext cx="816249" cy="369332"/>
+          </a:xfrm>
+          <a:prstGeom prst="rect">
+            <a:avLst/>
+          </a:prstGeom>
+          <a:noFill/>
+        </p:spPr>
+        <p:txBody>
+          <a:bodyPr wrap="none" rtlCol="0">
+            <a:spAutoFit/>
+          </a:bodyPr>
+          <a:lstStyle/>
+          <a:p>
+            <a:r>
+              <a:rPr lang="en-GB" dirty="0" err="1" smtClean="0"/>
+              <a:t>Ei</a:t>
+            </a:r>
+            <a:r>
+              <a:rPr lang="en-GB" dirty="0" smtClean="0"/>
+              <a:t>=401</a:t>
+            </a:r>
+            <a:endParaRPr lang="en-GB" dirty="0"/>
+          </a:p>
+        </p:txBody>
+      </p:sp>
+      <p:sp>
+        <p:nvSpPr>
+          <p:cNvPr id="177" name="TextBox 176"/>
+          <p:cNvSpPr txBox="1"/>
+          <p:nvPr/>
+        </p:nvSpPr>
+        <p:spPr>
+          <a:xfrm>
+            <a:off x="2003521" y="169134"/>
+            <a:ext cx="816249" cy="369332"/>
+          </a:xfrm>
+          <a:prstGeom prst="rect">
+            <a:avLst/>
+          </a:prstGeom>
+          <a:noFill/>
+        </p:spPr>
+        <p:txBody>
+          <a:bodyPr wrap="none" rtlCol="0">
+            <a:spAutoFit/>
+          </a:bodyPr>
+          <a:lstStyle/>
+          <a:p>
+            <a:r>
+              <a:rPr lang="en-GB" dirty="0" err="1" smtClean="0"/>
+              <a:t>Ei</a:t>
+            </a:r>
+            <a:r>
+              <a:rPr lang="en-GB" dirty="0" smtClean="0"/>
+              <a:t>=787</a:t>
+            </a:r>
+            <a:endParaRPr lang="en-GB" dirty="0"/>
+          </a:p>
+        </p:txBody>
+      </p:sp>
+      <p:sp>
+        <p:nvSpPr>
+          <p:cNvPr id="178" name="TextBox 177"/>
+          <p:cNvSpPr txBox="1"/>
+          <p:nvPr/>
+        </p:nvSpPr>
+        <p:spPr>
+          <a:xfrm>
+            <a:off x="3836887" y="1106324"/>
+            <a:ext cx="816249" cy="369332"/>
+          </a:xfrm>
+          <a:prstGeom prst="rect">
+            <a:avLst/>
+          </a:prstGeom>
+          <a:noFill/>
+        </p:spPr>
+        <p:txBody>
+          <a:bodyPr wrap="none" rtlCol="0">
+            <a:spAutoFit/>
+          </a:bodyPr>
+          <a:lstStyle/>
+          <a:p>
+            <a:r>
+              <a:rPr lang="en-GB" dirty="0" err="1" smtClean="0"/>
+              <a:t>Ei</a:t>
+            </a:r>
+            <a:r>
+              <a:rPr lang="en-GB" dirty="0" smtClean="0"/>
+              <a:t>=787</a:t>
+            </a:r>
+            <a:endParaRPr lang="en-GB" dirty="0"/>
+          </a:p>
+        </p:txBody>
+      </p:sp>
+      <p:sp>
+        <p:nvSpPr>
+          <p:cNvPr id="179" name="TextBox 178"/>
+          <p:cNvSpPr txBox="1"/>
+          <p:nvPr/>
+        </p:nvSpPr>
+        <p:spPr>
+          <a:xfrm>
+            <a:off x="524519" y="7082988"/>
+            <a:ext cx="816249" cy="369332"/>
+          </a:xfrm>
+          <a:prstGeom prst="rect">
+            <a:avLst/>
+          </a:prstGeom>
+          <a:noFill/>
+        </p:spPr>
+        <p:txBody>
+          <a:bodyPr wrap="none" rtlCol="0">
+            <a:spAutoFit/>
+          </a:bodyPr>
+          <a:lstStyle/>
+          <a:p>
+            <a:r>
+              <a:rPr lang="en-GB" dirty="0" err="1" smtClean="0"/>
+              <a:t>Ei</a:t>
+            </a:r>
+            <a:r>
+              <a:rPr lang="en-GB" dirty="0" smtClean="0"/>
+              <a:t>=787</a:t>
+            </a:r>
+            <a:endParaRPr lang="en-GB" dirty="0"/>
+          </a:p>
+        </p:txBody>
+      </p:sp>
+      <p:sp>
+        <p:nvSpPr>
+          <p:cNvPr id="8" name="TextBox 7"/>
+          <p:cNvSpPr txBox="1"/>
+          <p:nvPr/>
+        </p:nvSpPr>
+        <p:spPr>
+          <a:xfrm>
+            <a:off x="6385342" y="3215041"/>
+            <a:ext cx="402674" cy="307777"/>
+          </a:xfrm>
+          <a:prstGeom prst="rect">
+            <a:avLst/>
+          </a:prstGeom>
+          <a:noFill/>
+        </p:spPr>
+        <p:txBody>
+          <a:bodyPr wrap="none" rtlCol="0">
+            <a:spAutoFit/>
+          </a:bodyPr>
+          <a:lstStyle/>
+          <a:p>
+            <a:r>
+              <a:rPr lang="en-GB" sz="1400" dirty="0" smtClean="0">
+                <a:latin typeface="Symbol" panose="05050102010706020507" pitchFamily="18" charset="2"/>
+              </a:rPr>
+              <a:t>P?</a:t>
+            </a:r>
+            <a:endParaRPr lang="en-GB" sz="1400" dirty="0">
+              <a:latin typeface="Symbol" panose="05050102010706020507" pitchFamily="18" charset="2"/>
+            </a:endParaRPr>
+          </a:p>
+        </p:txBody>
+      </p:sp>
+      <p:cxnSp>
+        <p:nvCxnSpPr>
+          <p:cNvPr id="10" name="Straight Arrow Connector 9"/>
+          <p:cNvCxnSpPr>
+            <a:stCxn id="8" idx="2"/>
+          </p:cNvCxnSpPr>
+          <p:nvPr/>
+        </p:nvCxnSpPr>
+        <p:spPr>
+          <a:xfrm flipH="1">
+            <a:off x="6021288" y="3522818"/>
+            <a:ext cx="565391" cy="322468"/>
+          </a:xfrm>
+          <a:prstGeom prst="straightConnector1">
+            <a:avLst/>
+          </a:prstGeom>
+          <a:ln>
+            <a:solidFill>
+              <a:srgbClr val="FF0000"/>
+            </a:solidFill>
+            <a:tailEnd type="arrow"/>
           </a:ln>
         </p:spPr>
         <p:style>

--- a/Jan2015/Summary2015.pptx
+++ b/Jan2015/Summary2015.pptx
@@ -291,7 +291,7 @@
           <a:p>
             <a:fld id="{103F0B6B-0F34-4B60-AA46-B717113E1AE3}" type="datetimeFigureOut">
               <a:rPr lang="en-GB" smtClean="0"/>
-              <a:t>06/01/2015</a:t>
+              <a:t>09/07/2015</a:t>
             </a:fld>
             <a:endParaRPr lang="en-GB"/>
           </a:p>
@@ -461,7 +461,7 @@
           <a:p>
             <a:fld id="{103F0B6B-0F34-4B60-AA46-B717113E1AE3}" type="datetimeFigureOut">
               <a:rPr lang="en-GB" smtClean="0"/>
-              <a:t>06/01/2015</a:t>
+              <a:t>09/07/2015</a:t>
             </a:fld>
             <a:endParaRPr lang="en-GB"/>
           </a:p>
@@ -641,7 +641,7 @@
           <a:p>
             <a:fld id="{103F0B6B-0F34-4B60-AA46-B717113E1AE3}" type="datetimeFigureOut">
               <a:rPr lang="en-GB" smtClean="0"/>
-              <a:t>06/01/2015</a:t>
+              <a:t>09/07/2015</a:t>
             </a:fld>
             <a:endParaRPr lang="en-GB"/>
           </a:p>
@@ -811,7 +811,7 @@
           <a:p>
             <a:fld id="{103F0B6B-0F34-4B60-AA46-B717113E1AE3}" type="datetimeFigureOut">
               <a:rPr lang="en-GB" smtClean="0"/>
-              <a:t>06/01/2015</a:t>
+              <a:t>09/07/2015</a:t>
             </a:fld>
             <a:endParaRPr lang="en-GB"/>
           </a:p>
@@ -1057,7 +1057,7 @@
           <a:p>
             <a:fld id="{103F0B6B-0F34-4B60-AA46-B717113E1AE3}" type="datetimeFigureOut">
               <a:rPr lang="en-GB" smtClean="0"/>
-              <a:t>06/01/2015</a:t>
+              <a:t>09/07/2015</a:t>
             </a:fld>
             <a:endParaRPr lang="en-GB"/>
           </a:p>
@@ -1345,7 +1345,7 @@
           <a:p>
             <a:fld id="{103F0B6B-0F34-4B60-AA46-B717113E1AE3}" type="datetimeFigureOut">
               <a:rPr lang="en-GB" smtClean="0"/>
-              <a:t>06/01/2015</a:t>
+              <a:t>09/07/2015</a:t>
             </a:fld>
             <a:endParaRPr lang="en-GB"/>
           </a:p>
@@ -1767,7 +1767,7 @@
           <a:p>
             <a:fld id="{103F0B6B-0F34-4B60-AA46-B717113E1AE3}" type="datetimeFigureOut">
               <a:rPr lang="en-GB" smtClean="0"/>
-              <a:t>06/01/2015</a:t>
+              <a:t>09/07/2015</a:t>
             </a:fld>
             <a:endParaRPr lang="en-GB"/>
           </a:p>
@@ -1885,7 +1885,7 @@
           <a:p>
             <a:fld id="{103F0B6B-0F34-4B60-AA46-B717113E1AE3}" type="datetimeFigureOut">
               <a:rPr lang="en-GB" smtClean="0"/>
-              <a:t>06/01/2015</a:t>
+              <a:t>09/07/2015</a:t>
             </a:fld>
             <a:endParaRPr lang="en-GB"/>
           </a:p>
@@ -1980,7 +1980,7 @@
           <a:p>
             <a:fld id="{103F0B6B-0F34-4B60-AA46-B717113E1AE3}" type="datetimeFigureOut">
               <a:rPr lang="en-GB" smtClean="0"/>
-              <a:t>06/01/2015</a:t>
+              <a:t>09/07/2015</a:t>
             </a:fld>
             <a:endParaRPr lang="en-GB"/>
           </a:p>
@@ -2257,7 +2257,7 @@
           <a:p>
             <a:fld id="{103F0B6B-0F34-4B60-AA46-B717113E1AE3}" type="datetimeFigureOut">
               <a:rPr lang="en-GB" smtClean="0"/>
-              <a:t>06/01/2015</a:t>
+              <a:t>09/07/2015</a:t>
             </a:fld>
             <a:endParaRPr lang="en-GB"/>
           </a:p>
@@ -2510,7 +2510,7 @@
           <a:p>
             <a:fld id="{103F0B6B-0F34-4B60-AA46-B717113E1AE3}" type="datetimeFigureOut">
               <a:rPr lang="en-GB" smtClean="0"/>
-              <a:t>06/01/2015</a:t>
+              <a:t>09/07/2015</a:t>
             </a:fld>
             <a:endParaRPr lang="en-GB"/>
           </a:p>
@@ -2723,7 +2723,7 @@
           <a:p>
             <a:fld id="{103F0B6B-0F34-4B60-AA46-B717113E1AE3}" type="datetimeFigureOut">
               <a:rPr lang="en-GB" smtClean="0"/>
-              <a:t>06/01/2015</a:t>
+              <a:t>09/07/2015</a:t>
             </a:fld>
             <a:endParaRPr lang="en-GB"/>
           </a:p>
@@ -3719,7 +3719,7 @@
               <a:rPr lang="en-GB" sz="1400" baseline="30000" dirty="0" smtClean="0">
                 <a:latin typeface="Symbol" panose="05050102010706020507" pitchFamily="18" charset="2"/>
               </a:rPr>
-              <a:t>-2</a:t>
+              <a:t>2</a:t>
             </a:r>
             <a:r>
               <a:rPr lang="en-GB" dirty="0" smtClean="0"/>
@@ -4025,7 +4025,7 @@
               <a:rPr lang="en-GB" sz="1400" baseline="30000" dirty="0" smtClean="0">
                 <a:latin typeface="Symbol" panose="05050102010706020507" pitchFamily="18" charset="2"/>
               </a:rPr>
-              <a:t>-2</a:t>
+              <a:t>2</a:t>
             </a:r>
             <a:r>
               <a:rPr lang="en-GB" dirty="0" smtClean="0"/>
@@ -4619,7 +4619,7 @@
               <a:rPr lang="en-GB" sz="1400" baseline="30000" dirty="0" smtClean="0">
                 <a:latin typeface="Symbol" panose="05050102010706020507" pitchFamily="18" charset="2"/>
               </a:rPr>
-              <a:t>-2</a:t>
+              <a:t>2</a:t>
             </a:r>
             <a:r>
               <a:rPr lang="en-GB" dirty="0" smtClean="0"/>
@@ -14125,6 +14125,13 @@
   <p:clrMapOvr>
     <a:masterClrMapping/>
   </p:clrMapOvr>
+  <p:timing>
+    <p:tnLst>
+      <p:par>
+        <p:cTn id="1" dur="indefinite" restart="never" nodeType="tmRoot"/>
+      </p:par>
+    </p:tnLst>
+  </p:timing>
 </p:sld>
 </file>
 
